--- a/src/mapAndSet/JAVA集合类学习.pptx
+++ b/src/mapAndSet/JAVA集合类学习.pptx
@@ -10,6 +10,11 @@
     <p:sldId id="256" r:id="rId4"/>
     <p:sldId id="257" r:id="rId5"/>
     <p:sldId id="258" r:id="rId6"/>
+    <p:sldId id="259" r:id="rId7"/>
+    <p:sldId id="260" r:id="rId8"/>
+    <p:sldId id="261" r:id="rId9"/>
+    <p:sldId id="262" r:id="rId10"/>
+    <p:sldId id="263" r:id="rId11"/>
   </p:sldIdLst>
   <p:sldSz cx="12192000" cy="6858000"/>
   <p:notesSz cx="6858000" cy="9144000"/>
@@ -108,6 +113,11 @@
       </a:defRPr>
     </a:lvl9pPr>
   </p:defaultTextStyle>
+  <p:extLst>
+    <p:ext uri="{EFAFB233-063F-42B5-8137-9DF3F51BA10A}">
+      <p15:sldGuideLst xmlns:p15="http://schemas.microsoft.com/office/powerpoint/2012/main"/>
+    </p:ext>
+  </p:extLst>
 </p:presentation>
 </file>
 
@@ -253,7 +263,7 @@
           <a:p>
             <a:fld id="{4EB6DA34-D19F-48CE-A6EF-FFC49564DE0C}" type="datetimeFigureOut">
               <a:rPr lang="zh-CN" altLang="en-US" smtClean="0"/>
-              <a:t>2019-02-27</a:t>
+              <a:t>2019/2/28</a:t>
             </a:fld>
             <a:endParaRPr lang="zh-CN" altLang="en-US"/>
           </a:p>
@@ -423,7 +433,7 @@
           <a:p>
             <a:fld id="{4EB6DA34-D19F-48CE-A6EF-FFC49564DE0C}" type="datetimeFigureOut">
               <a:rPr lang="zh-CN" altLang="en-US" smtClean="0"/>
-              <a:t>2019-02-27</a:t>
+              <a:t>2019/2/28</a:t>
             </a:fld>
             <a:endParaRPr lang="zh-CN" altLang="en-US"/>
           </a:p>
@@ -603,7 +613,7 @@
           <a:p>
             <a:fld id="{4EB6DA34-D19F-48CE-A6EF-FFC49564DE0C}" type="datetimeFigureOut">
               <a:rPr lang="zh-CN" altLang="en-US" smtClean="0"/>
-              <a:t>2019-02-27</a:t>
+              <a:t>2019/2/28</a:t>
             </a:fld>
             <a:endParaRPr lang="zh-CN" altLang="en-US"/>
           </a:p>
@@ -806,7 +816,7 @@
           <a:p>
             <a:fld id="{4EB6DA34-D19F-48CE-A6EF-FFC49564DE0C}" type="datetimeFigureOut">
               <a:rPr lang="zh-CN" altLang="en-US" smtClean="0"/>
-              <a:t>2019-02-27</a:t>
+              <a:t>2019/2/28</a:t>
             </a:fld>
             <a:endParaRPr lang="zh-CN" altLang="en-US"/>
           </a:p>
@@ -976,7 +986,7 @@
           <a:p>
             <a:fld id="{4EB6DA34-D19F-48CE-A6EF-FFC49564DE0C}" type="datetimeFigureOut">
               <a:rPr lang="zh-CN" altLang="en-US" smtClean="0"/>
-              <a:t>2019-02-27</a:t>
+              <a:t>2019/2/28</a:t>
             </a:fld>
             <a:endParaRPr lang="zh-CN" altLang="en-US"/>
           </a:p>
@@ -1227,7 +1237,7 @@
           <a:p>
             <a:fld id="{4EB6DA34-D19F-48CE-A6EF-FFC49564DE0C}" type="datetimeFigureOut">
               <a:rPr lang="zh-CN" altLang="en-US" smtClean="0"/>
-              <a:t>2019-02-27</a:t>
+              <a:t>2019/2/28</a:t>
             </a:fld>
             <a:endParaRPr lang="zh-CN" altLang="en-US"/>
           </a:p>
@@ -1459,7 +1469,7 @@
           <a:p>
             <a:fld id="{4EB6DA34-D19F-48CE-A6EF-FFC49564DE0C}" type="datetimeFigureOut">
               <a:rPr lang="zh-CN" altLang="en-US" smtClean="0"/>
-              <a:t>2019-02-27</a:t>
+              <a:t>2019/2/28</a:t>
             </a:fld>
             <a:endParaRPr lang="zh-CN" altLang="en-US"/>
           </a:p>
@@ -1806,7 +1816,7 @@
           <a:p>
             <a:fld id="{4EB6DA34-D19F-48CE-A6EF-FFC49564DE0C}" type="datetimeFigureOut">
               <a:rPr lang="zh-CN" altLang="en-US" smtClean="0"/>
-              <a:t>2019-02-27</a:t>
+              <a:t>2019/2/28</a:t>
             </a:fld>
             <a:endParaRPr lang="zh-CN" altLang="en-US"/>
           </a:p>
@@ -1924,7 +1934,7 @@
           <a:p>
             <a:fld id="{4EB6DA34-D19F-48CE-A6EF-FFC49564DE0C}" type="datetimeFigureOut">
               <a:rPr lang="zh-CN" altLang="en-US" smtClean="0"/>
-              <a:t>2019-02-27</a:t>
+              <a:t>2019/2/28</a:t>
             </a:fld>
             <a:endParaRPr lang="zh-CN" altLang="en-US"/>
           </a:p>
@@ -2042,7 +2052,7 @@
           <a:p>
             <a:fld id="{4EB6DA34-D19F-48CE-A6EF-FFC49564DE0C}" type="datetimeFigureOut">
               <a:rPr lang="zh-CN" altLang="en-US" smtClean="0"/>
-              <a:t>2019-02-27</a:t>
+              <a:t>2019/2/28</a:t>
             </a:fld>
             <a:endParaRPr lang="zh-CN" altLang="en-US"/>
           </a:p>
@@ -2326,7 +2336,7 @@
           <a:p>
             <a:fld id="{4EB6DA34-D19F-48CE-A6EF-FFC49564DE0C}" type="datetimeFigureOut">
               <a:rPr lang="zh-CN" altLang="en-US" smtClean="0"/>
-              <a:t>2019-02-27</a:t>
+              <a:t>2019/2/28</a:t>
             </a:fld>
             <a:endParaRPr lang="zh-CN" altLang="en-US"/>
           </a:p>
@@ -2496,7 +2506,7 @@
           <a:p>
             <a:fld id="{4EB6DA34-D19F-48CE-A6EF-FFC49564DE0C}" type="datetimeFigureOut">
               <a:rPr lang="zh-CN" altLang="en-US" smtClean="0"/>
-              <a:t>2019-02-27</a:t>
+              <a:t>2019/2/28</a:t>
             </a:fld>
             <a:endParaRPr lang="zh-CN" altLang="en-US"/>
           </a:p>
@@ -2760,7 +2770,7 @@
           <a:p>
             <a:fld id="{4EB6DA34-D19F-48CE-A6EF-FFC49564DE0C}" type="datetimeFigureOut">
               <a:rPr lang="zh-CN" altLang="en-US" smtClean="0"/>
-              <a:t>2019-02-27</a:t>
+              <a:t>2019/2/28</a:t>
             </a:fld>
             <a:endParaRPr lang="zh-CN" altLang="en-US"/>
           </a:p>
@@ -2930,7 +2940,7 @@
           <a:p>
             <a:fld id="{4EB6DA34-D19F-48CE-A6EF-FFC49564DE0C}" type="datetimeFigureOut">
               <a:rPr lang="zh-CN" altLang="en-US" smtClean="0"/>
-              <a:t>2019-02-27</a:t>
+              <a:t>2019/2/28</a:t>
             </a:fld>
             <a:endParaRPr lang="zh-CN" altLang="en-US"/>
           </a:p>
@@ -3110,7 +3120,7 @@
           <a:p>
             <a:fld id="{4EB6DA34-D19F-48CE-A6EF-FFC49564DE0C}" type="datetimeFigureOut">
               <a:rPr lang="zh-CN" altLang="en-US" smtClean="0"/>
-              <a:t>2019-02-27</a:t>
+              <a:t>2019/2/28</a:t>
             </a:fld>
             <a:endParaRPr lang="zh-CN" altLang="en-US"/>
           </a:p>
@@ -3893,7 +3903,7 @@
           <a:p>
             <a:fld id="{4EB6DA34-D19F-48CE-A6EF-FFC49564DE0C}" type="datetimeFigureOut">
               <a:rPr lang="zh-CN" altLang="en-US" smtClean="0"/>
-              <a:t>2019-02-27</a:t>
+              <a:t>2019/2/28</a:t>
             </a:fld>
             <a:endParaRPr lang="zh-CN" altLang="en-US"/>
           </a:p>
@@ -4069,7 +4079,7 @@
           <a:p>
             <a:fld id="{4EB6DA34-D19F-48CE-A6EF-FFC49564DE0C}" type="datetimeFigureOut">
               <a:rPr lang="zh-CN" altLang="en-US" smtClean="0"/>
-              <a:t>2019-02-27</a:t>
+              <a:t>2019/2/28</a:t>
             </a:fld>
             <a:endParaRPr lang="zh-CN" altLang="en-US"/>
           </a:p>
@@ -4316,7 +4326,7 @@
           <a:p>
             <a:fld id="{4EB6DA34-D19F-48CE-A6EF-FFC49564DE0C}" type="datetimeFigureOut">
               <a:rPr lang="zh-CN" altLang="en-US" smtClean="0"/>
-              <a:t>2019-02-27</a:t>
+              <a:t>2019/2/28</a:t>
             </a:fld>
             <a:endParaRPr lang="zh-CN" altLang="en-US"/>
           </a:p>
@@ -4548,7 +4558,7 @@
           <a:p>
             <a:fld id="{4EB6DA34-D19F-48CE-A6EF-FFC49564DE0C}" type="datetimeFigureOut">
               <a:rPr lang="zh-CN" altLang="en-US" smtClean="0"/>
-              <a:t>2019-02-27</a:t>
+              <a:t>2019/2/28</a:t>
             </a:fld>
             <a:endParaRPr lang="zh-CN" altLang="en-US"/>
           </a:p>
@@ -4922,7 +4932,7 @@
           <a:p>
             <a:fld id="{4EB6DA34-D19F-48CE-A6EF-FFC49564DE0C}" type="datetimeFigureOut">
               <a:rPr lang="zh-CN" altLang="en-US" smtClean="0"/>
-              <a:t>2019-02-27</a:t>
+              <a:t>2019/2/28</a:t>
             </a:fld>
             <a:endParaRPr lang="zh-CN" altLang="en-US"/>
           </a:p>
@@ -5045,7 +5055,7 @@
           <a:p>
             <a:fld id="{4EB6DA34-D19F-48CE-A6EF-FFC49564DE0C}" type="datetimeFigureOut">
               <a:rPr lang="zh-CN" altLang="en-US" smtClean="0"/>
-              <a:t>2019-02-27</a:t>
+              <a:t>2019/2/28</a:t>
             </a:fld>
             <a:endParaRPr lang="zh-CN" altLang="en-US"/>
           </a:p>
@@ -5140,7 +5150,7 @@
           <a:p>
             <a:fld id="{4EB6DA34-D19F-48CE-A6EF-FFC49564DE0C}" type="datetimeFigureOut">
               <a:rPr lang="zh-CN" altLang="en-US" smtClean="0"/>
-              <a:t>2019-02-27</a:t>
+              <a:t>2019/2/28</a:t>
             </a:fld>
             <a:endParaRPr lang="zh-CN" altLang="en-US"/>
           </a:p>
@@ -5391,7 +5401,7 @@
           <a:p>
             <a:fld id="{4EB6DA34-D19F-48CE-A6EF-FFC49564DE0C}" type="datetimeFigureOut">
               <a:rPr lang="zh-CN" altLang="en-US" smtClean="0"/>
-              <a:t>2019-02-27</a:t>
+              <a:t>2019/2/28</a:t>
             </a:fld>
             <a:endParaRPr lang="zh-CN" altLang="en-US"/>
           </a:p>
@@ -5646,7 +5656,7 @@
           <a:p>
             <a:fld id="{4EB6DA34-D19F-48CE-A6EF-FFC49564DE0C}" type="datetimeFigureOut">
               <a:rPr lang="zh-CN" altLang="en-US" smtClean="0"/>
-              <a:t>2019-02-27</a:t>
+              <a:t>2019/2/28</a:t>
             </a:fld>
             <a:endParaRPr lang="zh-CN" altLang="en-US"/>
           </a:p>
@@ -5909,7 +5919,7 @@
           <a:p>
             <a:fld id="{4EB6DA34-D19F-48CE-A6EF-FFC49564DE0C}" type="datetimeFigureOut">
               <a:rPr lang="zh-CN" altLang="en-US" smtClean="0"/>
-              <a:t>2019-02-27</a:t>
+              <a:t>2019/2/28</a:t>
             </a:fld>
             <a:endParaRPr lang="zh-CN" altLang="en-US"/>
           </a:p>
@@ -6160,7 +6170,7 @@
           <a:p>
             <a:fld id="{4EB6DA34-D19F-48CE-A6EF-FFC49564DE0C}" type="datetimeFigureOut">
               <a:rPr lang="zh-CN" altLang="en-US" smtClean="0"/>
-              <a:t>2019-02-27</a:t>
+              <a:t>2019/2/28</a:t>
             </a:fld>
             <a:endParaRPr lang="zh-CN" altLang="en-US"/>
           </a:p>
@@ -6474,7 +6484,7 @@
           <a:p>
             <a:fld id="{4EB6DA34-D19F-48CE-A6EF-FFC49564DE0C}" type="datetimeFigureOut">
               <a:rPr lang="zh-CN" altLang="en-US" smtClean="0"/>
-              <a:t>2019-02-27</a:t>
+              <a:t>2019/2/28</a:t>
             </a:fld>
             <a:endParaRPr lang="zh-CN" altLang="en-US"/>
           </a:p>
@@ -6815,7 +6825,7 @@
           <a:p>
             <a:fld id="{4EB6DA34-D19F-48CE-A6EF-FFC49564DE0C}" type="datetimeFigureOut">
               <a:rPr lang="zh-CN" altLang="en-US" smtClean="0"/>
-              <a:t>2019-02-27</a:t>
+              <a:t>2019/2/28</a:t>
             </a:fld>
             <a:endParaRPr lang="zh-CN" altLang="en-US"/>
           </a:p>
@@ -7129,7 +7139,7 @@
           <a:p>
             <a:fld id="{4EB6DA34-D19F-48CE-A6EF-FFC49564DE0C}" type="datetimeFigureOut">
               <a:rPr lang="zh-CN" altLang="en-US" smtClean="0"/>
-              <a:t>2019-02-27</a:t>
+              <a:t>2019/2/28</a:t>
             </a:fld>
             <a:endParaRPr lang="zh-CN" altLang="en-US"/>
           </a:p>
@@ -7522,7 +7532,7 @@
           <a:p>
             <a:fld id="{4EB6DA34-D19F-48CE-A6EF-FFC49564DE0C}" type="datetimeFigureOut">
               <a:rPr lang="zh-CN" altLang="en-US" smtClean="0"/>
-              <a:t>2019-02-27</a:t>
+              <a:t>2019/2/28</a:t>
             </a:fld>
             <a:endParaRPr lang="zh-CN" altLang="en-US"/>
           </a:p>
@@ -7692,7 +7702,7 @@
           <a:p>
             <a:fld id="{4EB6DA34-D19F-48CE-A6EF-FFC49564DE0C}" type="datetimeFigureOut">
               <a:rPr lang="zh-CN" altLang="en-US" smtClean="0"/>
-              <a:t>2019-02-27</a:t>
+              <a:t>2019/2/28</a:t>
             </a:fld>
             <a:endParaRPr lang="zh-CN" altLang="en-US"/>
           </a:p>
@@ -7872,7 +7882,7 @@
           <a:p>
             <a:fld id="{4EB6DA34-D19F-48CE-A6EF-FFC49564DE0C}" type="datetimeFigureOut">
               <a:rPr lang="zh-CN" altLang="en-US" smtClean="0"/>
-              <a:t>2019-02-27</a:t>
+              <a:t>2019/2/28</a:t>
             </a:fld>
             <a:endParaRPr lang="zh-CN" altLang="en-US"/>
           </a:p>
@@ -8104,7 +8114,7 @@
           <a:p>
             <a:fld id="{4EB6DA34-D19F-48CE-A6EF-FFC49564DE0C}" type="datetimeFigureOut">
               <a:rPr lang="zh-CN" altLang="en-US" smtClean="0"/>
-              <a:t>2019-02-27</a:t>
+              <a:t>2019/2/28</a:t>
             </a:fld>
             <a:endParaRPr lang="zh-CN" altLang="en-US"/>
           </a:p>
@@ -8451,7 +8461,7 @@
           <a:p>
             <a:fld id="{4EB6DA34-D19F-48CE-A6EF-FFC49564DE0C}" type="datetimeFigureOut">
               <a:rPr lang="zh-CN" altLang="en-US" smtClean="0"/>
-              <a:t>2019-02-27</a:t>
+              <a:t>2019/2/28</a:t>
             </a:fld>
             <a:endParaRPr lang="zh-CN" altLang="en-US"/>
           </a:p>
@@ -8569,7 +8579,7 @@
           <a:p>
             <a:fld id="{4EB6DA34-D19F-48CE-A6EF-FFC49564DE0C}" type="datetimeFigureOut">
               <a:rPr lang="zh-CN" altLang="en-US" smtClean="0"/>
-              <a:t>2019-02-27</a:t>
+              <a:t>2019/2/28</a:t>
             </a:fld>
             <a:endParaRPr lang="zh-CN" altLang="en-US"/>
           </a:p>
@@ -8687,7 +8697,7 @@
           <a:p>
             <a:fld id="{4EB6DA34-D19F-48CE-A6EF-FFC49564DE0C}" type="datetimeFigureOut">
               <a:rPr lang="zh-CN" altLang="en-US" smtClean="0"/>
-              <a:t>2019-02-27</a:t>
+              <a:t>2019/2/28</a:t>
             </a:fld>
             <a:endParaRPr lang="zh-CN" altLang="en-US"/>
           </a:p>
@@ -8971,7 +8981,7 @@
           <a:p>
             <a:fld id="{4EB6DA34-D19F-48CE-A6EF-FFC49564DE0C}" type="datetimeFigureOut">
               <a:rPr lang="zh-CN" altLang="en-US" smtClean="0"/>
-              <a:t>2019-02-27</a:t>
+              <a:t>2019/2/28</a:t>
             </a:fld>
             <a:endParaRPr lang="zh-CN" altLang="en-US"/>
           </a:p>
@@ -9235,7 +9245,7 @@
           <a:p>
             <a:fld id="{4EB6DA34-D19F-48CE-A6EF-FFC49564DE0C}" type="datetimeFigureOut">
               <a:rPr lang="zh-CN" altLang="en-US" smtClean="0"/>
-              <a:t>2019-02-27</a:t>
+              <a:t>2019/2/28</a:t>
             </a:fld>
             <a:endParaRPr lang="zh-CN" altLang="en-US"/>
           </a:p>
@@ -9449,7 +9459,7 @@
           <a:p>
             <a:fld id="{4EB6DA34-D19F-48CE-A6EF-FFC49564DE0C}" type="datetimeFigureOut">
               <a:rPr lang="zh-CN" altLang="en-US" smtClean="0"/>
-              <a:t>2019-02-27</a:t>
+              <a:t>2019/2/28</a:t>
             </a:fld>
             <a:endParaRPr lang="zh-CN" altLang="en-US"/>
           </a:p>
@@ -9979,7 +9989,7 @@
           <a:p>
             <a:fld id="{4EB6DA34-D19F-48CE-A6EF-FFC49564DE0C}" type="datetimeFigureOut">
               <a:rPr lang="zh-CN" altLang="en-US" smtClean="0"/>
-              <a:t>2019-02-27</a:t>
+              <a:t>2019/2/28</a:t>
             </a:fld>
             <a:endParaRPr lang="zh-CN" altLang="en-US"/>
           </a:p>
@@ -11043,7 +11053,7 @@
           <a:p>
             <a:fld id="{4EB6DA34-D19F-48CE-A6EF-FFC49564DE0C}" type="datetimeFigureOut">
               <a:rPr lang="zh-CN" altLang="en-US" smtClean="0"/>
-              <a:t>2019-02-27</a:t>
+              <a:t>2019/2/28</a:t>
             </a:fld>
             <a:endParaRPr lang="zh-CN" altLang="en-US"/>
           </a:p>
@@ -11572,7 +11582,7 @@
           <p:cNvPr id="2" name="标题 1">
             <a:extLst>
               <a:ext uri="{FF2B5EF4-FFF2-40B4-BE49-F238E27FC236}">
-                <a16:creationId xmlns:a16="http://schemas.microsoft.com/office/drawing/2014/main" id="{3C102671-37F2-4D71-9B4A-EF5EB279A6F2}"/>
+                <a16:creationId xmlns:a16="http://schemas.microsoft.com/office/drawing/2014/main" xmlns="" id="{3C102671-37F2-4D71-9B4A-EF5EB279A6F2}"/>
               </a:ext>
             </a:extLst>
           </p:cNvPr>
@@ -11600,7 +11610,7 @@
           <p:cNvPr id="3" name="副标题 2">
             <a:extLst>
               <a:ext uri="{FF2B5EF4-FFF2-40B4-BE49-F238E27FC236}">
-                <a16:creationId xmlns:a16="http://schemas.microsoft.com/office/drawing/2014/main" id="{A7C968F2-9457-492A-9B5C-90AA670E433A}"/>
+                <a16:creationId xmlns:a16="http://schemas.microsoft.com/office/drawing/2014/main" xmlns="" id="{A7C968F2-9457-492A-9B5C-90AA670E433A}"/>
               </a:ext>
             </a:extLst>
           </p:cNvPr>
@@ -11664,7 +11674,7 @@
           <p:cNvPr id="2" name="标题 1">
             <a:extLst>
               <a:ext uri="{FF2B5EF4-FFF2-40B4-BE49-F238E27FC236}">
-                <a16:creationId xmlns:a16="http://schemas.microsoft.com/office/drawing/2014/main" id="{F70AC072-884F-4D5F-BE2F-A5BE1003DEF4}"/>
+                <a16:creationId xmlns:a16="http://schemas.microsoft.com/office/drawing/2014/main" xmlns="" id="{F70AC072-884F-4D5F-BE2F-A5BE1003DEF4}"/>
               </a:ext>
             </a:extLst>
           </p:cNvPr>
@@ -11698,7 +11708,7 @@
           <p:cNvPr id="3" name="内容占位符 2">
             <a:extLst>
               <a:ext uri="{FF2B5EF4-FFF2-40B4-BE49-F238E27FC236}">
-                <a16:creationId xmlns:a16="http://schemas.microsoft.com/office/drawing/2014/main" id="{5A4F26DD-5B9D-49C8-AC7C-CA9DF2030EDB}"/>
+                <a16:creationId xmlns:a16="http://schemas.microsoft.com/office/drawing/2014/main" xmlns="" id="{5A4F26DD-5B9D-49C8-AC7C-CA9DF2030EDB}"/>
               </a:ext>
             </a:extLst>
           </p:cNvPr>
@@ -12022,7 +12032,7 @@
           <p:cNvPr id="2" name="标题 1">
             <a:extLst>
               <a:ext uri="{FF2B5EF4-FFF2-40B4-BE49-F238E27FC236}">
-                <a16:creationId xmlns:a16="http://schemas.microsoft.com/office/drawing/2014/main" id="{DA07EB44-BB25-4CB4-8159-4BC1835D631D}"/>
+                <a16:creationId xmlns:a16="http://schemas.microsoft.com/office/drawing/2014/main" xmlns="" id="{DA07EB44-BB25-4CB4-8159-4BC1835D631D}"/>
               </a:ext>
             </a:extLst>
           </p:cNvPr>
@@ -12051,7 +12061,7 @@
           <p:cNvPr id="3" name="内容占位符 2">
             <a:extLst>
               <a:ext uri="{FF2B5EF4-FFF2-40B4-BE49-F238E27FC236}">
-                <a16:creationId xmlns:a16="http://schemas.microsoft.com/office/drawing/2014/main" id="{A6A42B36-FBE6-4893-9E56-9CB237E1AEBC}"/>
+                <a16:creationId xmlns:a16="http://schemas.microsoft.com/office/drawing/2014/main" xmlns="" id="{A6A42B36-FBE6-4893-9E56-9CB237E1AEBC}"/>
               </a:ext>
             </a:extLst>
           </p:cNvPr>
@@ -12116,6 +12126,929 @@
     <p:extLst>
       <p:ext uri="{BB962C8B-B14F-4D97-AF65-F5344CB8AC3E}">
         <p14:creationId xmlns:p14="http://schemas.microsoft.com/office/powerpoint/2010/main" val="2477831192"/>
+      </p:ext>
+    </p:extLst>
+  </p:cSld>
+  <p:clrMapOvr>
+    <a:masterClrMapping/>
+  </p:clrMapOvr>
+</p:sld>
+</file>
+
+<file path=ppt/slides/slide4.xml><?xml version="1.0" encoding="utf-8"?>
+<p:sld xmlns:a="http://schemas.openxmlformats.org/drawingml/2006/main" xmlns:r="http://schemas.openxmlformats.org/officeDocument/2006/relationships" xmlns:p="http://schemas.openxmlformats.org/presentationml/2006/main">
+  <p:cSld>
+    <p:spTree>
+      <p:nvGrpSpPr>
+        <p:cNvPr id="1" name=""/>
+        <p:cNvGrpSpPr/>
+        <p:nvPr/>
+      </p:nvGrpSpPr>
+      <p:grpSpPr>
+        <a:xfrm>
+          <a:off x="0" y="0"/>
+          <a:ext cx="0" cy="0"/>
+          <a:chOff x="0" y="0"/>
+          <a:chExt cx="0" cy="0"/>
+        </a:xfrm>
+      </p:grpSpPr>
+      <p:sp>
+        <p:nvSpPr>
+          <p:cNvPr id="2" name="标题 1"/>
+          <p:cNvSpPr>
+            <a:spLocks noGrp="1"/>
+          </p:cNvSpPr>
+          <p:nvPr>
+            <p:ph type="title"/>
+          </p:nvPr>
+        </p:nvSpPr>
+        <p:spPr/>
+        <p:txBody>
+          <a:bodyPr/>
+          <a:lstStyle/>
+          <a:p>
+            <a:r>
+              <a:rPr lang="en-US" altLang="zh-CN" dirty="0" smtClean="0"/>
+              <a:t>LinkedList-1</a:t>
+            </a:r>
+            <a:endParaRPr lang="zh-CN" altLang="en-US" dirty="0"/>
+          </a:p>
+        </p:txBody>
+      </p:sp>
+      <p:sp>
+        <p:nvSpPr>
+          <p:cNvPr id="3" name="内容占位符 2"/>
+          <p:cNvSpPr>
+            <a:spLocks noGrp="1"/>
+          </p:cNvSpPr>
+          <p:nvPr>
+            <p:ph idx="1"/>
+          </p:nvPr>
+        </p:nvSpPr>
+        <p:spPr/>
+        <p:txBody>
+          <a:bodyPr/>
+          <a:lstStyle/>
+          <a:p>
+            <a:r>
+              <a:rPr lang="zh-CN" altLang="en-US" dirty="0" smtClean="0"/>
+              <a:t>基于双向链表实现，即存储单元不仅存储数据同时存储前一条和后一条数据的地址；</a:t>
+            </a:r>
+            <a:endParaRPr lang="en-US" altLang="zh-CN" dirty="0" smtClean="0"/>
+          </a:p>
+          <a:p>
+            <a:endParaRPr lang="en-US" altLang="zh-CN" dirty="0"/>
+          </a:p>
+          <a:p>
+            <a:endParaRPr lang="en-US" altLang="zh-CN" dirty="0" smtClean="0"/>
+          </a:p>
+          <a:p>
+            <a:endParaRPr lang="en-US" altLang="zh-CN" dirty="0"/>
+          </a:p>
+          <a:p>
+            <a:endParaRPr lang="en-US" altLang="zh-CN" dirty="0" smtClean="0"/>
+          </a:p>
+          <a:p>
+            <a:endParaRPr lang="en-US" altLang="zh-CN" dirty="0"/>
+          </a:p>
+          <a:p>
+            <a:endParaRPr lang="en-US" altLang="zh-CN" dirty="0" smtClean="0"/>
+          </a:p>
+          <a:p>
+            <a:r>
+              <a:rPr lang="zh-CN" altLang="en-US" dirty="0" smtClean="0"/>
+              <a:t>常用方法：</a:t>
+            </a:r>
+            <a:r>
+              <a:rPr lang="en-US" altLang="zh-CN" dirty="0" smtClean="0"/>
+              <a:t>add(o),add(</a:t>
+            </a:r>
+            <a:r>
+              <a:rPr lang="en-US" altLang="zh-CN" dirty="0" err="1" smtClean="0"/>
+              <a:t>index,o</a:t>
+            </a:r>
+            <a:r>
+              <a:rPr lang="en-US" altLang="zh-CN" dirty="0" smtClean="0"/>
+              <a:t>)</a:t>
+            </a:r>
+            <a:r>
+              <a:rPr lang="zh-CN" altLang="en-US" dirty="0" smtClean="0"/>
+              <a:t>添加数据；</a:t>
+            </a:r>
+            <a:r>
+              <a:rPr lang="en-US" altLang="zh-CN" dirty="0" smtClean="0"/>
+              <a:t>contains(o)</a:t>
+            </a:r>
+            <a:r>
+              <a:rPr lang="zh-CN" altLang="en-US" dirty="0" smtClean="0"/>
+              <a:t>是否存在；</a:t>
+            </a:r>
+            <a:r>
+              <a:rPr lang="en-US" altLang="zh-CN" dirty="0" smtClean="0"/>
+              <a:t>get(index)</a:t>
+            </a:r>
+            <a:r>
+              <a:rPr lang="zh-CN" altLang="en-US" dirty="0" smtClean="0"/>
+              <a:t>获取数据；</a:t>
+            </a:r>
+            <a:r>
+              <a:rPr lang="en-US" altLang="zh-CN" dirty="0" err="1" smtClean="0"/>
+              <a:t>indexof</a:t>
+            </a:r>
+            <a:r>
+              <a:rPr lang="en-US" altLang="zh-CN" dirty="0" smtClean="0"/>
+              <a:t>(o)</a:t>
+            </a:r>
+            <a:r>
+              <a:rPr lang="zh-CN" altLang="en-US" dirty="0" smtClean="0"/>
+              <a:t>获取索引；</a:t>
+            </a:r>
+            <a:r>
+              <a:rPr lang="en-US" altLang="zh-CN" dirty="0" smtClean="0"/>
+              <a:t>remove(o)</a:t>
+            </a:r>
+            <a:r>
+              <a:rPr lang="zh-CN" altLang="en-US" dirty="0" smtClean="0"/>
+              <a:t>移除</a:t>
+            </a:r>
+            <a:endParaRPr lang="en-US" altLang="zh-CN" dirty="0" smtClean="0"/>
+          </a:p>
+          <a:p>
+            <a:endParaRPr lang="zh-CN" altLang="en-US" dirty="0"/>
+          </a:p>
+        </p:txBody>
+      </p:sp>
+      <p:pic>
+        <p:nvPicPr>
+          <p:cNvPr id="4" name="图片 3"/>
+          <p:cNvPicPr>
+            <a:picLocks noChangeAspect="1"/>
+          </p:cNvPicPr>
+          <p:nvPr/>
+        </p:nvPicPr>
+        <p:blipFill>
+          <a:blip r:embed="rId2"/>
+          <a:stretch>
+            <a:fillRect/>
+          </a:stretch>
+        </p:blipFill>
+        <p:spPr>
+          <a:xfrm>
+            <a:off x="1144361" y="2771366"/>
+            <a:ext cx="3371850" cy="2238375"/>
+          </a:xfrm>
+          <a:prstGeom prst="rect">
+            <a:avLst/>
+          </a:prstGeom>
+        </p:spPr>
+      </p:pic>
+      <p:pic>
+        <p:nvPicPr>
+          <p:cNvPr id="5" name="图片 4"/>
+          <p:cNvPicPr>
+            <a:picLocks noChangeAspect="1"/>
+          </p:cNvPicPr>
+          <p:nvPr/>
+        </p:nvPicPr>
+        <p:blipFill>
+          <a:blip r:embed="rId3"/>
+          <a:stretch>
+            <a:fillRect/>
+          </a:stretch>
+        </p:blipFill>
+        <p:spPr>
+          <a:xfrm>
+            <a:off x="4609419" y="2771366"/>
+            <a:ext cx="5324475" cy="800100"/>
+          </a:xfrm>
+          <a:prstGeom prst="rect">
+            <a:avLst/>
+          </a:prstGeom>
+        </p:spPr>
+      </p:pic>
+    </p:spTree>
+    <p:extLst>
+      <p:ext uri="{BB962C8B-B14F-4D97-AF65-F5344CB8AC3E}">
+        <p14:creationId xmlns:p14="http://schemas.microsoft.com/office/powerpoint/2010/main" val="2545131526"/>
+      </p:ext>
+    </p:extLst>
+  </p:cSld>
+  <p:clrMapOvr>
+    <a:masterClrMapping/>
+  </p:clrMapOvr>
+</p:sld>
+</file>
+
+<file path=ppt/slides/slide5.xml><?xml version="1.0" encoding="utf-8"?>
+<p:sld xmlns:a="http://schemas.openxmlformats.org/drawingml/2006/main" xmlns:r="http://schemas.openxmlformats.org/officeDocument/2006/relationships" xmlns:p="http://schemas.openxmlformats.org/presentationml/2006/main">
+  <p:cSld>
+    <p:spTree>
+      <p:nvGrpSpPr>
+        <p:cNvPr id="1" name=""/>
+        <p:cNvGrpSpPr/>
+        <p:nvPr/>
+      </p:nvGrpSpPr>
+      <p:grpSpPr>
+        <a:xfrm>
+          <a:off x="0" y="0"/>
+          <a:ext cx="0" cy="0"/>
+          <a:chOff x="0" y="0"/>
+          <a:chExt cx="0" cy="0"/>
+        </a:xfrm>
+      </p:grpSpPr>
+      <p:sp>
+        <p:nvSpPr>
+          <p:cNvPr id="2" name="标题 1"/>
+          <p:cNvSpPr>
+            <a:spLocks noGrp="1"/>
+          </p:cNvSpPr>
+          <p:nvPr>
+            <p:ph type="title"/>
+          </p:nvPr>
+        </p:nvSpPr>
+        <p:spPr/>
+        <p:txBody>
+          <a:bodyPr/>
+          <a:lstStyle/>
+          <a:p>
+            <a:r>
+              <a:rPr lang="en-US" altLang="zh-CN" dirty="0" smtClean="0"/>
+              <a:t>LinkedList-2</a:t>
+            </a:r>
+            <a:endParaRPr lang="zh-CN" altLang="en-US" dirty="0"/>
+          </a:p>
+        </p:txBody>
+      </p:sp>
+      <p:sp>
+        <p:nvSpPr>
+          <p:cNvPr id="3" name="内容占位符 2"/>
+          <p:cNvSpPr>
+            <a:spLocks noGrp="1"/>
+          </p:cNvSpPr>
+          <p:nvPr>
+            <p:ph idx="1"/>
+          </p:nvPr>
+        </p:nvSpPr>
+        <p:spPr/>
+        <p:txBody>
+          <a:bodyPr/>
+          <a:lstStyle/>
+          <a:p>
+            <a:r>
+              <a:rPr lang="zh-CN" altLang="en-US" dirty="0" smtClean="0"/>
+              <a:t>获取数据索引时会从第一个数据开始遍历，通过</a:t>
+            </a:r>
+            <a:r>
+              <a:rPr lang="en-US" altLang="zh-CN" dirty="0" smtClean="0"/>
+              <a:t>next</a:t>
+            </a:r>
+            <a:r>
+              <a:rPr lang="zh-CN" altLang="en-US" dirty="0" smtClean="0"/>
+              <a:t>获取下一个元素地址，继续进行判断，类似</a:t>
+            </a:r>
+            <a:r>
+              <a:rPr lang="en-US" altLang="zh-CN" dirty="0" smtClean="0"/>
+              <a:t>contains(o),</a:t>
+            </a:r>
+            <a:r>
+              <a:rPr lang="en-US" altLang="zh-CN" dirty="0" err="1" smtClean="0"/>
+              <a:t>indexof</a:t>
+            </a:r>
+            <a:r>
+              <a:rPr lang="en-US" altLang="zh-CN" dirty="0" smtClean="0"/>
+              <a:t>(o)</a:t>
+            </a:r>
+            <a:r>
+              <a:rPr lang="zh-CN" altLang="en-US" dirty="0" smtClean="0"/>
+              <a:t>方法；</a:t>
+            </a:r>
+            <a:endParaRPr lang="en-US" altLang="zh-CN" dirty="0" smtClean="0"/>
+          </a:p>
+          <a:p>
+            <a:endParaRPr lang="en-US" altLang="zh-CN" dirty="0"/>
+          </a:p>
+          <a:p>
+            <a:endParaRPr lang="en-US" altLang="zh-CN" dirty="0" smtClean="0"/>
+          </a:p>
+          <a:p>
+            <a:endParaRPr lang="en-US" altLang="zh-CN" dirty="0" smtClean="0"/>
+          </a:p>
+          <a:p>
+            <a:r>
+              <a:rPr lang="zh-CN" altLang="en-US" dirty="0" smtClean="0"/>
+              <a:t>依据索引获取数据时，会从近的头部或者尾部进行查找，类似方法</a:t>
+            </a:r>
+            <a:r>
+              <a:rPr lang="en-US" altLang="zh-CN" dirty="0" smtClean="0"/>
+              <a:t>get(index);</a:t>
+            </a:r>
+          </a:p>
+          <a:p>
+            <a:endParaRPr lang="zh-CN" altLang="en-US" dirty="0"/>
+          </a:p>
+        </p:txBody>
+      </p:sp>
+      <p:pic>
+        <p:nvPicPr>
+          <p:cNvPr id="4" name="图片 3"/>
+          <p:cNvPicPr>
+            <a:picLocks noChangeAspect="1"/>
+          </p:cNvPicPr>
+          <p:nvPr/>
+        </p:nvPicPr>
+        <p:blipFill>
+          <a:blip r:embed="rId2"/>
+          <a:stretch>
+            <a:fillRect/>
+          </a:stretch>
+        </p:blipFill>
+        <p:spPr>
+          <a:xfrm>
+            <a:off x="1144361" y="2798989"/>
+            <a:ext cx="3371850" cy="1085850"/>
+          </a:xfrm>
+          <a:prstGeom prst="rect">
+            <a:avLst/>
+          </a:prstGeom>
+        </p:spPr>
+      </p:pic>
+      <p:pic>
+        <p:nvPicPr>
+          <p:cNvPr id="5" name="图片 4"/>
+          <p:cNvPicPr>
+            <a:picLocks noChangeAspect="1"/>
+          </p:cNvPicPr>
+          <p:nvPr/>
+        </p:nvPicPr>
+        <p:blipFill>
+          <a:blip r:embed="rId3"/>
+          <a:stretch>
+            <a:fillRect/>
+          </a:stretch>
+        </p:blipFill>
+        <p:spPr>
+          <a:xfrm>
+            <a:off x="1038088" y="4367212"/>
+            <a:ext cx="2905125" cy="2390775"/>
+          </a:xfrm>
+          <a:prstGeom prst="rect">
+            <a:avLst/>
+          </a:prstGeom>
+        </p:spPr>
+      </p:pic>
+    </p:spTree>
+    <p:extLst>
+      <p:ext uri="{BB962C8B-B14F-4D97-AF65-F5344CB8AC3E}">
+        <p14:creationId xmlns:p14="http://schemas.microsoft.com/office/powerpoint/2010/main" val="2118000574"/>
+      </p:ext>
+    </p:extLst>
+  </p:cSld>
+  <p:clrMapOvr>
+    <a:masterClrMapping/>
+  </p:clrMapOvr>
+</p:sld>
+</file>
+
+<file path=ppt/slides/slide6.xml><?xml version="1.0" encoding="utf-8"?>
+<p:sld xmlns:a="http://schemas.openxmlformats.org/drawingml/2006/main" xmlns:r="http://schemas.openxmlformats.org/officeDocument/2006/relationships" xmlns:p="http://schemas.openxmlformats.org/presentationml/2006/main">
+  <p:cSld>
+    <p:spTree>
+      <p:nvGrpSpPr>
+        <p:cNvPr id="1" name=""/>
+        <p:cNvGrpSpPr/>
+        <p:nvPr/>
+      </p:nvGrpSpPr>
+      <p:grpSpPr>
+        <a:xfrm>
+          <a:off x="0" y="0"/>
+          <a:ext cx="0" cy="0"/>
+          <a:chOff x="0" y="0"/>
+          <a:chExt cx="0" cy="0"/>
+        </a:xfrm>
+      </p:grpSpPr>
+      <p:sp>
+        <p:nvSpPr>
+          <p:cNvPr id="2" name="标题 1"/>
+          <p:cNvSpPr>
+            <a:spLocks noGrp="1"/>
+          </p:cNvSpPr>
+          <p:nvPr>
+            <p:ph type="title"/>
+          </p:nvPr>
+        </p:nvSpPr>
+        <p:spPr/>
+        <p:txBody>
+          <a:bodyPr/>
+          <a:lstStyle/>
+          <a:p>
+            <a:r>
+              <a:rPr lang="en-US" altLang="zh-CN" dirty="0" smtClean="0"/>
+              <a:t>LinkedList-3</a:t>
+            </a:r>
+            <a:endParaRPr lang="zh-CN" altLang="en-US" dirty="0"/>
+          </a:p>
+        </p:txBody>
+      </p:sp>
+      <p:sp>
+        <p:nvSpPr>
+          <p:cNvPr id="3" name="内容占位符 2"/>
+          <p:cNvSpPr>
+            <a:spLocks noGrp="1"/>
+          </p:cNvSpPr>
+          <p:nvPr>
+            <p:ph idx="1"/>
+          </p:nvPr>
+        </p:nvSpPr>
+        <p:spPr/>
+        <p:txBody>
+          <a:bodyPr/>
+          <a:lstStyle/>
+          <a:p>
+            <a:r>
+              <a:rPr lang="zh-CN" altLang="en-US" dirty="0"/>
+              <a:t>如果你十分确定你插入、删除的元素是在前半段，那么就使用</a:t>
+            </a:r>
+            <a:r>
+              <a:rPr lang="en-US" altLang="zh-CN" dirty="0" err="1"/>
+              <a:t>LinkedList</a:t>
+            </a:r>
+            <a:r>
+              <a:rPr lang="zh-CN" altLang="en-US" dirty="0"/>
+              <a:t>；如果你十分确定你删除、删除的元素在比较靠后的位置，那么可以考虑使用</a:t>
+            </a:r>
+            <a:r>
+              <a:rPr lang="en-US" altLang="zh-CN" dirty="0" err="1"/>
+              <a:t>ArrayList</a:t>
+            </a:r>
+            <a:r>
+              <a:rPr lang="zh-CN" altLang="en-US" dirty="0"/>
+              <a:t>。如果你不能确定你要做的插入、删除是在哪儿呢？那还是建议你使用</a:t>
+            </a:r>
+            <a:r>
+              <a:rPr lang="en-US" altLang="zh-CN" dirty="0" err="1"/>
+              <a:t>LinkedList</a:t>
+            </a:r>
+            <a:r>
+              <a:rPr lang="zh-CN" altLang="en-US" dirty="0"/>
+              <a:t>吧，因为一来</a:t>
+            </a:r>
+            <a:r>
+              <a:rPr lang="en-US" altLang="zh-CN" dirty="0" err="1"/>
+              <a:t>LinkedList</a:t>
+            </a:r>
+            <a:r>
+              <a:rPr lang="zh-CN" altLang="en-US" dirty="0"/>
+              <a:t>整体插入、删除的执行效率比较稳定，没有</a:t>
+            </a:r>
+            <a:r>
+              <a:rPr lang="en-US" altLang="zh-CN" dirty="0" err="1"/>
+              <a:t>ArrayList</a:t>
+            </a:r>
+            <a:r>
+              <a:rPr lang="zh-CN" altLang="en-US" dirty="0"/>
+              <a:t>这种越往后越快的情况；二来插入元素的时候，弄得不好</a:t>
+            </a:r>
+            <a:r>
+              <a:rPr lang="en-US" altLang="zh-CN" dirty="0" err="1"/>
+              <a:t>ArrayList</a:t>
+            </a:r>
+            <a:r>
+              <a:rPr lang="zh-CN" altLang="en-US" dirty="0"/>
+              <a:t>就要进行一次扩容，记住，</a:t>
+            </a:r>
+            <a:r>
+              <a:rPr lang="en-US" altLang="zh-CN" dirty="0" err="1"/>
+              <a:t>ArrayList</a:t>
+            </a:r>
+            <a:r>
+              <a:rPr lang="zh-CN" altLang="en-US"/>
+              <a:t>底层数组扩容是一个既消耗时间又消耗空间的操作</a:t>
+            </a:r>
+          </a:p>
+        </p:txBody>
+      </p:sp>
+    </p:spTree>
+    <p:extLst>
+      <p:ext uri="{BB962C8B-B14F-4D97-AF65-F5344CB8AC3E}">
+        <p14:creationId xmlns:p14="http://schemas.microsoft.com/office/powerpoint/2010/main" val="76582888"/>
+      </p:ext>
+    </p:extLst>
+  </p:cSld>
+  <p:clrMapOvr>
+    <a:masterClrMapping/>
+  </p:clrMapOvr>
+</p:sld>
+</file>
+
+<file path=ppt/slides/slide7.xml><?xml version="1.0" encoding="utf-8"?>
+<p:sld xmlns:a="http://schemas.openxmlformats.org/drawingml/2006/main" xmlns:r="http://schemas.openxmlformats.org/officeDocument/2006/relationships" xmlns:p="http://schemas.openxmlformats.org/presentationml/2006/main">
+  <p:cSld>
+    <p:spTree>
+      <p:nvGrpSpPr>
+        <p:cNvPr id="1" name=""/>
+        <p:cNvGrpSpPr/>
+        <p:nvPr/>
+      </p:nvGrpSpPr>
+      <p:grpSpPr>
+        <a:xfrm>
+          <a:off x="0" y="0"/>
+          <a:ext cx="0" cy="0"/>
+          <a:chOff x="0" y="0"/>
+          <a:chExt cx="0" cy="0"/>
+        </a:xfrm>
+      </p:grpSpPr>
+      <p:sp>
+        <p:nvSpPr>
+          <p:cNvPr id="2" name="标题 1"/>
+          <p:cNvSpPr>
+            <a:spLocks noGrp="1"/>
+          </p:cNvSpPr>
+          <p:nvPr>
+            <p:ph type="title"/>
+          </p:nvPr>
+        </p:nvSpPr>
+        <p:spPr/>
+        <p:txBody>
+          <a:bodyPr/>
+          <a:lstStyle/>
+          <a:p>
+            <a:r>
+              <a:rPr lang="en-US" altLang="zh-CN" dirty="0" smtClean="0"/>
+              <a:t>HashMap-1</a:t>
+            </a:r>
+            <a:endParaRPr lang="zh-CN" altLang="en-US" dirty="0"/>
+          </a:p>
+        </p:txBody>
+      </p:sp>
+      <p:sp>
+        <p:nvSpPr>
+          <p:cNvPr id="3" name="内容占位符 2"/>
+          <p:cNvSpPr>
+            <a:spLocks noGrp="1"/>
+          </p:cNvSpPr>
+          <p:nvPr>
+            <p:ph idx="1"/>
+          </p:nvPr>
+        </p:nvSpPr>
+        <p:spPr/>
+        <p:txBody>
+          <a:bodyPr>
+            <a:normAutofit lnSpcReduction="10000"/>
+          </a:bodyPr>
+          <a:lstStyle/>
+          <a:p>
+            <a:r>
+              <a:rPr lang="zh-CN" altLang="en-US" dirty="0"/>
+              <a:t>基于哈希表的 </a:t>
+            </a:r>
+            <a:r>
+              <a:rPr lang="en-US" altLang="zh-CN" dirty="0"/>
+              <a:t>Map </a:t>
+            </a:r>
+            <a:r>
+              <a:rPr lang="zh-CN" altLang="en-US" dirty="0"/>
+              <a:t>接口的实现，以</a:t>
+            </a:r>
+            <a:r>
+              <a:rPr lang="en-US" altLang="zh-CN" dirty="0"/>
+              <a:t>key-value</a:t>
+            </a:r>
+            <a:r>
+              <a:rPr lang="zh-CN" altLang="en-US" dirty="0"/>
+              <a:t>的形式</a:t>
+            </a:r>
+            <a:r>
+              <a:rPr lang="zh-CN" altLang="en-US" dirty="0" smtClean="0"/>
+              <a:t>存在</a:t>
+            </a:r>
+            <a:r>
+              <a:rPr lang="en-US" altLang="zh-CN" dirty="0" smtClean="0"/>
+              <a:t>;</a:t>
+            </a:r>
+          </a:p>
+          <a:p>
+            <a:r>
+              <a:rPr lang="zh-CN" altLang="en-US" dirty="0"/>
+              <a:t>构造</a:t>
+            </a:r>
+            <a:r>
+              <a:rPr lang="zh-CN" altLang="en-US" dirty="0" smtClean="0"/>
+              <a:t>函数</a:t>
+            </a:r>
+            <a:r>
+              <a:rPr lang="en-US" altLang="zh-CN" dirty="0" smtClean="0"/>
+              <a:t>:</a:t>
+            </a:r>
+            <a:r>
+              <a:rPr lang="en-US" altLang="zh-CN" dirty="0" err="1"/>
+              <a:t>HashMap</a:t>
+            </a:r>
+            <a:r>
+              <a:rPr lang="en-US" altLang="zh-CN" dirty="0" smtClean="0"/>
+              <a:t>() </a:t>
+            </a:r>
+            <a:r>
+              <a:rPr lang="zh-CN" altLang="en-US" dirty="0" smtClean="0"/>
+              <a:t>默认大小为</a:t>
+            </a:r>
+            <a:r>
+              <a:rPr lang="en-US" altLang="zh-CN" dirty="0" smtClean="0"/>
+              <a:t>16 ;</a:t>
+            </a:r>
+            <a:r>
+              <a:rPr lang="en-US" altLang="zh-CN" dirty="0"/>
+              <a:t> </a:t>
+            </a:r>
+            <a:r>
+              <a:rPr lang="en-US" altLang="zh-CN" dirty="0" err="1"/>
+              <a:t>HashMap</a:t>
+            </a:r>
+            <a:r>
+              <a:rPr lang="en-US" altLang="zh-CN" dirty="0"/>
+              <a:t>(</a:t>
+            </a:r>
+            <a:r>
+              <a:rPr lang="en-US" altLang="zh-CN" dirty="0" err="1"/>
+              <a:t>int</a:t>
+            </a:r>
+            <a:r>
+              <a:rPr lang="en-US" altLang="zh-CN" dirty="0"/>
+              <a:t> </a:t>
+            </a:r>
+            <a:r>
+              <a:rPr lang="en-US" altLang="zh-CN" dirty="0" err="1"/>
+              <a:t>initialCapacity</a:t>
+            </a:r>
+            <a:r>
+              <a:rPr lang="en-US" altLang="zh-CN" dirty="0" smtClean="0"/>
+              <a:t>);</a:t>
+            </a:r>
+            <a:r>
+              <a:rPr lang="en-US" altLang="zh-CN" dirty="0"/>
+              <a:t> </a:t>
+            </a:r>
+            <a:r>
+              <a:rPr lang="en-US" altLang="zh-CN" dirty="0" err="1"/>
+              <a:t>HashMap</a:t>
+            </a:r>
+            <a:r>
+              <a:rPr lang="en-US" altLang="zh-CN" dirty="0"/>
+              <a:t>(</a:t>
+            </a:r>
+            <a:r>
+              <a:rPr lang="en-US" altLang="zh-CN" dirty="0" err="1"/>
+              <a:t>int</a:t>
+            </a:r>
+            <a:r>
+              <a:rPr lang="en-US" altLang="zh-CN" dirty="0"/>
+              <a:t> </a:t>
+            </a:r>
+            <a:r>
+              <a:rPr lang="en-US" altLang="zh-CN" dirty="0" err="1"/>
+              <a:t>initialCapacity</a:t>
+            </a:r>
+            <a:r>
+              <a:rPr lang="en-US" altLang="zh-CN" dirty="0"/>
+              <a:t>, float </a:t>
+            </a:r>
+            <a:r>
+              <a:rPr lang="en-US" altLang="zh-CN" dirty="0" err="1"/>
+              <a:t>loadFactor</a:t>
+            </a:r>
+            <a:r>
+              <a:rPr lang="en-US" altLang="zh-CN" dirty="0" smtClean="0"/>
+              <a:t>);</a:t>
+            </a:r>
+          </a:p>
+          <a:p>
+            <a:r>
+              <a:rPr lang="zh-CN" altLang="en-US" dirty="0"/>
+              <a:t>初始容量，加载</a:t>
+            </a:r>
+            <a:r>
+              <a:rPr lang="zh-CN" altLang="en-US" dirty="0" smtClean="0"/>
+              <a:t>因子</a:t>
+            </a:r>
+            <a:r>
+              <a:rPr lang="en-US" altLang="zh-CN" dirty="0"/>
+              <a:t>:</a:t>
+            </a:r>
+            <a:r>
+              <a:rPr lang="en-US" altLang="zh-CN" dirty="0" smtClean="0"/>
+              <a:t>threshold=</a:t>
+            </a:r>
+            <a:r>
+              <a:rPr lang="zh-CN" altLang="en-US" dirty="0" smtClean="0"/>
+              <a:t>初始容量</a:t>
+            </a:r>
+            <a:r>
+              <a:rPr lang="en-US" altLang="zh-CN" dirty="0" smtClean="0"/>
+              <a:t>*</a:t>
+            </a:r>
+            <a:r>
+              <a:rPr lang="zh-CN" altLang="en-US" dirty="0" smtClean="0"/>
+              <a:t>加载因子</a:t>
+            </a:r>
+            <a:r>
+              <a:rPr lang="en-US" altLang="zh-CN" dirty="0" smtClean="0"/>
+              <a:t>,</a:t>
+            </a:r>
+            <a:r>
+              <a:rPr lang="zh-CN" altLang="en-US" dirty="0" smtClean="0"/>
+              <a:t>加载因子默认为</a:t>
+            </a:r>
+            <a:r>
+              <a:rPr lang="en-US" altLang="zh-CN" dirty="0" smtClean="0"/>
+              <a:t>0.75;</a:t>
+            </a:r>
+          </a:p>
+          <a:p>
+            <a:r>
+              <a:rPr lang="zh-CN" altLang="en-US" dirty="0" smtClean="0"/>
+              <a:t> 内部由</a:t>
+            </a:r>
+            <a:r>
+              <a:rPr lang="en-US" altLang="zh-CN" dirty="0"/>
+              <a:t>Node&lt;K,V&gt;[] </a:t>
+            </a:r>
+            <a:r>
+              <a:rPr lang="en-US" altLang="zh-CN" dirty="0" smtClean="0"/>
+              <a:t>table </a:t>
+            </a:r>
+            <a:r>
+              <a:rPr lang="zh-CN" altLang="en-US" dirty="0" smtClean="0"/>
+              <a:t>存储；</a:t>
+            </a:r>
+            <a:endParaRPr lang="en-US" altLang="zh-CN" dirty="0" smtClean="0"/>
+          </a:p>
+          <a:p>
+            <a:r>
+              <a:rPr lang="zh-CN" altLang="en-US" dirty="0"/>
+              <a:t>为了保证</a:t>
+            </a:r>
+            <a:r>
+              <a:rPr lang="en-US" altLang="zh-CN" dirty="0" err="1"/>
+              <a:t>HashMap</a:t>
+            </a:r>
+            <a:r>
+              <a:rPr lang="zh-CN" altLang="en-US" dirty="0"/>
+              <a:t>的效率，系统必须要在某个临界点进行扩容处理。该临界点在当</a:t>
+            </a:r>
+            <a:r>
+              <a:rPr lang="en-US" altLang="zh-CN" dirty="0" err="1"/>
+              <a:t>HashMap</a:t>
+            </a:r>
+            <a:r>
+              <a:rPr lang="zh-CN" altLang="en-US" dirty="0"/>
+              <a:t>中元素的数量等于</a:t>
+            </a:r>
+            <a:r>
+              <a:rPr lang="en-US" altLang="zh-CN" dirty="0"/>
+              <a:t>table</a:t>
+            </a:r>
+            <a:r>
+              <a:rPr lang="zh-CN" altLang="en-US" dirty="0"/>
+              <a:t>数组长度*加载因子。但是扩容是一个非常耗时的过程，因为它需要重新计算这些数据在新</a:t>
+            </a:r>
+            <a:r>
+              <a:rPr lang="en-US" altLang="zh-CN" dirty="0"/>
+              <a:t>table</a:t>
+            </a:r>
+            <a:r>
+              <a:rPr lang="zh-CN" altLang="en-US" dirty="0"/>
+              <a:t>数组中的位置并进行复制处理。所以如果我们已经预知</a:t>
+            </a:r>
+            <a:r>
+              <a:rPr lang="en-US" altLang="zh-CN" dirty="0" err="1"/>
+              <a:t>HashMap</a:t>
+            </a:r>
+            <a:r>
+              <a:rPr lang="zh-CN" altLang="en-US" dirty="0"/>
+              <a:t>中元素的个数，那么预设元素的个数能够有效的提高</a:t>
+            </a:r>
+            <a:r>
+              <a:rPr lang="en-US" altLang="zh-CN" dirty="0" err="1"/>
+              <a:t>HashMap</a:t>
+            </a:r>
+            <a:r>
+              <a:rPr lang="zh-CN" altLang="en-US" dirty="0"/>
+              <a:t>的</a:t>
+            </a:r>
+            <a:r>
+              <a:rPr lang="zh-CN" altLang="en-US" dirty="0" smtClean="0"/>
+              <a:t>性能；</a:t>
+            </a:r>
+            <a:endParaRPr lang="en-US" altLang="zh-CN" dirty="0" smtClean="0"/>
+          </a:p>
+          <a:p>
+            <a:r>
+              <a:rPr lang="zh-CN" altLang="en-US" dirty="0" smtClean="0"/>
+              <a:t>常用方法：</a:t>
+            </a:r>
+            <a:r>
+              <a:rPr lang="en-US" altLang="zh-CN" dirty="0" smtClean="0"/>
+              <a:t>put(K,V),</a:t>
+            </a:r>
+            <a:r>
+              <a:rPr lang="en-US" altLang="zh-CN" dirty="0" err="1" smtClean="0"/>
+              <a:t>containsKey</a:t>
+            </a:r>
+            <a:r>
+              <a:rPr lang="en-US" altLang="zh-CN" dirty="0" smtClean="0"/>
+              <a:t>(K),</a:t>
+            </a:r>
+            <a:r>
+              <a:rPr lang="en-US" altLang="zh-CN" dirty="0" err="1" smtClean="0"/>
+              <a:t>containsValue</a:t>
+            </a:r>
+            <a:r>
+              <a:rPr lang="en-US" altLang="zh-CN" dirty="0" smtClean="0"/>
+              <a:t>(V),get(K),</a:t>
+            </a:r>
+            <a:r>
+              <a:rPr lang="en-US" altLang="zh-CN" dirty="0" err="1" smtClean="0"/>
+              <a:t>entrySet</a:t>
+            </a:r>
+            <a:r>
+              <a:rPr lang="en-US" altLang="zh-CN" dirty="0" smtClean="0"/>
+              <a:t>(),remove(K)</a:t>
+            </a:r>
+            <a:endParaRPr lang="zh-CN" altLang="en-US" dirty="0"/>
+          </a:p>
+        </p:txBody>
+      </p:sp>
+    </p:spTree>
+    <p:extLst>
+      <p:ext uri="{BB962C8B-B14F-4D97-AF65-F5344CB8AC3E}">
+        <p14:creationId xmlns:p14="http://schemas.microsoft.com/office/powerpoint/2010/main" val="2884469920"/>
+      </p:ext>
+    </p:extLst>
+  </p:cSld>
+  <p:clrMapOvr>
+    <a:masterClrMapping/>
+  </p:clrMapOvr>
+</p:sld>
+</file>
+
+<file path=ppt/slides/slide8.xml><?xml version="1.0" encoding="utf-8"?>
+<p:sld xmlns:a="http://schemas.openxmlformats.org/drawingml/2006/main" xmlns:r="http://schemas.openxmlformats.org/officeDocument/2006/relationships" xmlns:p="http://schemas.openxmlformats.org/presentationml/2006/main">
+  <p:cSld>
+    <p:spTree>
+      <p:nvGrpSpPr>
+        <p:cNvPr id="1" name=""/>
+        <p:cNvGrpSpPr/>
+        <p:nvPr/>
+      </p:nvGrpSpPr>
+      <p:grpSpPr>
+        <a:xfrm>
+          <a:off x="0" y="0"/>
+          <a:ext cx="0" cy="0"/>
+          <a:chOff x="0" y="0"/>
+          <a:chExt cx="0" cy="0"/>
+        </a:xfrm>
+      </p:grpSpPr>
+      <p:sp>
+        <p:nvSpPr>
+          <p:cNvPr id="2" name="标题 1"/>
+          <p:cNvSpPr>
+            <a:spLocks noGrp="1"/>
+          </p:cNvSpPr>
+          <p:nvPr>
+            <p:ph type="title"/>
+          </p:nvPr>
+        </p:nvSpPr>
+        <p:spPr/>
+        <p:txBody>
+          <a:bodyPr/>
+          <a:lstStyle/>
+          <a:p>
+            <a:endParaRPr lang="zh-CN" altLang="en-US" dirty="0"/>
+          </a:p>
+        </p:txBody>
+      </p:sp>
+      <p:sp>
+        <p:nvSpPr>
+          <p:cNvPr id="3" name="内容占位符 2"/>
+          <p:cNvSpPr>
+            <a:spLocks noGrp="1"/>
+          </p:cNvSpPr>
+          <p:nvPr>
+            <p:ph idx="1"/>
+          </p:nvPr>
+        </p:nvSpPr>
+        <p:spPr/>
+        <p:txBody>
+          <a:bodyPr/>
+          <a:lstStyle/>
+          <a:p>
+            <a:endParaRPr lang="zh-CN" altLang="en-US" dirty="0"/>
+          </a:p>
+        </p:txBody>
+      </p:sp>
+    </p:spTree>
+    <p:extLst>
+      <p:ext uri="{BB962C8B-B14F-4D97-AF65-F5344CB8AC3E}">
+        <p14:creationId xmlns:p14="http://schemas.microsoft.com/office/powerpoint/2010/main" val="255267502"/>
       </p:ext>
     </p:extLst>
   </p:cSld>

--- a/src/mapAndSet/JAVA集合类学习.pptx
+++ b/src/mapAndSet/JAVA集合类学习.pptx
@@ -15,6 +15,10 @@
     <p:sldId id="261" r:id="rId9"/>
     <p:sldId id="262" r:id="rId10"/>
     <p:sldId id="263" r:id="rId11"/>
+    <p:sldId id="264" r:id="rId12"/>
+    <p:sldId id="265" r:id="rId13"/>
+    <p:sldId id="266" r:id="rId14"/>
+    <p:sldId id="267" r:id="rId15"/>
   </p:sldIdLst>
   <p:sldSz cx="12192000" cy="6858000"/>
   <p:notesSz cx="6858000" cy="9144000"/>
@@ -263,7 +267,7 @@
           <a:p>
             <a:fld id="{4EB6DA34-D19F-48CE-A6EF-FFC49564DE0C}" type="datetimeFigureOut">
               <a:rPr lang="zh-CN" altLang="en-US" smtClean="0"/>
-              <a:t>2019/2/28</a:t>
+              <a:t>2019-02-28</a:t>
             </a:fld>
             <a:endParaRPr lang="zh-CN" altLang="en-US"/>
           </a:p>
@@ -433,7 +437,7 @@
           <a:p>
             <a:fld id="{4EB6DA34-D19F-48CE-A6EF-FFC49564DE0C}" type="datetimeFigureOut">
               <a:rPr lang="zh-CN" altLang="en-US" smtClean="0"/>
-              <a:t>2019/2/28</a:t>
+              <a:t>2019-02-28</a:t>
             </a:fld>
             <a:endParaRPr lang="zh-CN" altLang="en-US"/>
           </a:p>
@@ -613,7 +617,7 @@
           <a:p>
             <a:fld id="{4EB6DA34-D19F-48CE-A6EF-FFC49564DE0C}" type="datetimeFigureOut">
               <a:rPr lang="zh-CN" altLang="en-US" smtClean="0"/>
-              <a:t>2019/2/28</a:t>
+              <a:t>2019-02-28</a:t>
             </a:fld>
             <a:endParaRPr lang="zh-CN" altLang="en-US"/>
           </a:p>
@@ -816,7 +820,7 @@
           <a:p>
             <a:fld id="{4EB6DA34-D19F-48CE-A6EF-FFC49564DE0C}" type="datetimeFigureOut">
               <a:rPr lang="zh-CN" altLang="en-US" smtClean="0"/>
-              <a:t>2019/2/28</a:t>
+              <a:t>2019-02-28</a:t>
             </a:fld>
             <a:endParaRPr lang="zh-CN" altLang="en-US"/>
           </a:p>
@@ -986,7 +990,7 @@
           <a:p>
             <a:fld id="{4EB6DA34-D19F-48CE-A6EF-FFC49564DE0C}" type="datetimeFigureOut">
               <a:rPr lang="zh-CN" altLang="en-US" smtClean="0"/>
-              <a:t>2019/2/28</a:t>
+              <a:t>2019-02-28</a:t>
             </a:fld>
             <a:endParaRPr lang="zh-CN" altLang="en-US"/>
           </a:p>
@@ -1237,7 +1241,7 @@
           <a:p>
             <a:fld id="{4EB6DA34-D19F-48CE-A6EF-FFC49564DE0C}" type="datetimeFigureOut">
               <a:rPr lang="zh-CN" altLang="en-US" smtClean="0"/>
-              <a:t>2019/2/28</a:t>
+              <a:t>2019-02-28</a:t>
             </a:fld>
             <a:endParaRPr lang="zh-CN" altLang="en-US"/>
           </a:p>
@@ -1469,7 +1473,7 @@
           <a:p>
             <a:fld id="{4EB6DA34-D19F-48CE-A6EF-FFC49564DE0C}" type="datetimeFigureOut">
               <a:rPr lang="zh-CN" altLang="en-US" smtClean="0"/>
-              <a:t>2019/2/28</a:t>
+              <a:t>2019-02-28</a:t>
             </a:fld>
             <a:endParaRPr lang="zh-CN" altLang="en-US"/>
           </a:p>
@@ -1816,7 +1820,7 @@
           <a:p>
             <a:fld id="{4EB6DA34-D19F-48CE-A6EF-FFC49564DE0C}" type="datetimeFigureOut">
               <a:rPr lang="zh-CN" altLang="en-US" smtClean="0"/>
-              <a:t>2019/2/28</a:t>
+              <a:t>2019-02-28</a:t>
             </a:fld>
             <a:endParaRPr lang="zh-CN" altLang="en-US"/>
           </a:p>
@@ -1934,7 +1938,7 @@
           <a:p>
             <a:fld id="{4EB6DA34-D19F-48CE-A6EF-FFC49564DE0C}" type="datetimeFigureOut">
               <a:rPr lang="zh-CN" altLang="en-US" smtClean="0"/>
-              <a:t>2019/2/28</a:t>
+              <a:t>2019-02-28</a:t>
             </a:fld>
             <a:endParaRPr lang="zh-CN" altLang="en-US"/>
           </a:p>
@@ -2052,7 +2056,7 @@
           <a:p>
             <a:fld id="{4EB6DA34-D19F-48CE-A6EF-FFC49564DE0C}" type="datetimeFigureOut">
               <a:rPr lang="zh-CN" altLang="en-US" smtClean="0"/>
-              <a:t>2019/2/28</a:t>
+              <a:t>2019-02-28</a:t>
             </a:fld>
             <a:endParaRPr lang="zh-CN" altLang="en-US"/>
           </a:p>
@@ -2336,7 +2340,7 @@
           <a:p>
             <a:fld id="{4EB6DA34-D19F-48CE-A6EF-FFC49564DE0C}" type="datetimeFigureOut">
               <a:rPr lang="zh-CN" altLang="en-US" smtClean="0"/>
-              <a:t>2019/2/28</a:t>
+              <a:t>2019-02-28</a:t>
             </a:fld>
             <a:endParaRPr lang="zh-CN" altLang="en-US"/>
           </a:p>
@@ -2506,7 +2510,7 @@
           <a:p>
             <a:fld id="{4EB6DA34-D19F-48CE-A6EF-FFC49564DE0C}" type="datetimeFigureOut">
               <a:rPr lang="zh-CN" altLang="en-US" smtClean="0"/>
-              <a:t>2019/2/28</a:t>
+              <a:t>2019-02-28</a:t>
             </a:fld>
             <a:endParaRPr lang="zh-CN" altLang="en-US"/>
           </a:p>
@@ -2770,7 +2774,7 @@
           <a:p>
             <a:fld id="{4EB6DA34-D19F-48CE-A6EF-FFC49564DE0C}" type="datetimeFigureOut">
               <a:rPr lang="zh-CN" altLang="en-US" smtClean="0"/>
-              <a:t>2019/2/28</a:t>
+              <a:t>2019-02-28</a:t>
             </a:fld>
             <a:endParaRPr lang="zh-CN" altLang="en-US"/>
           </a:p>
@@ -2940,7 +2944,7 @@
           <a:p>
             <a:fld id="{4EB6DA34-D19F-48CE-A6EF-FFC49564DE0C}" type="datetimeFigureOut">
               <a:rPr lang="zh-CN" altLang="en-US" smtClean="0"/>
-              <a:t>2019/2/28</a:t>
+              <a:t>2019-02-28</a:t>
             </a:fld>
             <a:endParaRPr lang="zh-CN" altLang="en-US"/>
           </a:p>
@@ -3120,7 +3124,7 @@
           <a:p>
             <a:fld id="{4EB6DA34-D19F-48CE-A6EF-FFC49564DE0C}" type="datetimeFigureOut">
               <a:rPr lang="zh-CN" altLang="en-US" smtClean="0"/>
-              <a:t>2019/2/28</a:t>
+              <a:t>2019-02-28</a:t>
             </a:fld>
             <a:endParaRPr lang="zh-CN" altLang="en-US"/>
           </a:p>
@@ -3903,7 +3907,7 @@
           <a:p>
             <a:fld id="{4EB6DA34-D19F-48CE-A6EF-FFC49564DE0C}" type="datetimeFigureOut">
               <a:rPr lang="zh-CN" altLang="en-US" smtClean="0"/>
-              <a:t>2019/2/28</a:t>
+              <a:t>2019-02-28</a:t>
             </a:fld>
             <a:endParaRPr lang="zh-CN" altLang="en-US"/>
           </a:p>
@@ -4079,7 +4083,7 @@
           <a:p>
             <a:fld id="{4EB6DA34-D19F-48CE-A6EF-FFC49564DE0C}" type="datetimeFigureOut">
               <a:rPr lang="zh-CN" altLang="en-US" smtClean="0"/>
-              <a:t>2019/2/28</a:t>
+              <a:t>2019-02-28</a:t>
             </a:fld>
             <a:endParaRPr lang="zh-CN" altLang="en-US"/>
           </a:p>
@@ -4326,7 +4330,7 @@
           <a:p>
             <a:fld id="{4EB6DA34-D19F-48CE-A6EF-FFC49564DE0C}" type="datetimeFigureOut">
               <a:rPr lang="zh-CN" altLang="en-US" smtClean="0"/>
-              <a:t>2019/2/28</a:t>
+              <a:t>2019-02-28</a:t>
             </a:fld>
             <a:endParaRPr lang="zh-CN" altLang="en-US"/>
           </a:p>
@@ -4558,7 +4562,7 @@
           <a:p>
             <a:fld id="{4EB6DA34-D19F-48CE-A6EF-FFC49564DE0C}" type="datetimeFigureOut">
               <a:rPr lang="zh-CN" altLang="en-US" smtClean="0"/>
-              <a:t>2019/2/28</a:t>
+              <a:t>2019-02-28</a:t>
             </a:fld>
             <a:endParaRPr lang="zh-CN" altLang="en-US"/>
           </a:p>
@@ -4932,7 +4936,7 @@
           <a:p>
             <a:fld id="{4EB6DA34-D19F-48CE-A6EF-FFC49564DE0C}" type="datetimeFigureOut">
               <a:rPr lang="zh-CN" altLang="en-US" smtClean="0"/>
-              <a:t>2019/2/28</a:t>
+              <a:t>2019-02-28</a:t>
             </a:fld>
             <a:endParaRPr lang="zh-CN" altLang="en-US"/>
           </a:p>
@@ -5055,7 +5059,7 @@
           <a:p>
             <a:fld id="{4EB6DA34-D19F-48CE-A6EF-FFC49564DE0C}" type="datetimeFigureOut">
               <a:rPr lang="zh-CN" altLang="en-US" smtClean="0"/>
-              <a:t>2019/2/28</a:t>
+              <a:t>2019-02-28</a:t>
             </a:fld>
             <a:endParaRPr lang="zh-CN" altLang="en-US"/>
           </a:p>
@@ -5150,7 +5154,7 @@
           <a:p>
             <a:fld id="{4EB6DA34-D19F-48CE-A6EF-FFC49564DE0C}" type="datetimeFigureOut">
               <a:rPr lang="zh-CN" altLang="en-US" smtClean="0"/>
-              <a:t>2019/2/28</a:t>
+              <a:t>2019-02-28</a:t>
             </a:fld>
             <a:endParaRPr lang="zh-CN" altLang="en-US"/>
           </a:p>
@@ -5401,7 +5405,7 @@
           <a:p>
             <a:fld id="{4EB6DA34-D19F-48CE-A6EF-FFC49564DE0C}" type="datetimeFigureOut">
               <a:rPr lang="zh-CN" altLang="en-US" smtClean="0"/>
-              <a:t>2019/2/28</a:t>
+              <a:t>2019-02-28</a:t>
             </a:fld>
             <a:endParaRPr lang="zh-CN" altLang="en-US"/>
           </a:p>
@@ -5656,7 +5660,7 @@
           <a:p>
             <a:fld id="{4EB6DA34-D19F-48CE-A6EF-FFC49564DE0C}" type="datetimeFigureOut">
               <a:rPr lang="zh-CN" altLang="en-US" smtClean="0"/>
-              <a:t>2019/2/28</a:t>
+              <a:t>2019-02-28</a:t>
             </a:fld>
             <a:endParaRPr lang="zh-CN" altLang="en-US"/>
           </a:p>
@@ -5919,7 +5923,7 @@
           <a:p>
             <a:fld id="{4EB6DA34-D19F-48CE-A6EF-FFC49564DE0C}" type="datetimeFigureOut">
               <a:rPr lang="zh-CN" altLang="en-US" smtClean="0"/>
-              <a:t>2019/2/28</a:t>
+              <a:t>2019-02-28</a:t>
             </a:fld>
             <a:endParaRPr lang="zh-CN" altLang="en-US"/>
           </a:p>
@@ -6170,7 +6174,7 @@
           <a:p>
             <a:fld id="{4EB6DA34-D19F-48CE-A6EF-FFC49564DE0C}" type="datetimeFigureOut">
               <a:rPr lang="zh-CN" altLang="en-US" smtClean="0"/>
-              <a:t>2019/2/28</a:t>
+              <a:t>2019-02-28</a:t>
             </a:fld>
             <a:endParaRPr lang="zh-CN" altLang="en-US"/>
           </a:p>
@@ -6484,7 +6488,7 @@
           <a:p>
             <a:fld id="{4EB6DA34-D19F-48CE-A6EF-FFC49564DE0C}" type="datetimeFigureOut">
               <a:rPr lang="zh-CN" altLang="en-US" smtClean="0"/>
-              <a:t>2019/2/28</a:t>
+              <a:t>2019-02-28</a:t>
             </a:fld>
             <a:endParaRPr lang="zh-CN" altLang="en-US"/>
           </a:p>
@@ -6825,7 +6829,7 @@
           <a:p>
             <a:fld id="{4EB6DA34-D19F-48CE-A6EF-FFC49564DE0C}" type="datetimeFigureOut">
               <a:rPr lang="zh-CN" altLang="en-US" smtClean="0"/>
-              <a:t>2019/2/28</a:t>
+              <a:t>2019-02-28</a:t>
             </a:fld>
             <a:endParaRPr lang="zh-CN" altLang="en-US"/>
           </a:p>
@@ -7139,7 +7143,7 @@
           <a:p>
             <a:fld id="{4EB6DA34-D19F-48CE-A6EF-FFC49564DE0C}" type="datetimeFigureOut">
               <a:rPr lang="zh-CN" altLang="en-US" smtClean="0"/>
-              <a:t>2019/2/28</a:t>
+              <a:t>2019-02-28</a:t>
             </a:fld>
             <a:endParaRPr lang="zh-CN" altLang="en-US"/>
           </a:p>
@@ -7532,7 +7536,7 @@
           <a:p>
             <a:fld id="{4EB6DA34-D19F-48CE-A6EF-FFC49564DE0C}" type="datetimeFigureOut">
               <a:rPr lang="zh-CN" altLang="en-US" smtClean="0"/>
-              <a:t>2019/2/28</a:t>
+              <a:t>2019-02-28</a:t>
             </a:fld>
             <a:endParaRPr lang="zh-CN" altLang="en-US"/>
           </a:p>
@@ -7702,7 +7706,7 @@
           <a:p>
             <a:fld id="{4EB6DA34-D19F-48CE-A6EF-FFC49564DE0C}" type="datetimeFigureOut">
               <a:rPr lang="zh-CN" altLang="en-US" smtClean="0"/>
-              <a:t>2019/2/28</a:t>
+              <a:t>2019-02-28</a:t>
             </a:fld>
             <a:endParaRPr lang="zh-CN" altLang="en-US"/>
           </a:p>
@@ -7882,7 +7886,7 @@
           <a:p>
             <a:fld id="{4EB6DA34-D19F-48CE-A6EF-FFC49564DE0C}" type="datetimeFigureOut">
               <a:rPr lang="zh-CN" altLang="en-US" smtClean="0"/>
-              <a:t>2019/2/28</a:t>
+              <a:t>2019-02-28</a:t>
             </a:fld>
             <a:endParaRPr lang="zh-CN" altLang="en-US"/>
           </a:p>
@@ -8114,7 +8118,7 @@
           <a:p>
             <a:fld id="{4EB6DA34-D19F-48CE-A6EF-FFC49564DE0C}" type="datetimeFigureOut">
               <a:rPr lang="zh-CN" altLang="en-US" smtClean="0"/>
-              <a:t>2019/2/28</a:t>
+              <a:t>2019-02-28</a:t>
             </a:fld>
             <a:endParaRPr lang="zh-CN" altLang="en-US"/>
           </a:p>
@@ -8461,7 +8465,7 @@
           <a:p>
             <a:fld id="{4EB6DA34-D19F-48CE-A6EF-FFC49564DE0C}" type="datetimeFigureOut">
               <a:rPr lang="zh-CN" altLang="en-US" smtClean="0"/>
-              <a:t>2019/2/28</a:t>
+              <a:t>2019-02-28</a:t>
             </a:fld>
             <a:endParaRPr lang="zh-CN" altLang="en-US"/>
           </a:p>
@@ -8579,7 +8583,7 @@
           <a:p>
             <a:fld id="{4EB6DA34-D19F-48CE-A6EF-FFC49564DE0C}" type="datetimeFigureOut">
               <a:rPr lang="zh-CN" altLang="en-US" smtClean="0"/>
-              <a:t>2019/2/28</a:t>
+              <a:t>2019-02-28</a:t>
             </a:fld>
             <a:endParaRPr lang="zh-CN" altLang="en-US"/>
           </a:p>
@@ -8697,7 +8701,7 @@
           <a:p>
             <a:fld id="{4EB6DA34-D19F-48CE-A6EF-FFC49564DE0C}" type="datetimeFigureOut">
               <a:rPr lang="zh-CN" altLang="en-US" smtClean="0"/>
-              <a:t>2019/2/28</a:t>
+              <a:t>2019-02-28</a:t>
             </a:fld>
             <a:endParaRPr lang="zh-CN" altLang="en-US"/>
           </a:p>
@@ -8981,7 +8985,7 @@
           <a:p>
             <a:fld id="{4EB6DA34-D19F-48CE-A6EF-FFC49564DE0C}" type="datetimeFigureOut">
               <a:rPr lang="zh-CN" altLang="en-US" smtClean="0"/>
-              <a:t>2019/2/28</a:t>
+              <a:t>2019-02-28</a:t>
             </a:fld>
             <a:endParaRPr lang="zh-CN" altLang="en-US"/>
           </a:p>
@@ -9245,7 +9249,7 @@
           <a:p>
             <a:fld id="{4EB6DA34-D19F-48CE-A6EF-FFC49564DE0C}" type="datetimeFigureOut">
               <a:rPr lang="zh-CN" altLang="en-US" smtClean="0"/>
-              <a:t>2019/2/28</a:t>
+              <a:t>2019-02-28</a:t>
             </a:fld>
             <a:endParaRPr lang="zh-CN" altLang="en-US"/>
           </a:p>
@@ -9459,7 +9463,7 @@
           <a:p>
             <a:fld id="{4EB6DA34-D19F-48CE-A6EF-FFC49564DE0C}" type="datetimeFigureOut">
               <a:rPr lang="zh-CN" altLang="en-US" smtClean="0"/>
-              <a:t>2019/2/28</a:t>
+              <a:t>2019-02-28</a:t>
             </a:fld>
             <a:endParaRPr lang="zh-CN" altLang="en-US"/>
           </a:p>
@@ -9989,7 +9993,7 @@
           <a:p>
             <a:fld id="{4EB6DA34-D19F-48CE-A6EF-FFC49564DE0C}" type="datetimeFigureOut">
               <a:rPr lang="zh-CN" altLang="en-US" smtClean="0"/>
-              <a:t>2019/2/28</a:t>
+              <a:t>2019-02-28</a:t>
             </a:fld>
             <a:endParaRPr lang="zh-CN" altLang="en-US"/>
           </a:p>
@@ -11053,7 +11057,7 @@
           <a:p>
             <a:fld id="{4EB6DA34-D19F-48CE-A6EF-FFC49564DE0C}" type="datetimeFigureOut">
               <a:rPr lang="zh-CN" altLang="en-US" smtClean="0"/>
-              <a:t>2019/2/28</a:t>
+              <a:t>2019-02-28</a:t>
             </a:fld>
             <a:endParaRPr lang="zh-CN" altLang="en-US"/>
           </a:p>
@@ -11582,7 +11586,7 @@
           <p:cNvPr id="2" name="标题 1">
             <a:extLst>
               <a:ext uri="{FF2B5EF4-FFF2-40B4-BE49-F238E27FC236}">
-                <a16:creationId xmlns:a16="http://schemas.microsoft.com/office/drawing/2014/main" xmlns="" id="{3C102671-37F2-4D71-9B4A-EF5EB279A6F2}"/>
+                <a16:creationId xmlns:a16="http://schemas.microsoft.com/office/drawing/2014/main" id="{3C102671-37F2-4D71-9B4A-EF5EB279A6F2}"/>
               </a:ext>
             </a:extLst>
           </p:cNvPr>
@@ -11610,7 +11614,7 @@
           <p:cNvPr id="3" name="副标题 2">
             <a:extLst>
               <a:ext uri="{FF2B5EF4-FFF2-40B4-BE49-F238E27FC236}">
-                <a16:creationId xmlns:a16="http://schemas.microsoft.com/office/drawing/2014/main" xmlns="" id="{A7C968F2-9457-492A-9B5C-90AA670E433A}"/>
+                <a16:creationId xmlns:a16="http://schemas.microsoft.com/office/drawing/2014/main" id="{A7C968F2-9457-492A-9B5C-90AA670E433A}"/>
               </a:ext>
             </a:extLst>
           </p:cNvPr>
@@ -11643,6 +11647,684 @@
     <p:extLst>
       <p:ext uri="{BB962C8B-B14F-4D97-AF65-F5344CB8AC3E}">
         <p14:creationId xmlns:p14="http://schemas.microsoft.com/office/powerpoint/2010/main" val="2691827226"/>
+      </p:ext>
+    </p:extLst>
+  </p:cSld>
+  <p:clrMapOvr>
+    <a:masterClrMapping/>
+  </p:clrMapOvr>
+</p:sld>
+</file>
+
+<file path=ppt/slides/slide10.xml><?xml version="1.0" encoding="utf-8"?>
+<p:sld xmlns:a="http://schemas.openxmlformats.org/drawingml/2006/main" xmlns:r="http://schemas.openxmlformats.org/officeDocument/2006/relationships" xmlns:p="http://schemas.openxmlformats.org/presentationml/2006/main">
+  <p:cSld>
+    <p:spTree>
+      <p:nvGrpSpPr>
+        <p:cNvPr id="1" name=""/>
+        <p:cNvGrpSpPr/>
+        <p:nvPr/>
+      </p:nvGrpSpPr>
+      <p:grpSpPr>
+        <a:xfrm>
+          <a:off x="0" y="0"/>
+          <a:ext cx="0" cy="0"/>
+          <a:chOff x="0" y="0"/>
+          <a:chExt cx="0" cy="0"/>
+        </a:xfrm>
+      </p:grpSpPr>
+      <p:sp>
+        <p:nvSpPr>
+          <p:cNvPr id="2" name="标题 1">
+            <a:extLst>
+              <a:ext uri="{FF2B5EF4-FFF2-40B4-BE49-F238E27FC236}">
+                <a16:creationId xmlns:a16="http://schemas.microsoft.com/office/drawing/2014/main" id="{55AEDE61-E7B0-4B11-A5C7-2EBD71E389B4}"/>
+              </a:ext>
+            </a:extLst>
+          </p:cNvPr>
+          <p:cNvSpPr>
+            <a:spLocks noGrp="1"/>
+          </p:cNvSpPr>
+          <p:nvPr>
+            <p:ph type="title"/>
+          </p:nvPr>
+        </p:nvSpPr>
+        <p:spPr/>
+        <p:txBody>
+          <a:bodyPr/>
+          <a:lstStyle/>
+          <a:p>
+            <a:r>
+              <a:rPr lang="en-US" altLang="zh-CN" dirty="0"/>
+              <a:t>HashSet</a:t>
+            </a:r>
+            <a:endParaRPr lang="zh-CN" altLang="en-US" dirty="0"/>
+          </a:p>
+        </p:txBody>
+      </p:sp>
+      <p:sp>
+        <p:nvSpPr>
+          <p:cNvPr id="3" name="内容占位符 2">
+            <a:extLst>
+              <a:ext uri="{FF2B5EF4-FFF2-40B4-BE49-F238E27FC236}">
+                <a16:creationId xmlns:a16="http://schemas.microsoft.com/office/drawing/2014/main" id="{0367B682-42CA-4CA9-B685-D95CFD8EBDFD}"/>
+              </a:ext>
+            </a:extLst>
+          </p:cNvPr>
+          <p:cNvSpPr>
+            <a:spLocks noGrp="1"/>
+          </p:cNvSpPr>
+          <p:nvPr>
+            <p:ph idx="1"/>
+          </p:nvPr>
+        </p:nvSpPr>
+        <p:spPr/>
+        <p:txBody>
+          <a:bodyPr/>
+          <a:lstStyle/>
+          <a:p>
+            <a:r>
+              <a:rPr lang="zh-CN" altLang="en-US" dirty="0"/>
+              <a:t>对于</a:t>
+            </a:r>
+            <a:r>
+              <a:rPr lang="en-US" altLang="zh-CN" dirty="0"/>
+              <a:t>HashSet</a:t>
+            </a:r>
+            <a:r>
+              <a:rPr lang="zh-CN" altLang="en-US" dirty="0"/>
+              <a:t>而言，它是基于</a:t>
+            </a:r>
+            <a:r>
+              <a:rPr lang="en-US" altLang="zh-CN" dirty="0"/>
+              <a:t>HashMap</a:t>
+            </a:r>
+            <a:r>
+              <a:rPr lang="zh-CN" altLang="en-US" dirty="0"/>
+              <a:t>实现的，</a:t>
+            </a:r>
+            <a:r>
+              <a:rPr lang="en-US" altLang="zh-CN" dirty="0"/>
+              <a:t>HashSet</a:t>
+            </a:r>
+            <a:r>
+              <a:rPr lang="zh-CN" altLang="en-US" dirty="0"/>
+              <a:t>底层使用</a:t>
+            </a:r>
+            <a:r>
+              <a:rPr lang="en-US" altLang="zh-CN" dirty="0"/>
+              <a:t>HashMap</a:t>
+            </a:r>
+            <a:r>
+              <a:rPr lang="zh-CN" altLang="en-US" dirty="0"/>
+              <a:t>来保存所有元素</a:t>
+            </a:r>
+            <a:r>
+              <a:rPr lang="en-US" altLang="zh-CN" dirty="0"/>
+              <a:t>;</a:t>
+            </a:r>
+          </a:p>
+          <a:p>
+            <a:endParaRPr lang="en-US" altLang="zh-CN" dirty="0"/>
+          </a:p>
+          <a:p>
+            <a:endParaRPr lang="en-US" altLang="zh-CN" dirty="0"/>
+          </a:p>
+          <a:p>
+            <a:endParaRPr lang="en-US" altLang="zh-CN" dirty="0"/>
+          </a:p>
+          <a:p>
+            <a:r>
+              <a:rPr lang="zh-CN" altLang="en-US" dirty="0"/>
+              <a:t>常用方法</a:t>
+            </a:r>
+            <a:r>
+              <a:rPr lang="en-US" altLang="zh-CN" dirty="0"/>
+              <a:t>:add(o)</a:t>
+            </a:r>
+            <a:r>
+              <a:rPr lang="zh-CN" altLang="en-US" dirty="0"/>
+              <a:t>添加数据；</a:t>
+            </a:r>
+            <a:r>
+              <a:rPr lang="en-US" altLang="zh-CN" dirty="0"/>
+              <a:t>size()</a:t>
+            </a:r>
+            <a:r>
+              <a:rPr lang="zh-CN" altLang="en-US" dirty="0"/>
+              <a:t>大小</a:t>
+            </a:r>
+            <a:r>
+              <a:rPr lang="en-US" altLang="zh-CN" dirty="0"/>
+              <a:t>, contains(o) </a:t>
+            </a:r>
+            <a:r>
+              <a:rPr lang="zh-CN" altLang="en-US" dirty="0"/>
+              <a:t>是否存在；</a:t>
+            </a:r>
+            <a:r>
+              <a:rPr lang="en-US" altLang="zh-CN" dirty="0"/>
+              <a:t>iterator()</a:t>
+            </a:r>
+            <a:r>
+              <a:rPr lang="zh-CN" altLang="en-US" dirty="0"/>
+              <a:t> 迭代器</a:t>
+            </a:r>
+            <a:r>
+              <a:rPr lang="en-US" altLang="zh-CN" dirty="0"/>
+              <a:t>;</a:t>
+            </a:r>
+          </a:p>
+          <a:p>
+            <a:r>
+              <a:rPr lang="en-US" altLang="zh-CN" dirty="0"/>
+              <a:t>remove(o) </a:t>
+            </a:r>
+            <a:r>
+              <a:rPr lang="zh-CN" altLang="en-US" dirty="0"/>
+              <a:t>移除数据</a:t>
+            </a:r>
+            <a:r>
+              <a:rPr lang="en-US" altLang="zh-CN" dirty="0"/>
+              <a:t>;</a:t>
+            </a:r>
+          </a:p>
+          <a:p>
+            <a:r>
+              <a:rPr lang="zh-CN" altLang="en-US" dirty="0"/>
+              <a:t>数据不重复</a:t>
+            </a:r>
+            <a:r>
+              <a:rPr lang="en-US" altLang="zh-CN" dirty="0"/>
+              <a:t>,</a:t>
+            </a:r>
+            <a:r>
+              <a:rPr lang="zh-CN" altLang="en-US" dirty="0"/>
+              <a:t>顺序不是固定不变；</a:t>
+            </a:r>
+          </a:p>
+        </p:txBody>
+      </p:sp>
+      <p:pic>
+        <p:nvPicPr>
+          <p:cNvPr id="4" name="图片 3">
+            <a:extLst>
+              <a:ext uri="{FF2B5EF4-FFF2-40B4-BE49-F238E27FC236}">
+                <a16:creationId xmlns:a16="http://schemas.microsoft.com/office/drawing/2014/main" id="{BFE6AB6E-374B-4A7F-9651-37D318DD40FF}"/>
+              </a:ext>
+            </a:extLst>
+          </p:cNvPr>
+          <p:cNvPicPr>
+            <a:picLocks noChangeAspect="1"/>
+          </p:cNvPicPr>
+          <p:nvPr/>
+        </p:nvPicPr>
+        <p:blipFill>
+          <a:blip r:embed="rId2"/>
+          <a:stretch>
+            <a:fillRect/>
+          </a:stretch>
+        </p:blipFill>
+        <p:spPr>
+          <a:xfrm>
+            <a:off x="1059510" y="2890837"/>
+            <a:ext cx="3000375" cy="1076325"/>
+          </a:xfrm>
+          <a:prstGeom prst="rect">
+            <a:avLst/>
+          </a:prstGeom>
+        </p:spPr>
+      </p:pic>
+    </p:spTree>
+    <p:extLst>
+      <p:ext uri="{BB962C8B-B14F-4D97-AF65-F5344CB8AC3E}">
+        <p14:creationId xmlns:p14="http://schemas.microsoft.com/office/powerpoint/2010/main" val="3525286254"/>
+      </p:ext>
+    </p:extLst>
+  </p:cSld>
+  <p:clrMapOvr>
+    <a:masterClrMapping/>
+  </p:clrMapOvr>
+</p:sld>
+</file>
+
+<file path=ppt/slides/slide11.xml><?xml version="1.0" encoding="utf-8"?>
+<p:sld xmlns:a="http://schemas.openxmlformats.org/drawingml/2006/main" xmlns:r="http://schemas.openxmlformats.org/officeDocument/2006/relationships" xmlns:p="http://schemas.openxmlformats.org/presentationml/2006/main">
+  <p:cSld>
+    <p:spTree>
+      <p:nvGrpSpPr>
+        <p:cNvPr id="1" name=""/>
+        <p:cNvGrpSpPr/>
+        <p:nvPr/>
+      </p:nvGrpSpPr>
+      <p:grpSpPr>
+        <a:xfrm>
+          <a:off x="0" y="0"/>
+          <a:ext cx="0" cy="0"/>
+          <a:chOff x="0" y="0"/>
+          <a:chExt cx="0" cy="0"/>
+        </a:xfrm>
+      </p:grpSpPr>
+      <p:sp>
+        <p:nvSpPr>
+          <p:cNvPr id="2" name="标题 1">
+            <a:extLst>
+              <a:ext uri="{FF2B5EF4-FFF2-40B4-BE49-F238E27FC236}">
+                <a16:creationId xmlns:a16="http://schemas.microsoft.com/office/drawing/2014/main" id="{DBC5EEE3-8EF4-45C5-9CB0-94A751D14A31}"/>
+              </a:ext>
+            </a:extLst>
+          </p:cNvPr>
+          <p:cNvSpPr>
+            <a:spLocks noGrp="1"/>
+          </p:cNvSpPr>
+          <p:nvPr>
+            <p:ph type="title"/>
+          </p:nvPr>
+        </p:nvSpPr>
+        <p:spPr/>
+        <p:txBody>
+          <a:bodyPr/>
+          <a:lstStyle/>
+          <a:p>
+            <a:r>
+              <a:rPr lang="en-US" altLang="zh-CN" dirty="0"/>
+              <a:t>TreeSet-1</a:t>
+            </a:r>
+            <a:endParaRPr lang="zh-CN" altLang="en-US" dirty="0"/>
+          </a:p>
+        </p:txBody>
+      </p:sp>
+      <p:sp>
+        <p:nvSpPr>
+          <p:cNvPr id="3" name="内容占位符 2">
+            <a:extLst>
+              <a:ext uri="{FF2B5EF4-FFF2-40B4-BE49-F238E27FC236}">
+                <a16:creationId xmlns:a16="http://schemas.microsoft.com/office/drawing/2014/main" id="{F3BC0AB4-6DBD-45B8-B7C7-7BC4B2BA2647}"/>
+              </a:ext>
+            </a:extLst>
+          </p:cNvPr>
+          <p:cNvSpPr>
+            <a:spLocks noGrp="1"/>
+          </p:cNvSpPr>
+          <p:nvPr>
+            <p:ph idx="1"/>
+          </p:nvPr>
+        </p:nvSpPr>
+        <p:spPr>
+          <a:xfrm>
+            <a:off x="677334" y="2160589"/>
+            <a:ext cx="8596668" cy="4249542"/>
+          </a:xfrm>
+        </p:spPr>
+        <p:txBody>
+          <a:bodyPr/>
+          <a:lstStyle/>
+          <a:p>
+            <a:r>
+              <a:rPr lang="en-US" altLang="zh-CN" dirty="0" err="1"/>
+              <a:t>TreeSet</a:t>
+            </a:r>
+            <a:r>
+              <a:rPr lang="en-US" altLang="zh-CN" dirty="0"/>
+              <a:t> </a:t>
+            </a:r>
+            <a:r>
+              <a:rPr lang="zh-CN" altLang="en-US" dirty="0"/>
+              <a:t>是一个有序的集合</a:t>
+            </a:r>
+            <a:r>
+              <a:rPr lang="en-US" altLang="zh-CN" dirty="0"/>
+              <a:t>;</a:t>
+            </a:r>
+          </a:p>
+          <a:p>
+            <a:r>
+              <a:rPr lang="zh-CN" altLang="en-US" dirty="0"/>
+              <a:t>支持</a:t>
+            </a:r>
+            <a:r>
+              <a:rPr lang="en-US" altLang="zh-CN" dirty="0"/>
+              <a:t>2</a:t>
+            </a:r>
+            <a:r>
+              <a:rPr lang="zh-CN" altLang="en-US" dirty="0"/>
+              <a:t>种排序方式：自然排序</a:t>
+            </a:r>
+            <a:r>
+              <a:rPr lang="en-US" altLang="zh-CN" dirty="0"/>
+              <a:t>Comparable</a:t>
+            </a:r>
+            <a:r>
+              <a:rPr lang="zh-CN" altLang="en-US" dirty="0"/>
+              <a:t> 或者 根据创建</a:t>
+            </a:r>
+            <a:r>
+              <a:rPr lang="en-US" altLang="zh-CN" dirty="0" err="1"/>
+              <a:t>TreeSet</a:t>
+            </a:r>
+            <a:r>
+              <a:rPr lang="en-US" altLang="zh-CN" dirty="0"/>
+              <a:t> </a:t>
+            </a:r>
+            <a:r>
+              <a:rPr lang="zh-CN" altLang="en-US" dirty="0"/>
+              <a:t>时提供的 </a:t>
+            </a:r>
+            <a:r>
+              <a:rPr lang="en-US" altLang="zh-CN" dirty="0"/>
+              <a:t>Comparator </a:t>
+            </a:r>
+            <a:r>
+              <a:rPr lang="zh-CN" altLang="en-US" dirty="0"/>
+              <a:t>进行排序</a:t>
+            </a:r>
+            <a:r>
+              <a:rPr lang="en-US" altLang="zh-CN" dirty="0"/>
+              <a:t>;</a:t>
+            </a:r>
+          </a:p>
+          <a:p>
+            <a:r>
+              <a:rPr lang="zh-CN" altLang="en-US" dirty="0"/>
+              <a:t>常用方法</a:t>
+            </a:r>
+            <a:r>
+              <a:rPr lang="en-US" altLang="zh-CN" dirty="0"/>
+              <a:t>:add(o)</a:t>
+            </a:r>
+            <a:r>
+              <a:rPr lang="zh-CN" altLang="en-US" dirty="0"/>
+              <a:t>添加数据</a:t>
+            </a:r>
+            <a:r>
+              <a:rPr lang="en-US" altLang="zh-CN" dirty="0"/>
+              <a:t>; iterator() </a:t>
+            </a:r>
+            <a:r>
+              <a:rPr lang="zh-CN" altLang="en-US" dirty="0"/>
+              <a:t>正序迭代器，</a:t>
+            </a:r>
+            <a:r>
+              <a:rPr lang="en-US" altLang="zh-CN" dirty="0" err="1"/>
+              <a:t>descendingIterator</a:t>
+            </a:r>
+            <a:r>
+              <a:rPr lang="en-US" altLang="zh-CN" dirty="0"/>
+              <a:t>()</a:t>
+            </a:r>
+            <a:r>
+              <a:rPr lang="zh-CN" altLang="en-US" dirty="0"/>
+              <a:t>倒序迭代器</a:t>
+            </a:r>
+            <a:r>
+              <a:rPr lang="en-US" altLang="zh-CN" dirty="0"/>
+              <a:t>;remove(o)</a:t>
+            </a:r>
+            <a:r>
+              <a:rPr lang="zh-CN" altLang="en-US" dirty="0"/>
+              <a:t>删除数据；</a:t>
+            </a:r>
+            <a:r>
+              <a:rPr lang="en-US" altLang="zh-CN" dirty="0"/>
+              <a:t>first(),last()</a:t>
+            </a:r>
+            <a:r>
+              <a:rPr lang="zh-CN" altLang="en-US" dirty="0"/>
+              <a:t>第一个</a:t>
+            </a:r>
+            <a:r>
+              <a:rPr lang="en-US" altLang="zh-CN" dirty="0"/>
+              <a:t>/</a:t>
+            </a:r>
+            <a:r>
+              <a:rPr lang="zh-CN" altLang="en-US" dirty="0"/>
+              <a:t>最后一个数据；</a:t>
+            </a:r>
+            <a:endParaRPr lang="en-US" altLang="zh-CN" dirty="0"/>
+          </a:p>
+          <a:p>
+            <a:endParaRPr lang="en-US" altLang="zh-CN" dirty="0"/>
+          </a:p>
+          <a:p>
+            <a:endParaRPr lang="en-US" altLang="zh-CN" dirty="0"/>
+          </a:p>
+          <a:p>
+            <a:endParaRPr lang="en-US" altLang="zh-CN" dirty="0"/>
+          </a:p>
+          <a:p>
+            <a:endParaRPr lang="en-US" altLang="zh-CN" dirty="0"/>
+          </a:p>
+          <a:p>
+            <a:endParaRPr lang="en-US" altLang="zh-CN" dirty="0"/>
+          </a:p>
+          <a:p>
+            <a:pPr marL="0" indent="0">
+              <a:buNone/>
+            </a:pPr>
+            <a:r>
+              <a:rPr lang="en-US" altLang="zh-CN" dirty="0" err="1"/>
+              <a:t>TreeSet</a:t>
+            </a:r>
+            <a:r>
+              <a:rPr lang="en-US" altLang="zh-CN" dirty="0"/>
+              <a:t>&lt;Person&gt; people = new </a:t>
+            </a:r>
+            <a:r>
+              <a:rPr lang="en-US" altLang="zh-CN" dirty="0" err="1"/>
+              <a:t>TreeSet</a:t>
+            </a:r>
+            <a:r>
+              <a:rPr lang="en-US" altLang="zh-CN" dirty="0"/>
+              <a:t>&lt;Person&gt;(</a:t>
+            </a:r>
+            <a:r>
+              <a:rPr lang="en-US" altLang="zh-CN" dirty="0" err="1"/>
+              <a:t>comparorPerson</a:t>
+            </a:r>
+            <a:r>
+              <a:rPr lang="en-US" altLang="zh-CN" dirty="0"/>
+              <a:t>);</a:t>
+            </a:r>
+          </a:p>
+          <a:p>
+            <a:endParaRPr lang="zh-CN" altLang="en-US" dirty="0"/>
+          </a:p>
+        </p:txBody>
+      </p:sp>
+      <p:pic>
+        <p:nvPicPr>
+          <p:cNvPr id="5" name="图片 4">
+            <a:extLst>
+              <a:ext uri="{FF2B5EF4-FFF2-40B4-BE49-F238E27FC236}">
+                <a16:creationId xmlns:a16="http://schemas.microsoft.com/office/drawing/2014/main" id="{DD98EB92-99A6-4F76-80CD-1E784765FB2B}"/>
+              </a:ext>
+            </a:extLst>
+          </p:cNvPr>
+          <p:cNvPicPr>
+            <a:picLocks noChangeAspect="1"/>
+          </p:cNvPicPr>
+          <p:nvPr/>
+        </p:nvPicPr>
+        <p:blipFill>
+          <a:blip r:embed="rId2"/>
+          <a:stretch>
+            <a:fillRect/>
+          </a:stretch>
+        </p:blipFill>
+        <p:spPr>
+          <a:xfrm>
+            <a:off x="1095375" y="3853543"/>
+            <a:ext cx="5865262" cy="2024743"/>
+          </a:xfrm>
+          <a:prstGeom prst="rect">
+            <a:avLst/>
+          </a:prstGeom>
+        </p:spPr>
+      </p:pic>
+    </p:spTree>
+    <p:extLst>
+      <p:ext uri="{BB962C8B-B14F-4D97-AF65-F5344CB8AC3E}">
+        <p14:creationId xmlns:p14="http://schemas.microsoft.com/office/powerpoint/2010/main" val="1535008711"/>
+      </p:ext>
+    </p:extLst>
+  </p:cSld>
+  <p:clrMapOvr>
+    <a:masterClrMapping/>
+  </p:clrMapOvr>
+</p:sld>
+</file>
+
+<file path=ppt/slides/slide12.xml><?xml version="1.0" encoding="utf-8"?>
+<p:sld xmlns:a="http://schemas.openxmlformats.org/drawingml/2006/main" xmlns:r="http://schemas.openxmlformats.org/officeDocument/2006/relationships" xmlns:p="http://schemas.openxmlformats.org/presentationml/2006/main">
+  <p:cSld>
+    <p:spTree>
+      <p:nvGrpSpPr>
+        <p:cNvPr id="1" name=""/>
+        <p:cNvGrpSpPr/>
+        <p:nvPr/>
+      </p:nvGrpSpPr>
+      <p:grpSpPr>
+        <a:xfrm>
+          <a:off x="0" y="0"/>
+          <a:ext cx="0" cy="0"/>
+          <a:chOff x="0" y="0"/>
+          <a:chExt cx="0" cy="0"/>
+        </a:xfrm>
+      </p:grpSpPr>
+      <p:sp>
+        <p:nvSpPr>
+          <p:cNvPr id="2" name="标题 1">
+            <a:extLst>
+              <a:ext uri="{FF2B5EF4-FFF2-40B4-BE49-F238E27FC236}">
+                <a16:creationId xmlns:a16="http://schemas.microsoft.com/office/drawing/2014/main" id="{7CF3F3D1-AD2C-4BCB-8E28-6B234AA2433F}"/>
+              </a:ext>
+            </a:extLst>
+          </p:cNvPr>
+          <p:cNvSpPr>
+            <a:spLocks noGrp="1"/>
+          </p:cNvSpPr>
+          <p:nvPr>
+            <p:ph type="title"/>
+          </p:nvPr>
+        </p:nvSpPr>
+        <p:spPr/>
+        <p:txBody>
+          <a:bodyPr/>
+          <a:lstStyle/>
+          <a:p>
+            <a:r>
+              <a:rPr lang="en-US" altLang="zh-CN" dirty="0"/>
+              <a:t>TreeSet-2</a:t>
+            </a:r>
+            <a:endParaRPr lang="zh-CN" altLang="en-US" dirty="0"/>
+          </a:p>
+        </p:txBody>
+      </p:sp>
+      <p:sp>
+        <p:nvSpPr>
+          <p:cNvPr id="3" name="内容占位符 2">
+            <a:extLst>
+              <a:ext uri="{FF2B5EF4-FFF2-40B4-BE49-F238E27FC236}">
+                <a16:creationId xmlns:a16="http://schemas.microsoft.com/office/drawing/2014/main" id="{6DC01474-07AC-474F-8783-B3FE4AC3CA3E}"/>
+              </a:ext>
+            </a:extLst>
+          </p:cNvPr>
+          <p:cNvSpPr>
+            <a:spLocks noGrp="1"/>
+          </p:cNvSpPr>
+          <p:nvPr>
+            <p:ph idx="1"/>
+          </p:nvPr>
+        </p:nvSpPr>
+        <p:spPr/>
+        <p:txBody>
+          <a:bodyPr/>
+          <a:lstStyle/>
+          <a:p>
+            <a:r>
+              <a:rPr lang="zh-CN" altLang="en-US" dirty="0"/>
+              <a:t>自定义类实现</a:t>
+            </a:r>
+            <a:r>
+              <a:rPr lang="en-US" altLang="zh-CN" dirty="0"/>
+              <a:t>Comparable</a:t>
+            </a:r>
+            <a:r>
+              <a:rPr lang="zh-CN" altLang="en-US" dirty="0"/>
+              <a:t>接口；</a:t>
+            </a:r>
+            <a:endParaRPr lang="en-US" altLang="zh-CN" dirty="0"/>
+          </a:p>
+          <a:p>
+            <a:endParaRPr lang="en-US" altLang="zh-CN" dirty="0"/>
+          </a:p>
+          <a:p>
+            <a:endParaRPr lang="en-US" altLang="zh-CN" dirty="0"/>
+          </a:p>
+          <a:p>
+            <a:endParaRPr lang="en-US" altLang="zh-CN" dirty="0"/>
+          </a:p>
+          <a:p>
+            <a:endParaRPr lang="en-US" altLang="zh-CN" dirty="0"/>
+          </a:p>
+          <a:p>
+            <a:endParaRPr lang="en-US" altLang="zh-CN" dirty="0"/>
+          </a:p>
+          <a:p>
+            <a:r>
+              <a:rPr lang="en-US" altLang="zh-CN" dirty="0" err="1"/>
+              <a:t>TreeSet</a:t>
+            </a:r>
+            <a:r>
+              <a:rPr lang="en-US" altLang="zh-CN" dirty="0"/>
+              <a:t>&lt;Person&gt; people = new </a:t>
+            </a:r>
+            <a:r>
+              <a:rPr lang="en-US" altLang="zh-CN" dirty="0" err="1"/>
+              <a:t>TreeSet</a:t>
+            </a:r>
+            <a:r>
+              <a:rPr lang="en-US" altLang="zh-CN"/>
+              <a:t>&lt;Person&gt;();</a:t>
+            </a:r>
+            <a:endParaRPr lang="zh-CN" altLang="en-US" dirty="0"/>
+          </a:p>
+        </p:txBody>
+      </p:sp>
+      <p:pic>
+        <p:nvPicPr>
+          <p:cNvPr id="4" name="图片 3">
+            <a:extLst>
+              <a:ext uri="{FF2B5EF4-FFF2-40B4-BE49-F238E27FC236}">
+                <a16:creationId xmlns:a16="http://schemas.microsoft.com/office/drawing/2014/main" id="{57584321-4F5F-4A10-9D78-52E29B0D4096}"/>
+              </a:ext>
+            </a:extLst>
+          </p:cNvPr>
+          <p:cNvPicPr>
+            <a:picLocks noChangeAspect="1"/>
+          </p:cNvPicPr>
+          <p:nvPr/>
+        </p:nvPicPr>
+        <p:blipFill>
+          <a:blip r:embed="rId2"/>
+          <a:stretch>
+            <a:fillRect/>
+          </a:stretch>
+        </p:blipFill>
+        <p:spPr>
+          <a:xfrm>
+            <a:off x="1125408" y="2444620"/>
+            <a:ext cx="4772025" cy="1856792"/>
+          </a:xfrm>
+          <a:prstGeom prst="rect">
+            <a:avLst/>
+          </a:prstGeom>
+        </p:spPr>
+      </p:pic>
+    </p:spTree>
+    <p:extLst>
+      <p:ext uri="{BB962C8B-B14F-4D97-AF65-F5344CB8AC3E}">
+        <p14:creationId xmlns:p14="http://schemas.microsoft.com/office/powerpoint/2010/main" val="1971762715"/>
       </p:ext>
     </p:extLst>
   </p:cSld>
@@ -11674,7 +12356,7 @@
           <p:cNvPr id="2" name="标题 1">
             <a:extLst>
               <a:ext uri="{FF2B5EF4-FFF2-40B4-BE49-F238E27FC236}">
-                <a16:creationId xmlns:a16="http://schemas.microsoft.com/office/drawing/2014/main" xmlns="" id="{F70AC072-884F-4D5F-BE2F-A5BE1003DEF4}"/>
+                <a16:creationId xmlns:a16="http://schemas.microsoft.com/office/drawing/2014/main" id="{F70AC072-884F-4D5F-BE2F-A5BE1003DEF4}"/>
               </a:ext>
             </a:extLst>
           </p:cNvPr>
@@ -11708,7 +12390,7 @@
           <p:cNvPr id="3" name="内容占位符 2">
             <a:extLst>
               <a:ext uri="{FF2B5EF4-FFF2-40B4-BE49-F238E27FC236}">
-                <a16:creationId xmlns:a16="http://schemas.microsoft.com/office/drawing/2014/main" xmlns="" id="{5A4F26DD-5B9D-49C8-AC7C-CA9DF2030EDB}"/>
+                <a16:creationId xmlns:a16="http://schemas.microsoft.com/office/drawing/2014/main" id="{5A4F26DD-5B9D-49C8-AC7C-CA9DF2030EDB}"/>
               </a:ext>
             </a:extLst>
           </p:cNvPr>
@@ -12032,7 +12714,7 @@
           <p:cNvPr id="2" name="标题 1">
             <a:extLst>
               <a:ext uri="{FF2B5EF4-FFF2-40B4-BE49-F238E27FC236}">
-                <a16:creationId xmlns:a16="http://schemas.microsoft.com/office/drawing/2014/main" xmlns="" id="{DA07EB44-BB25-4CB4-8159-4BC1835D631D}"/>
+                <a16:creationId xmlns:a16="http://schemas.microsoft.com/office/drawing/2014/main" id="{DA07EB44-BB25-4CB4-8159-4BC1835D631D}"/>
               </a:ext>
             </a:extLst>
           </p:cNvPr>
@@ -12061,7 +12743,7 @@
           <p:cNvPr id="3" name="内容占位符 2">
             <a:extLst>
               <a:ext uri="{FF2B5EF4-FFF2-40B4-BE49-F238E27FC236}">
-                <a16:creationId xmlns:a16="http://schemas.microsoft.com/office/drawing/2014/main" xmlns="" id="{A6A42B36-FBE6-4893-9E56-9CB237E1AEBC}"/>
+                <a16:creationId xmlns:a16="http://schemas.microsoft.com/office/drawing/2014/main" id="{A6A42B36-FBE6-4893-9E56-9CB237E1AEBC}"/>
               </a:ext>
             </a:extLst>
           </p:cNvPr>
@@ -12168,7 +12850,7 @@
           <a:lstStyle/>
           <a:p>
             <a:r>
-              <a:rPr lang="en-US" altLang="zh-CN" dirty="0" smtClean="0"/>
+              <a:rPr lang="en-US" altLang="zh-CN" dirty="0"/>
               <a:t>LinkedList-1</a:t>
             </a:r>
             <a:endParaRPr lang="zh-CN" altLang="en-US" dirty="0"/>
@@ -12191,87 +12873,87 @@
           <a:lstStyle/>
           <a:p>
             <a:r>
-              <a:rPr lang="zh-CN" altLang="en-US" dirty="0" smtClean="0"/>
+              <a:rPr lang="zh-CN" altLang="en-US" dirty="0"/>
               <a:t>基于双向链表实现，即存储单元不仅存储数据同时存储前一条和后一条数据的地址；</a:t>
             </a:r>
-            <a:endParaRPr lang="en-US" altLang="zh-CN" dirty="0" smtClean="0"/>
-          </a:p>
-          <a:p>
             <a:endParaRPr lang="en-US" altLang="zh-CN" dirty="0"/>
           </a:p>
           <a:p>
-            <a:endParaRPr lang="en-US" altLang="zh-CN" dirty="0" smtClean="0"/>
-          </a:p>
-          <a:p>
             <a:endParaRPr lang="en-US" altLang="zh-CN" dirty="0"/>
           </a:p>
           <a:p>
-            <a:endParaRPr lang="en-US" altLang="zh-CN" dirty="0" smtClean="0"/>
-          </a:p>
-          <a:p>
             <a:endParaRPr lang="en-US" altLang="zh-CN" dirty="0"/>
           </a:p>
           <a:p>
-            <a:endParaRPr lang="en-US" altLang="zh-CN" dirty="0" smtClean="0"/>
-          </a:p>
-          <a:p>
-            <a:r>
-              <a:rPr lang="zh-CN" altLang="en-US" dirty="0" smtClean="0"/>
+            <a:endParaRPr lang="en-US" altLang="zh-CN" dirty="0"/>
+          </a:p>
+          <a:p>
+            <a:endParaRPr lang="en-US" altLang="zh-CN" dirty="0"/>
+          </a:p>
+          <a:p>
+            <a:endParaRPr lang="en-US" altLang="zh-CN" dirty="0"/>
+          </a:p>
+          <a:p>
+            <a:endParaRPr lang="en-US" altLang="zh-CN" dirty="0"/>
+          </a:p>
+          <a:p>
+            <a:r>
+              <a:rPr lang="zh-CN" altLang="en-US" dirty="0"/>
               <a:t>常用方法：</a:t>
             </a:r>
             <a:r>
-              <a:rPr lang="en-US" altLang="zh-CN" dirty="0" smtClean="0"/>
+              <a:rPr lang="en-US" altLang="zh-CN" dirty="0"/>
               <a:t>add(o),add(</a:t>
             </a:r>
             <a:r>
-              <a:rPr lang="en-US" altLang="zh-CN" dirty="0" err="1" smtClean="0"/>
+              <a:rPr lang="en-US" altLang="zh-CN" dirty="0" err="1"/>
               <a:t>index,o</a:t>
             </a:r>
             <a:r>
-              <a:rPr lang="en-US" altLang="zh-CN" dirty="0" smtClean="0"/>
+              <a:rPr lang="en-US" altLang="zh-CN" dirty="0"/>
               <a:t>)</a:t>
             </a:r>
             <a:r>
-              <a:rPr lang="zh-CN" altLang="en-US" dirty="0" smtClean="0"/>
+              <a:rPr lang="zh-CN" altLang="en-US" dirty="0"/>
               <a:t>添加数据；</a:t>
             </a:r>
             <a:r>
-              <a:rPr lang="en-US" altLang="zh-CN" dirty="0" smtClean="0"/>
+              <a:rPr lang="en-US" altLang="zh-CN" dirty="0"/>
               <a:t>contains(o)</a:t>
             </a:r>
             <a:r>
-              <a:rPr lang="zh-CN" altLang="en-US" dirty="0" smtClean="0"/>
+              <a:rPr lang="zh-CN" altLang="en-US" dirty="0"/>
               <a:t>是否存在；</a:t>
             </a:r>
             <a:r>
-              <a:rPr lang="en-US" altLang="zh-CN" dirty="0" smtClean="0"/>
+              <a:rPr lang="en-US" altLang="zh-CN" dirty="0"/>
               <a:t>get(index)</a:t>
             </a:r>
             <a:r>
-              <a:rPr lang="zh-CN" altLang="en-US" dirty="0" smtClean="0"/>
+              <a:rPr lang="zh-CN" altLang="en-US" dirty="0"/>
               <a:t>获取数据；</a:t>
             </a:r>
             <a:r>
-              <a:rPr lang="en-US" altLang="zh-CN" dirty="0" err="1" smtClean="0"/>
+              <a:rPr lang="en-US" altLang="zh-CN" dirty="0" err="1"/>
               <a:t>indexof</a:t>
             </a:r>
             <a:r>
-              <a:rPr lang="en-US" altLang="zh-CN" dirty="0" smtClean="0"/>
+              <a:rPr lang="en-US" altLang="zh-CN" dirty="0"/>
               <a:t>(o)</a:t>
             </a:r>
             <a:r>
-              <a:rPr lang="zh-CN" altLang="en-US" dirty="0" smtClean="0"/>
+              <a:rPr lang="zh-CN" altLang="en-US" dirty="0"/>
               <a:t>获取索引；</a:t>
             </a:r>
             <a:r>
-              <a:rPr lang="en-US" altLang="zh-CN" dirty="0" smtClean="0"/>
+              <a:rPr lang="en-US" altLang="zh-CN" dirty="0"/>
               <a:t>remove(o)</a:t>
             </a:r>
             <a:r>
-              <a:rPr lang="zh-CN" altLang="en-US" dirty="0" smtClean="0"/>
+              <a:rPr lang="zh-CN" altLang="en-US" dirty="0"/>
               <a:t>移除</a:t>
             </a:r>
-            <a:endParaRPr lang="en-US" altLang="zh-CN" dirty="0" smtClean="0"/>
+            <a:endParaRPr lang="en-US" altLang="zh-CN" dirty="0"/>
           </a:p>
           <a:p>
             <a:endParaRPr lang="zh-CN" altLang="en-US" dirty="0"/>
@@ -12372,7 +13054,7 @@
           <a:lstStyle/>
           <a:p>
             <a:r>
-              <a:rPr lang="en-US" altLang="zh-CN" dirty="0" smtClean="0"/>
+              <a:rPr lang="en-US" altLang="zh-CN" dirty="0"/>
               <a:t>LinkedList-2</a:t>
             </a:r>
             <a:endParaRPr lang="zh-CN" altLang="en-US" dirty="0"/>
@@ -12395,51 +13077,51 @@
           <a:lstStyle/>
           <a:p>
             <a:r>
-              <a:rPr lang="zh-CN" altLang="en-US" dirty="0" smtClean="0"/>
+              <a:rPr lang="zh-CN" altLang="en-US" dirty="0"/>
               <a:t>获取数据索引时会从第一个数据开始遍历，通过</a:t>
             </a:r>
             <a:r>
-              <a:rPr lang="en-US" altLang="zh-CN" dirty="0" smtClean="0"/>
+              <a:rPr lang="en-US" altLang="zh-CN" dirty="0"/>
               <a:t>next</a:t>
             </a:r>
             <a:r>
-              <a:rPr lang="zh-CN" altLang="en-US" dirty="0" smtClean="0"/>
+              <a:rPr lang="zh-CN" altLang="en-US" dirty="0"/>
               <a:t>获取下一个元素地址，继续进行判断，类似</a:t>
             </a:r>
             <a:r>
-              <a:rPr lang="en-US" altLang="zh-CN" dirty="0" smtClean="0"/>
+              <a:rPr lang="en-US" altLang="zh-CN" dirty="0"/>
               <a:t>contains(o),</a:t>
             </a:r>
             <a:r>
-              <a:rPr lang="en-US" altLang="zh-CN" dirty="0" err="1" smtClean="0"/>
+              <a:rPr lang="en-US" altLang="zh-CN" dirty="0" err="1"/>
               <a:t>indexof</a:t>
             </a:r>
             <a:r>
-              <a:rPr lang="en-US" altLang="zh-CN" dirty="0" smtClean="0"/>
+              <a:rPr lang="en-US" altLang="zh-CN" dirty="0"/>
               <a:t>(o)</a:t>
             </a:r>
             <a:r>
-              <a:rPr lang="zh-CN" altLang="en-US" dirty="0" smtClean="0"/>
+              <a:rPr lang="zh-CN" altLang="en-US" dirty="0"/>
               <a:t>方法；</a:t>
             </a:r>
-            <a:endParaRPr lang="en-US" altLang="zh-CN" dirty="0" smtClean="0"/>
-          </a:p>
-          <a:p>
             <a:endParaRPr lang="en-US" altLang="zh-CN" dirty="0"/>
           </a:p>
           <a:p>
-            <a:endParaRPr lang="en-US" altLang="zh-CN" dirty="0" smtClean="0"/>
-          </a:p>
-          <a:p>
-            <a:endParaRPr lang="en-US" altLang="zh-CN" dirty="0" smtClean="0"/>
-          </a:p>
-          <a:p>
-            <a:r>
-              <a:rPr lang="zh-CN" altLang="en-US" dirty="0" smtClean="0"/>
+            <a:endParaRPr lang="en-US" altLang="zh-CN" dirty="0"/>
+          </a:p>
+          <a:p>
+            <a:endParaRPr lang="en-US" altLang="zh-CN" dirty="0"/>
+          </a:p>
+          <a:p>
+            <a:endParaRPr lang="en-US" altLang="zh-CN" dirty="0"/>
+          </a:p>
+          <a:p>
+            <a:r>
+              <a:rPr lang="zh-CN" altLang="en-US" dirty="0"/>
               <a:t>依据索引获取数据时，会从近的头部或者尾部进行查找，类似方法</a:t>
             </a:r>
             <a:r>
-              <a:rPr lang="en-US" altLang="zh-CN" dirty="0" smtClean="0"/>
+              <a:rPr lang="en-US" altLang="zh-CN" dirty="0"/>
               <a:t>get(index);</a:t>
             </a:r>
           </a:p>
@@ -12542,7 +13224,7 @@
           <a:lstStyle/>
           <a:p>
             <a:r>
-              <a:rPr lang="en-US" altLang="zh-CN" dirty="0" smtClean="0"/>
+              <a:rPr lang="en-US" altLang="zh-CN" dirty="0"/>
               <a:t>LinkedList-3</a:t>
             </a:r>
             <a:endParaRPr lang="zh-CN" altLang="en-US" dirty="0"/>
@@ -12673,7 +13355,7 @@
           <a:lstStyle/>
           <a:p>
             <a:r>
-              <a:rPr lang="en-US" altLang="zh-CN" dirty="0" smtClean="0"/>
+              <a:rPr lang="en-US" altLang="zh-CN" dirty="0"/>
               <a:t>HashMap-1</a:t>
             </a:r>
             <a:endParaRPr lang="zh-CN" altLang="en-US" dirty="0"/>
@@ -12715,28 +13397,20 @@
             </a:r>
             <a:r>
               <a:rPr lang="zh-CN" altLang="en-US" dirty="0"/>
-              <a:t>的形式</a:t>
-            </a:r>
-            <a:r>
-              <a:rPr lang="zh-CN" altLang="en-US" dirty="0" smtClean="0"/>
-              <a:t>存在</a:t>
-            </a:r>
-            <a:r>
-              <a:rPr lang="en-US" altLang="zh-CN" dirty="0" smtClean="0"/>
+              <a:t>的形式存在</a:t>
+            </a:r>
+            <a:r>
+              <a:rPr lang="en-US" altLang="zh-CN" dirty="0"/>
               <a:t>;</a:t>
             </a:r>
           </a:p>
           <a:p>
             <a:r>
               <a:rPr lang="zh-CN" altLang="en-US" dirty="0"/>
-              <a:t>构造</a:t>
-            </a:r>
-            <a:r>
-              <a:rPr lang="zh-CN" altLang="en-US" dirty="0" smtClean="0"/>
-              <a:t>函数</a:t>
-            </a:r>
-            <a:r>
-              <a:rPr lang="en-US" altLang="zh-CN" dirty="0" smtClean="0"/>
+              <a:t>构造函数</a:t>
+            </a:r>
+            <a:r>
+              <a:rPr lang="en-US" altLang="zh-CN" dirty="0"/>
               <a:t>:</a:t>
             </a:r>
             <a:r>
@@ -12744,16 +13418,28 @@
               <a:t>HashMap</a:t>
             </a:r>
             <a:r>
-              <a:rPr lang="en-US" altLang="zh-CN" dirty="0" smtClean="0"/>
+              <a:rPr lang="en-US" altLang="zh-CN" dirty="0"/>
               <a:t>() </a:t>
             </a:r>
             <a:r>
-              <a:rPr lang="zh-CN" altLang="en-US" dirty="0" smtClean="0"/>
+              <a:rPr lang="zh-CN" altLang="en-US" dirty="0"/>
               <a:t>默认大小为</a:t>
             </a:r>
             <a:r>
-              <a:rPr lang="en-US" altLang="zh-CN" dirty="0" smtClean="0"/>
-              <a:t>16 ;</a:t>
+              <a:rPr lang="en-US" altLang="zh-CN" dirty="0"/>
+              <a:t>16 ; </a:t>
+            </a:r>
+            <a:r>
+              <a:rPr lang="en-US" altLang="zh-CN" dirty="0" err="1"/>
+              <a:t>HashMap</a:t>
+            </a:r>
+            <a:r>
+              <a:rPr lang="en-US" altLang="zh-CN" dirty="0"/>
+              <a:t>(</a:t>
+            </a:r>
+            <a:r>
+              <a:rPr lang="en-US" altLang="zh-CN" dirty="0" err="1"/>
+              <a:t>int</a:t>
             </a:r>
             <a:r>
               <a:rPr lang="en-US" altLang="zh-CN" dirty="0"/>
@@ -12761,6 +13447,14 @@
             </a:r>
             <a:r>
               <a:rPr lang="en-US" altLang="zh-CN" dirty="0" err="1"/>
+              <a:t>initialCapacity</a:t>
+            </a:r>
+            <a:r>
+              <a:rPr lang="en-US" altLang="zh-CN" dirty="0"/>
+              <a:t>); </a:t>
+            </a:r>
+            <a:r>
+              <a:rPr lang="en-US" altLang="zh-CN" dirty="0" err="1"/>
               <a:t>HashMap</a:t>
             </a:r>
             <a:r>
@@ -12780,111 +13474,79 @@
               <a:t>initialCapacity</a:t>
             </a:r>
             <a:r>
-              <a:rPr lang="en-US" altLang="zh-CN" dirty="0" smtClean="0"/>
+              <a:rPr lang="en-US" altLang="zh-CN" dirty="0"/>
+              <a:t>, float </a:t>
+            </a:r>
+            <a:r>
+              <a:rPr lang="en-US" altLang="zh-CN" dirty="0" err="1"/>
+              <a:t>loadFactor</a:t>
+            </a:r>
+            <a:r>
+              <a:rPr lang="en-US" altLang="zh-CN" dirty="0"/>
               <a:t>);</a:t>
             </a:r>
+          </a:p>
+          <a:p>
+            <a:r>
+              <a:rPr lang="zh-CN" altLang="en-US" dirty="0"/>
+              <a:t>初始容量，加载因子</a:t>
+            </a:r>
             <a:r>
               <a:rPr lang="en-US" altLang="zh-CN" dirty="0"/>
-              <a:t> </a:t>
+              <a:t>:threshold=</a:t>
+            </a:r>
+            <a:r>
+              <a:rPr lang="zh-CN" altLang="en-US" dirty="0"/>
+              <a:t>初始容量</a:t>
+            </a:r>
+            <a:r>
+              <a:rPr lang="en-US" altLang="zh-CN" dirty="0"/>
+              <a:t>*</a:t>
+            </a:r>
+            <a:r>
+              <a:rPr lang="zh-CN" altLang="en-US" dirty="0"/>
+              <a:t>加载因子</a:t>
+            </a:r>
+            <a:r>
+              <a:rPr lang="en-US" altLang="zh-CN" dirty="0"/>
+              <a:t>,</a:t>
+            </a:r>
+            <a:r>
+              <a:rPr lang="zh-CN" altLang="en-US" dirty="0"/>
+              <a:t>加载因子默认为</a:t>
+            </a:r>
+            <a:r>
+              <a:rPr lang="en-US" altLang="zh-CN" dirty="0"/>
+              <a:t>0.75;</a:t>
+            </a:r>
+          </a:p>
+          <a:p>
+            <a:r>
+              <a:rPr lang="zh-CN" altLang="en-US" dirty="0"/>
+              <a:t> 内部由</a:t>
+            </a:r>
+            <a:r>
+              <a:rPr lang="en-US" altLang="zh-CN" dirty="0"/>
+              <a:t>Node&lt;K,V&gt;[] table </a:t>
+            </a:r>
+            <a:r>
+              <a:rPr lang="zh-CN" altLang="en-US" dirty="0"/>
+              <a:t>存储；</a:t>
+            </a:r>
+            <a:endParaRPr lang="en-US" altLang="zh-CN" dirty="0"/>
+          </a:p>
+          <a:p>
+            <a:r>
+              <a:rPr lang="zh-CN" altLang="en-US" dirty="0"/>
+              <a:t>为了保证</a:t>
             </a:r>
             <a:r>
               <a:rPr lang="en-US" altLang="zh-CN" dirty="0" err="1"/>
               <a:t>HashMap</a:t>
             </a:r>
             <a:r>
-              <a:rPr lang="en-US" altLang="zh-CN" dirty="0"/>
-              <a:t>(</a:t>
-            </a:r>
-            <a:r>
-              <a:rPr lang="en-US" altLang="zh-CN" dirty="0" err="1"/>
-              <a:t>int</a:t>
-            </a:r>
-            <a:r>
-              <a:rPr lang="en-US" altLang="zh-CN" dirty="0"/>
-              <a:t> </a:t>
-            </a:r>
-            <a:r>
-              <a:rPr lang="en-US" altLang="zh-CN" dirty="0" err="1"/>
-              <a:t>initialCapacity</a:t>
-            </a:r>
-            <a:r>
-              <a:rPr lang="en-US" altLang="zh-CN" dirty="0"/>
-              <a:t>, float </a:t>
-            </a:r>
-            <a:r>
-              <a:rPr lang="en-US" altLang="zh-CN" dirty="0" err="1"/>
-              <a:t>loadFactor</a:t>
-            </a:r>
-            <a:r>
-              <a:rPr lang="en-US" altLang="zh-CN" dirty="0" smtClean="0"/>
-              <a:t>);</a:t>
-            </a:r>
-          </a:p>
-          <a:p>
-            <a:r>
               <a:rPr lang="zh-CN" altLang="en-US" dirty="0"/>
-              <a:t>初始容量，加载</a:t>
-            </a:r>
-            <a:r>
-              <a:rPr lang="zh-CN" altLang="en-US" dirty="0" smtClean="0"/>
-              <a:t>因子</a:t>
-            </a:r>
-            <a:r>
-              <a:rPr lang="en-US" altLang="zh-CN" dirty="0"/>
-              <a:t>:</a:t>
-            </a:r>
-            <a:r>
-              <a:rPr lang="en-US" altLang="zh-CN" dirty="0" smtClean="0"/>
-              <a:t>threshold=</a:t>
-            </a:r>
-            <a:r>
-              <a:rPr lang="zh-CN" altLang="en-US" dirty="0" smtClean="0"/>
-              <a:t>初始容量</a:t>
-            </a:r>
-            <a:r>
-              <a:rPr lang="en-US" altLang="zh-CN" dirty="0" smtClean="0"/>
-              <a:t>*</a:t>
-            </a:r>
-            <a:r>
-              <a:rPr lang="zh-CN" altLang="en-US" dirty="0" smtClean="0"/>
-              <a:t>加载因子</a:t>
-            </a:r>
-            <a:r>
-              <a:rPr lang="en-US" altLang="zh-CN" dirty="0" smtClean="0"/>
-              <a:t>,</a:t>
-            </a:r>
-            <a:r>
-              <a:rPr lang="zh-CN" altLang="en-US" dirty="0" smtClean="0"/>
-              <a:t>加载因子默认为</a:t>
-            </a:r>
-            <a:r>
-              <a:rPr lang="en-US" altLang="zh-CN" dirty="0" smtClean="0"/>
-              <a:t>0.75;</a:t>
-            </a:r>
-          </a:p>
-          <a:p>
-            <a:r>
-              <a:rPr lang="zh-CN" altLang="en-US" dirty="0" smtClean="0"/>
-              <a:t> 内部由</a:t>
-            </a:r>
-            <a:r>
-              <a:rPr lang="en-US" altLang="zh-CN" dirty="0"/>
-              <a:t>Node&lt;K,V&gt;[] </a:t>
-            </a:r>
-            <a:r>
-              <a:rPr lang="en-US" altLang="zh-CN" dirty="0" smtClean="0"/>
-              <a:t>table </a:t>
-            </a:r>
-            <a:r>
-              <a:rPr lang="zh-CN" altLang="en-US" dirty="0" smtClean="0"/>
-              <a:t>存储；</a:t>
-            </a:r>
-            <a:endParaRPr lang="en-US" altLang="zh-CN" dirty="0" smtClean="0"/>
-          </a:p>
-          <a:p>
-            <a:r>
-              <a:rPr lang="zh-CN" altLang="en-US" dirty="0"/>
-              <a:t>为了保证</a:t>
+              <a:t>的效率，系统必须要在某个临界点进行扩容处理。该临界点在当</a:t>
             </a:r>
             <a:r>
               <a:rPr lang="en-US" altLang="zh-CN" dirty="0" err="1"/>
@@ -12892,7 +13554,23 @@
             </a:r>
             <a:r>
               <a:rPr lang="zh-CN" altLang="en-US" dirty="0"/>
-              <a:t>的效率，系统必须要在某个临界点进行扩容处理。该临界点在当</a:t>
+              <a:t>中元素的数量等于</a:t>
+            </a:r>
+            <a:r>
+              <a:rPr lang="en-US" altLang="zh-CN" dirty="0"/>
+              <a:t>table</a:t>
+            </a:r>
+            <a:r>
+              <a:rPr lang="zh-CN" altLang="en-US" dirty="0"/>
+              <a:t>数组长度*加载因子。但是扩容是一个非常耗时的过程，因为它需要重新计算这些数据在新</a:t>
+            </a:r>
+            <a:r>
+              <a:rPr lang="en-US" altLang="zh-CN" dirty="0"/>
+              <a:t>table</a:t>
+            </a:r>
+            <a:r>
+              <a:rPr lang="zh-CN" altLang="en-US" dirty="0"/>
+              <a:t>数组中的位置并进行复制处理。所以如果我们已经预知</a:t>
             </a:r>
             <a:r>
               <a:rPr lang="en-US" altLang="zh-CN" dirty="0" err="1"/>
@@ -12900,23 +13578,7 @@
             </a:r>
             <a:r>
               <a:rPr lang="zh-CN" altLang="en-US" dirty="0"/>
-              <a:t>中元素的数量等于</a:t>
-            </a:r>
-            <a:r>
-              <a:rPr lang="en-US" altLang="zh-CN" dirty="0"/>
-              <a:t>table</a:t>
-            </a:r>
-            <a:r>
-              <a:rPr lang="zh-CN" altLang="en-US" dirty="0"/>
-              <a:t>数组长度*加载因子。但是扩容是一个非常耗时的过程，因为它需要重新计算这些数据在新</a:t>
-            </a:r>
-            <a:r>
-              <a:rPr lang="en-US" altLang="zh-CN" dirty="0"/>
-              <a:t>table</a:t>
-            </a:r>
-            <a:r>
-              <a:rPr lang="zh-CN" altLang="en-US" dirty="0"/>
-              <a:t>数组中的位置并进行复制处理。所以如果我们已经预知</a:t>
+              <a:t>中元素的个数，那么预设元素的个数能够有效的提高</a:t>
             </a:r>
             <a:r>
               <a:rPr lang="en-US" altLang="zh-CN" dirty="0" err="1"/>
@@ -12924,53 +13586,41 @@
             </a:r>
             <a:r>
               <a:rPr lang="zh-CN" altLang="en-US" dirty="0"/>
-              <a:t>中元素的个数，那么预设元素的个数能够有效的提高</a:t>
+              <a:t>的性能；</a:t>
+            </a:r>
+            <a:endParaRPr lang="en-US" altLang="zh-CN" dirty="0"/>
+          </a:p>
+          <a:p>
+            <a:r>
+              <a:rPr lang="zh-CN" altLang="en-US" dirty="0"/>
+              <a:t>常用方法：</a:t>
+            </a:r>
+            <a:r>
+              <a:rPr lang="en-US" altLang="zh-CN" dirty="0"/>
+              <a:t>put(K,V),</a:t>
             </a:r>
             <a:r>
               <a:rPr lang="en-US" altLang="zh-CN" dirty="0" err="1"/>
-              <a:t>HashMap</a:t>
-            </a:r>
-            <a:r>
-              <a:rPr lang="zh-CN" altLang="en-US" dirty="0"/>
-              <a:t>的</a:t>
-            </a:r>
-            <a:r>
-              <a:rPr lang="zh-CN" altLang="en-US" dirty="0" smtClean="0"/>
-              <a:t>性能；</a:t>
-            </a:r>
-            <a:endParaRPr lang="en-US" altLang="zh-CN" dirty="0" smtClean="0"/>
-          </a:p>
-          <a:p>
-            <a:r>
-              <a:rPr lang="zh-CN" altLang="en-US" dirty="0" smtClean="0"/>
-              <a:t>常用方法：</a:t>
-            </a:r>
-            <a:r>
-              <a:rPr lang="en-US" altLang="zh-CN" dirty="0" smtClean="0"/>
-              <a:t>put(K,V),</a:t>
-            </a:r>
-            <a:r>
-              <a:rPr lang="en-US" altLang="zh-CN" dirty="0" err="1" smtClean="0"/>
               <a:t>containsKey</a:t>
             </a:r>
             <a:r>
-              <a:rPr lang="en-US" altLang="zh-CN" dirty="0" smtClean="0"/>
+              <a:rPr lang="en-US" altLang="zh-CN" dirty="0"/>
               <a:t>(K),</a:t>
             </a:r>
             <a:r>
-              <a:rPr lang="en-US" altLang="zh-CN" dirty="0" err="1" smtClean="0"/>
+              <a:rPr lang="en-US" altLang="zh-CN" dirty="0" err="1"/>
               <a:t>containsValue</a:t>
             </a:r>
             <a:r>
-              <a:rPr lang="en-US" altLang="zh-CN" dirty="0" smtClean="0"/>
+              <a:rPr lang="en-US" altLang="zh-CN" dirty="0"/>
               <a:t>(V),get(K),</a:t>
             </a:r>
             <a:r>
-              <a:rPr lang="en-US" altLang="zh-CN" dirty="0" err="1" smtClean="0"/>
+              <a:rPr lang="en-US" altLang="zh-CN" dirty="0" err="1"/>
               <a:t>entrySet</a:t>
             </a:r>
             <a:r>
-              <a:rPr lang="en-US" altLang="zh-CN" dirty="0" smtClean="0"/>
+              <a:rPr lang="en-US" altLang="zh-CN" dirty="0"/>
               <a:t>(),remove(K)</a:t>
             </a:r>
             <a:endParaRPr lang="zh-CN" altLang="en-US" dirty="0"/>
@@ -13022,6 +13672,10 @@
           <a:bodyPr/>
           <a:lstStyle/>
           <a:p>
+            <a:r>
+              <a:rPr lang="en-US" altLang="zh-CN" dirty="0"/>
+              <a:t>HashMap-2</a:t>
+            </a:r>
             <a:endParaRPr lang="zh-CN" altLang="en-US" dirty="0"/>
           </a:p>
         </p:txBody>
@@ -13041,14 +13695,197 @@
           <a:bodyPr/>
           <a:lstStyle/>
           <a:p>
+            <a:r>
+              <a:rPr lang="zh-CN" altLang="en-US" dirty="0"/>
+              <a:t>遍历</a:t>
+            </a:r>
+            <a:r>
+              <a:rPr lang="en-US" altLang="zh-CN" dirty="0"/>
+              <a:t>:</a:t>
+            </a:r>
+          </a:p>
+          <a:p>
+            <a:endParaRPr lang="en-US" altLang="zh-CN" dirty="0"/>
+          </a:p>
+          <a:p>
+            <a:endParaRPr lang="en-US" altLang="zh-CN" dirty="0"/>
+          </a:p>
+          <a:p>
+            <a:endParaRPr lang="en-US" altLang="zh-CN" dirty="0"/>
+          </a:p>
+          <a:p>
+            <a:endParaRPr lang="en-US" altLang="zh-CN" dirty="0"/>
+          </a:p>
+          <a:p>
+            <a:r>
+              <a:rPr lang="en-US" altLang="zh-CN" dirty="0"/>
+              <a:t>Node&lt;K,V&gt;</a:t>
+            </a:r>
+            <a:r>
+              <a:rPr lang="zh-CN" altLang="en-US" dirty="0"/>
+              <a:t>结构</a:t>
+            </a:r>
+            <a:r>
+              <a:rPr lang="en-US" altLang="zh-CN" dirty="0"/>
+              <a:t>:</a:t>
+            </a:r>
+          </a:p>
+          <a:p>
+            <a:endParaRPr lang="en-US" altLang="zh-CN" dirty="0"/>
+          </a:p>
+          <a:p>
             <a:endParaRPr lang="zh-CN" altLang="en-US" dirty="0"/>
           </a:p>
         </p:txBody>
       </p:sp>
+      <p:pic>
+        <p:nvPicPr>
+          <p:cNvPr id="4" name="图片 3">
+            <a:extLst>
+              <a:ext uri="{FF2B5EF4-FFF2-40B4-BE49-F238E27FC236}">
+                <a16:creationId xmlns:a16="http://schemas.microsoft.com/office/drawing/2014/main" id="{6C60E5AF-8114-449B-8802-5620BC0A6279}"/>
+              </a:ext>
+            </a:extLst>
+          </p:cNvPr>
+          <p:cNvPicPr>
+            <a:picLocks noChangeAspect="1"/>
+          </p:cNvPicPr>
+          <p:nvPr/>
+        </p:nvPicPr>
+        <p:blipFill>
+          <a:blip r:embed="rId2"/>
+          <a:stretch>
+            <a:fillRect/>
+          </a:stretch>
+        </p:blipFill>
+        <p:spPr>
+          <a:xfrm>
+            <a:off x="1083420" y="2647950"/>
+            <a:ext cx="5229225" cy="1562100"/>
+          </a:xfrm>
+          <a:prstGeom prst="rect">
+            <a:avLst/>
+          </a:prstGeom>
+        </p:spPr>
+      </p:pic>
+      <p:pic>
+        <p:nvPicPr>
+          <p:cNvPr id="5" name="图片 4">
+            <a:extLst>
+              <a:ext uri="{FF2B5EF4-FFF2-40B4-BE49-F238E27FC236}">
+                <a16:creationId xmlns:a16="http://schemas.microsoft.com/office/drawing/2014/main" id="{721ADE74-60AE-419E-93BC-A0E432F8A456}"/>
+              </a:ext>
+            </a:extLst>
+          </p:cNvPr>
+          <p:cNvPicPr>
+            <a:picLocks noChangeAspect="1"/>
+          </p:cNvPicPr>
+          <p:nvPr/>
+        </p:nvPicPr>
+        <p:blipFill>
+          <a:blip r:embed="rId3"/>
+          <a:stretch>
+            <a:fillRect/>
+          </a:stretch>
+        </p:blipFill>
+        <p:spPr>
+          <a:xfrm>
+            <a:off x="1083420" y="4505325"/>
+            <a:ext cx="5724525" cy="1743075"/>
+          </a:xfrm>
+          <a:prstGeom prst="rect">
+            <a:avLst/>
+          </a:prstGeom>
+        </p:spPr>
+      </p:pic>
     </p:spTree>
     <p:extLst>
       <p:ext uri="{BB962C8B-B14F-4D97-AF65-F5344CB8AC3E}">
         <p14:creationId xmlns:p14="http://schemas.microsoft.com/office/powerpoint/2010/main" val="255267502"/>
+      </p:ext>
+    </p:extLst>
+  </p:cSld>
+  <p:clrMapOvr>
+    <a:masterClrMapping/>
+  </p:clrMapOvr>
+</p:sld>
+</file>
+
+<file path=ppt/slides/slide9.xml><?xml version="1.0" encoding="utf-8"?>
+<p:sld xmlns:a="http://schemas.openxmlformats.org/drawingml/2006/main" xmlns:r="http://schemas.openxmlformats.org/officeDocument/2006/relationships" xmlns:p="http://schemas.openxmlformats.org/presentationml/2006/main">
+  <p:cSld>
+    <p:spTree>
+      <p:nvGrpSpPr>
+        <p:cNvPr id="1" name=""/>
+        <p:cNvGrpSpPr/>
+        <p:nvPr/>
+      </p:nvGrpSpPr>
+      <p:grpSpPr>
+        <a:xfrm>
+          <a:off x="0" y="0"/>
+          <a:ext cx="0" cy="0"/>
+          <a:chOff x="0" y="0"/>
+          <a:chExt cx="0" cy="0"/>
+        </a:xfrm>
+      </p:grpSpPr>
+      <p:sp>
+        <p:nvSpPr>
+          <p:cNvPr id="2" name="标题 1">
+            <a:extLst>
+              <a:ext uri="{FF2B5EF4-FFF2-40B4-BE49-F238E27FC236}">
+                <a16:creationId xmlns:a16="http://schemas.microsoft.com/office/drawing/2014/main" id="{94A37492-A7E5-4C37-8CEE-7B9654BAFC8C}"/>
+              </a:ext>
+            </a:extLst>
+          </p:cNvPr>
+          <p:cNvSpPr>
+            <a:spLocks noGrp="1"/>
+          </p:cNvSpPr>
+          <p:nvPr>
+            <p:ph type="title"/>
+          </p:nvPr>
+        </p:nvSpPr>
+        <p:spPr/>
+        <p:txBody>
+          <a:bodyPr/>
+          <a:lstStyle/>
+          <a:p>
+            <a:r>
+              <a:rPr lang="en-US" altLang="zh-CN" dirty="0" err="1"/>
+              <a:t>TreeMap</a:t>
+            </a:r>
+            <a:endParaRPr lang="zh-CN" altLang="en-US" dirty="0"/>
+          </a:p>
+        </p:txBody>
+      </p:sp>
+      <p:sp>
+        <p:nvSpPr>
+          <p:cNvPr id="3" name="内容占位符 2">
+            <a:extLst>
+              <a:ext uri="{FF2B5EF4-FFF2-40B4-BE49-F238E27FC236}">
+                <a16:creationId xmlns:a16="http://schemas.microsoft.com/office/drawing/2014/main" id="{9A51F79C-42FD-4EFE-B6E2-3640E29526A0}"/>
+              </a:ext>
+            </a:extLst>
+          </p:cNvPr>
+          <p:cNvSpPr>
+            <a:spLocks noGrp="1"/>
+          </p:cNvSpPr>
+          <p:nvPr>
+            <p:ph idx="1"/>
+          </p:nvPr>
+        </p:nvSpPr>
+        <p:spPr/>
+        <p:txBody>
+          <a:bodyPr/>
+          <a:lstStyle/>
+          <a:p>
+            <a:endParaRPr lang="zh-CN" altLang="en-US"/>
+          </a:p>
+        </p:txBody>
+      </p:sp>
+    </p:spTree>
+    <p:extLst>
+      <p:ext uri="{BB962C8B-B14F-4D97-AF65-F5344CB8AC3E}">
+        <p14:creationId xmlns:p14="http://schemas.microsoft.com/office/powerpoint/2010/main" val="1953264496"/>
       </p:ext>
     </p:extLst>
   </p:cSld>

--- a/src/mapAndSet/JAVA集合类学习.pptx
+++ b/src/mapAndSet/JAVA集合类学习.pptx
@@ -8,17 +8,20 @@
   </p:sldMasterIdLst>
   <p:sldIdLst>
     <p:sldId id="256" r:id="rId4"/>
-    <p:sldId id="257" r:id="rId5"/>
-    <p:sldId id="258" r:id="rId6"/>
-    <p:sldId id="259" r:id="rId7"/>
-    <p:sldId id="260" r:id="rId8"/>
-    <p:sldId id="261" r:id="rId9"/>
-    <p:sldId id="262" r:id="rId10"/>
-    <p:sldId id="263" r:id="rId11"/>
-    <p:sldId id="264" r:id="rId12"/>
-    <p:sldId id="265" r:id="rId13"/>
-    <p:sldId id="266" r:id="rId14"/>
-    <p:sldId id="267" r:id="rId15"/>
+    <p:sldId id="268" r:id="rId5"/>
+    <p:sldId id="257" r:id="rId6"/>
+    <p:sldId id="258" r:id="rId7"/>
+    <p:sldId id="259" r:id="rId8"/>
+    <p:sldId id="260" r:id="rId9"/>
+    <p:sldId id="261" r:id="rId10"/>
+    <p:sldId id="262" r:id="rId11"/>
+    <p:sldId id="263" r:id="rId12"/>
+    <p:sldId id="264" r:id="rId13"/>
+    <p:sldId id="269" r:id="rId14"/>
+    <p:sldId id="270" r:id="rId15"/>
+    <p:sldId id="265" r:id="rId16"/>
+    <p:sldId id="266" r:id="rId17"/>
+    <p:sldId id="267" r:id="rId18"/>
   </p:sldIdLst>
   <p:sldSz cx="12192000" cy="6858000"/>
   <p:notesSz cx="6858000" cy="9144000"/>
@@ -267,7 +270,7 @@
           <a:p>
             <a:fld id="{4EB6DA34-D19F-48CE-A6EF-FFC49564DE0C}" type="datetimeFigureOut">
               <a:rPr lang="zh-CN" altLang="en-US" smtClean="0"/>
-              <a:t>2019-02-28</a:t>
+              <a:t>2019/3/1</a:t>
             </a:fld>
             <a:endParaRPr lang="zh-CN" altLang="en-US"/>
           </a:p>
@@ -437,7 +440,7 @@
           <a:p>
             <a:fld id="{4EB6DA34-D19F-48CE-A6EF-FFC49564DE0C}" type="datetimeFigureOut">
               <a:rPr lang="zh-CN" altLang="en-US" smtClean="0"/>
-              <a:t>2019-02-28</a:t>
+              <a:t>2019/3/1</a:t>
             </a:fld>
             <a:endParaRPr lang="zh-CN" altLang="en-US"/>
           </a:p>
@@ -617,7 +620,7 @@
           <a:p>
             <a:fld id="{4EB6DA34-D19F-48CE-A6EF-FFC49564DE0C}" type="datetimeFigureOut">
               <a:rPr lang="zh-CN" altLang="en-US" smtClean="0"/>
-              <a:t>2019-02-28</a:t>
+              <a:t>2019/3/1</a:t>
             </a:fld>
             <a:endParaRPr lang="zh-CN" altLang="en-US"/>
           </a:p>
@@ -820,7 +823,7 @@
           <a:p>
             <a:fld id="{4EB6DA34-D19F-48CE-A6EF-FFC49564DE0C}" type="datetimeFigureOut">
               <a:rPr lang="zh-CN" altLang="en-US" smtClean="0"/>
-              <a:t>2019-02-28</a:t>
+              <a:t>2019/3/1</a:t>
             </a:fld>
             <a:endParaRPr lang="zh-CN" altLang="en-US"/>
           </a:p>
@@ -990,7 +993,7 @@
           <a:p>
             <a:fld id="{4EB6DA34-D19F-48CE-A6EF-FFC49564DE0C}" type="datetimeFigureOut">
               <a:rPr lang="zh-CN" altLang="en-US" smtClean="0"/>
-              <a:t>2019-02-28</a:t>
+              <a:t>2019/3/1</a:t>
             </a:fld>
             <a:endParaRPr lang="zh-CN" altLang="en-US"/>
           </a:p>
@@ -1241,7 +1244,7 @@
           <a:p>
             <a:fld id="{4EB6DA34-D19F-48CE-A6EF-FFC49564DE0C}" type="datetimeFigureOut">
               <a:rPr lang="zh-CN" altLang="en-US" smtClean="0"/>
-              <a:t>2019-02-28</a:t>
+              <a:t>2019/3/1</a:t>
             </a:fld>
             <a:endParaRPr lang="zh-CN" altLang="en-US"/>
           </a:p>
@@ -1473,7 +1476,7 @@
           <a:p>
             <a:fld id="{4EB6DA34-D19F-48CE-A6EF-FFC49564DE0C}" type="datetimeFigureOut">
               <a:rPr lang="zh-CN" altLang="en-US" smtClean="0"/>
-              <a:t>2019-02-28</a:t>
+              <a:t>2019/3/1</a:t>
             </a:fld>
             <a:endParaRPr lang="zh-CN" altLang="en-US"/>
           </a:p>
@@ -1820,7 +1823,7 @@
           <a:p>
             <a:fld id="{4EB6DA34-D19F-48CE-A6EF-FFC49564DE0C}" type="datetimeFigureOut">
               <a:rPr lang="zh-CN" altLang="en-US" smtClean="0"/>
-              <a:t>2019-02-28</a:t>
+              <a:t>2019/3/1</a:t>
             </a:fld>
             <a:endParaRPr lang="zh-CN" altLang="en-US"/>
           </a:p>
@@ -1938,7 +1941,7 @@
           <a:p>
             <a:fld id="{4EB6DA34-D19F-48CE-A6EF-FFC49564DE0C}" type="datetimeFigureOut">
               <a:rPr lang="zh-CN" altLang="en-US" smtClean="0"/>
-              <a:t>2019-02-28</a:t>
+              <a:t>2019/3/1</a:t>
             </a:fld>
             <a:endParaRPr lang="zh-CN" altLang="en-US"/>
           </a:p>
@@ -2056,7 +2059,7 @@
           <a:p>
             <a:fld id="{4EB6DA34-D19F-48CE-A6EF-FFC49564DE0C}" type="datetimeFigureOut">
               <a:rPr lang="zh-CN" altLang="en-US" smtClean="0"/>
-              <a:t>2019-02-28</a:t>
+              <a:t>2019/3/1</a:t>
             </a:fld>
             <a:endParaRPr lang="zh-CN" altLang="en-US"/>
           </a:p>
@@ -2340,7 +2343,7 @@
           <a:p>
             <a:fld id="{4EB6DA34-D19F-48CE-A6EF-FFC49564DE0C}" type="datetimeFigureOut">
               <a:rPr lang="zh-CN" altLang="en-US" smtClean="0"/>
-              <a:t>2019-02-28</a:t>
+              <a:t>2019/3/1</a:t>
             </a:fld>
             <a:endParaRPr lang="zh-CN" altLang="en-US"/>
           </a:p>
@@ -2510,7 +2513,7 @@
           <a:p>
             <a:fld id="{4EB6DA34-D19F-48CE-A6EF-FFC49564DE0C}" type="datetimeFigureOut">
               <a:rPr lang="zh-CN" altLang="en-US" smtClean="0"/>
-              <a:t>2019-02-28</a:t>
+              <a:t>2019/3/1</a:t>
             </a:fld>
             <a:endParaRPr lang="zh-CN" altLang="en-US"/>
           </a:p>
@@ -2774,7 +2777,7 @@
           <a:p>
             <a:fld id="{4EB6DA34-D19F-48CE-A6EF-FFC49564DE0C}" type="datetimeFigureOut">
               <a:rPr lang="zh-CN" altLang="en-US" smtClean="0"/>
-              <a:t>2019-02-28</a:t>
+              <a:t>2019/3/1</a:t>
             </a:fld>
             <a:endParaRPr lang="zh-CN" altLang="en-US"/>
           </a:p>
@@ -2944,7 +2947,7 @@
           <a:p>
             <a:fld id="{4EB6DA34-D19F-48CE-A6EF-FFC49564DE0C}" type="datetimeFigureOut">
               <a:rPr lang="zh-CN" altLang="en-US" smtClean="0"/>
-              <a:t>2019-02-28</a:t>
+              <a:t>2019/3/1</a:t>
             </a:fld>
             <a:endParaRPr lang="zh-CN" altLang="en-US"/>
           </a:p>
@@ -3124,7 +3127,7 @@
           <a:p>
             <a:fld id="{4EB6DA34-D19F-48CE-A6EF-FFC49564DE0C}" type="datetimeFigureOut">
               <a:rPr lang="zh-CN" altLang="en-US" smtClean="0"/>
-              <a:t>2019-02-28</a:t>
+              <a:t>2019/3/1</a:t>
             </a:fld>
             <a:endParaRPr lang="zh-CN" altLang="en-US"/>
           </a:p>
@@ -3907,7 +3910,7 @@
           <a:p>
             <a:fld id="{4EB6DA34-D19F-48CE-A6EF-FFC49564DE0C}" type="datetimeFigureOut">
               <a:rPr lang="zh-CN" altLang="en-US" smtClean="0"/>
-              <a:t>2019-02-28</a:t>
+              <a:t>2019/3/1</a:t>
             </a:fld>
             <a:endParaRPr lang="zh-CN" altLang="en-US"/>
           </a:p>
@@ -4083,7 +4086,7 @@
           <a:p>
             <a:fld id="{4EB6DA34-D19F-48CE-A6EF-FFC49564DE0C}" type="datetimeFigureOut">
               <a:rPr lang="zh-CN" altLang="en-US" smtClean="0"/>
-              <a:t>2019-02-28</a:t>
+              <a:t>2019/3/1</a:t>
             </a:fld>
             <a:endParaRPr lang="zh-CN" altLang="en-US"/>
           </a:p>
@@ -4330,7 +4333,7 @@
           <a:p>
             <a:fld id="{4EB6DA34-D19F-48CE-A6EF-FFC49564DE0C}" type="datetimeFigureOut">
               <a:rPr lang="zh-CN" altLang="en-US" smtClean="0"/>
-              <a:t>2019-02-28</a:t>
+              <a:t>2019/3/1</a:t>
             </a:fld>
             <a:endParaRPr lang="zh-CN" altLang="en-US"/>
           </a:p>
@@ -4562,7 +4565,7 @@
           <a:p>
             <a:fld id="{4EB6DA34-D19F-48CE-A6EF-FFC49564DE0C}" type="datetimeFigureOut">
               <a:rPr lang="zh-CN" altLang="en-US" smtClean="0"/>
-              <a:t>2019-02-28</a:t>
+              <a:t>2019/3/1</a:t>
             </a:fld>
             <a:endParaRPr lang="zh-CN" altLang="en-US"/>
           </a:p>
@@ -4936,7 +4939,7 @@
           <a:p>
             <a:fld id="{4EB6DA34-D19F-48CE-A6EF-FFC49564DE0C}" type="datetimeFigureOut">
               <a:rPr lang="zh-CN" altLang="en-US" smtClean="0"/>
-              <a:t>2019-02-28</a:t>
+              <a:t>2019/3/1</a:t>
             </a:fld>
             <a:endParaRPr lang="zh-CN" altLang="en-US"/>
           </a:p>
@@ -5059,7 +5062,7 @@
           <a:p>
             <a:fld id="{4EB6DA34-D19F-48CE-A6EF-FFC49564DE0C}" type="datetimeFigureOut">
               <a:rPr lang="zh-CN" altLang="en-US" smtClean="0"/>
-              <a:t>2019-02-28</a:t>
+              <a:t>2019/3/1</a:t>
             </a:fld>
             <a:endParaRPr lang="zh-CN" altLang="en-US"/>
           </a:p>
@@ -5154,7 +5157,7 @@
           <a:p>
             <a:fld id="{4EB6DA34-D19F-48CE-A6EF-FFC49564DE0C}" type="datetimeFigureOut">
               <a:rPr lang="zh-CN" altLang="en-US" smtClean="0"/>
-              <a:t>2019-02-28</a:t>
+              <a:t>2019/3/1</a:t>
             </a:fld>
             <a:endParaRPr lang="zh-CN" altLang="en-US"/>
           </a:p>
@@ -5405,7 +5408,7 @@
           <a:p>
             <a:fld id="{4EB6DA34-D19F-48CE-A6EF-FFC49564DE0C}" type="datetimeFigureOut">
               <a:rPr lang="zh-CN" altLang="en-US" smtClean="0"/>
-              <a:t>2019-02-28</a:t>
+              <a:t>2019/3/1</a:t>
             </a:fld>
             <a:endParaRPr lang="zh-CN" altLang="en-US"/>
           </a:p>
@@ -5660,7 +5663,7 @@
           <a:p>
             <a:fld id="{4EB6DA34-D19F-48CE-A6EF-FFC49564DE0C}" type="datetimeFigureOut">
               <a:rPr lang="zh-CN" altLang="en-US" smtClean="0"/>
-              <a:t>2019-02-28</a:t>
+              <a:t>2019/3/1</a:t>
             </a:fld>
             <a:endParaRPr lang="zh-CN" altLang="en-US"/>
           </a:p>
@@ -5923,7 +5926,7 @@
           <a:p>
             <a:fld id="{4EB6DA34-D19F-48CE-A6EF-FFC49564DE0C}" type="datetimeFigureOut">
               <a:rPr lang="zh-CN" altLang="en-US" smtClean="0"/>
-              <a:t>2019-02-28</a:t>
+              <a:t>2019/3/1</a:t>
             </a:fld>
             <a:endParaRPr lang="zh-CN" altLang="en-US"/>
           </a:p>
@@ -6174,7 +6177,7 @@
           <a:p>
             <a:fld id="{4EB6DA34-D19F-48CE-A6EF-FFC49564DE0C}" type="datetimeFigureOut">
               <a:rPr lang="zh-CN" altLang="en-US" smtClean="0"/>
-              <a:t>2019-02-28</a:t>
+              <a:t>2019/3/1</a:t>
             </a:fld>
             <a:endParaRPr lang="zh-CN" altLang="en-US"/>
           </a:p>
@@ -6488,7 +6491,7 @@
           <a:p>
             <a:fld id="{4EB6DA34-D19F-48CE-A6EF-FFC49564DE0C}" type="datetimeFigureOut">
               <a:rPr lang="zh-CN" altLang="en-US" smtClean="0"/>
-              <a:t>2019-02-28</a:t>
+              <a:t>2019/3/1</a:t>
             </a:fld>
             <a:endParaRPr lang="zh-CN" altLang="en-US"/>
           </a:p>
@@ -6829,7 +6832,7 @@
           <a:p>
             <a:fld id="{4EB6DA34-D19F-48CE-A6EF-FFC49564DE0C}" type="datetimeFigureOut">
               <a:rPr lang="zh-CN" altLang="en-US" smtClean="0"/>
-              <a:t>2019-02-28</a:t>
+              <a:t>2019/3/1</a:t>
             </a:fld>
             <a:endParaRPr lang="zh-CN" altLang="en-US"/>
           </a:p>
@@ -7143,7 +7146,7 @@
           <a:p>
             <a:fld id="{4EB6DA34-D19F-48CE-A6EF-FFC49564DE0C}" type="datetimeFigureOut">
               <a:rPr lang="zh-CN" altLang="en-US" smtClean="0"/>
-              <a:t>2019-02-28</a:t>
+              <a:t>2019/3/1</a:t>
             </a:fld>
             <a:endParaRPr lang="zh-CN" altLang="en-US"/>
           </a:p>
@@ -7536,7 +7539,7 @@
           <a:p>
             <a:fld id="{4EB6DA34-D19F-48CE-A6EF-FFC49564DE0C}" type="datetimeFigureOut">
               <a:rPr lang="zh-CN" altLang="en-US" smtClean="0"/>
-              <a:t>2019-02-28</a:t>
+              <a:t>2019/3/1</a:t>
             </a:fld>
             <a:endParaRPr lang="zh-CN" altLang="en-US"/>
           </a:p>
@@ -7706,7 +7709,7 @@
           <a:p>
             <a:fld id="{4EB6DA34-D19F-48CE-A6EF-FFC49564DE0C}" type="datetimeFigureOut">
               <a:rPr lang="zh-CN" altLang="en-US" smtClean="0"/>
-              <a:t>2019-02-28</a:t>
+              <a:t>2019/3/1</a:t>
             </a:fld>
             <a:endParaRPr lang="zh-CN" altLang="en-US"/>
           </a:p>
@@ -7886,7 +7889,7 @@
           <a:p>
             <a:fld id="{4EB6DA34-D19F-48CE-A6EF-FFC49564DE0C}" type="datetimeFigureOut">
               <a:rPr lang="zh-CN" altLang="en-US" smtClean="0"/>
-              <a:t>2019-02-28</a:t>
+              <a:t>2019/3/1</a:t>
             </a:fld>
             <a:endParaRPr lang="zh-CN" altLang="en-US"/>
           </a:p>
@@ -8118,7 +8121,7 @@
           <a:p>
             <a:fld id="{4EB6DA34-D19F-48CE-A6EF-FFC49564DE0C}" type="datetimeFigureOut">
               <a:rPr lang="zh-CN" altLang="en-US" smtClean="0"/>
-              <a:t>2019-02-28</a:t>
+              <a:t>2019/3/1</a:t>
             </a:fld>
             <a:endParaRPr lang="zh-CN" altLang="en-US"/>
           </a:p>
@@ -8465,7 +8468,7 @@
           <a:p>
             <a:fld id="{4EB6DA34-D19F-48CE-A6EF-FFC49564DE0C}" type="datetimeFigureOut">
               <a:rPr lang="zh-CN" altLang="en-US" smtClean="0"/>
-              <a:t>2019-02-28</a:t>
+              <a:t>2019/3/1</a:t>
             </a:fld>
             <a:endParaRPr lang="zh-CN" altLang="en-US"/>
           </a:p>
@@ -8583,7 +8586,7 @@
           <a:p>
             <a:fld id="{4EB6DA34-D19F-48CE-A6EF-FFC49564DE0C}" type="datetimeFigureOut">
               <a:rPr lang="zh-CN" altLang="en-US" smtClean="0"/>
-              <a:t>2019-02-28</a:t>
+              <a:t>2019/3/1</a:t>
             </a:fld>
             <a:endParaRPr lang="zh-CN" altLang="en-US"/>
           </a:p>
@@ -8701,7 +8704,7 @@
           <a:p>
             <a:fld id="{4EB6DA34-D19F-48CE-A6EF-FFC49564DE0C}" type="datetimeFigureOut">
               <a:rPr lang="zh-CN" altLang="en-US" smtClean="0"/>
-              <a:t>2019-02-28</a:t>
+              <a:t>2019/3/1</a:t>
             </a:fld>
             <a:endParaRPr lang="zh-CN" altLang="en-US"/>
           </a:p>
@@ -8985,7 +8988,7 @@
           <a:p>
             <a:fld id="{4EB6DA34-D19F-48CE-A6EF-FFC49564DE0C}" type="datetimeFigureOut">
               <a:rPr lang="zh-CN" altLang="en-US" smtClean="0"/>
-              <a:t>2019-02-28</a:t>
+              <a:t>2019/3/1</a:t>
             </a:fld>
             <a:endParaRPr lang="zh-CN" altLang="en-US"/>
           </a:p>
@@ -9249,7 +9252,7 @@
           <a:p>
             <a:fld id="{4EB6DA34-D19F-48CE-A6EF-FFC49564DE0C}" type="datetimeFigureOut">
               <a:rPr lang="zh-CN" altLang="en-US" smtClean="0"/>
-              <a:t>2019-02-28</a:t>
+              <a:t>2019/3/1</a:t>
             </a:fld>
             <a:endParaRPr lang="zh-CN" altLang="en-US"/>
           </a:p>
@@ -9463,7 +9466,7 @@
           <a:p>
             <a:fld id="{4EB6DA34-D19F-48CE-A6EF-FFC49564DE0C}" type="datetimeFigureOut">
               <a:rPr lang="zh-CN" altLang="en-US" smtClean="0"/>
-              <a:t>2019-02-28</a:t>
+              <a:t>2019/3/1</a:t>
             </a:fld>
             <a:endParaRPr lang="zh-CN" altLang="en-US"/>
           </a:p>
@@ -9993,7 +9996,7 @@
           <a:p>
             <a:fld id="{4EB6DA34-D19F-48CE-A6EF-FFC49564DE0C}" type="datetimeFigureOut">
               <a:rPr lang="zh-CN" altLang="en-US" smtClean="0"/>
-              <a:t>2019-02-28</a:t>
+              <a:t>2019/3/1</a:t>
             </a:fld>
             <a:endParaRPr lang="zh-CN" altLang="en-US"/>
           </a:p>
@@ -11057,7 +11060,7 @@
           <a:p>
             <a:fld id="{4EB6DA34-D19F-48CE-A6EF-FFC49564DE0C}" type="datetimeFigureOut">
               <a:rPr lang="zh-CN" altLang="en-US" smtClean="0"/>
-              <a:t>2019-02-28</a:t>
+              <a:t>2019/3/1</a:t>
             </a:fld>
             <a:endParaRPr lang="zh-CN" altLang="en-US"/>
           </a:p>
@@ -11586,7 +11589,7 @@
           <p:cNvPr id="2" name="标题 1">
             <a:extLst>
               <a:ext uri="{FF2B5EF4-FFF2-40B4-BE49-F238E27FC236}">
-                <a16:creationId xmlns:a16="http://schemas.microsoft.com/office/drawing/2014/main" id="{3C102671-37F2-4D71-9B4A-EF5EB279A6F2}"/>
+                <a16:creationId xmlns:a16="http://schemas.microsoft.com/office/drawing/2014/main" xmlns="" id="{3C102671-37F2-4D71-9B4A-EF5EB279A6F2}"/>
               </a:ext>
             </a:extLst>
           </p:cNvPr>
@@ -11614,7 +11617,7 @@
           <p:cNvPr id="3" name="副标题 2">
             <a:extLst>
               <a:ext uri="{FF2B5EF4-FFF2-40B4-BE49-F238E27FC236}">
-                <a16:creationId xmlns:a16="http://schemas.microsoft.com/office/drawing/2014/main" id="{A7C968F2-9457-492A-9B5C-90AA670E433A}"/>
+                <a16:creationId xmlns:a16="http://schemas.microsoft.com/office/drawing/2014/main" xmlns="" id="{A7C968F2-9457-492A-9B5C-90AA670E433A}"/>
               </a:ext>
             </a:extLst>
           </p:cNvPr>
@@ -11678,7 +11681,7 @@
           <p:cNvPr id="2" name="标题 1">
             <a:extLst>
               <a:ext uri="{FF2B5EF4-FFF2-40B4-BE49-F238E27FC236}">
-                <a16:creationId xmlns:a16="http://schemas.microsoft.com/office/drawing/2014/main" id="{55AEDE61-E7B0-4B11-A5C7-2EBD71E389B4}"/>
+                <a16:creationId xmlns:a16="http://schemas.microsoft.com/office/drawing/2014/main" xmlns="" id="{94A37492-A7E5-4C37-8CEE-7B9654BAFC8C}"/>
               </a:ext>
             </a:extLst>
           </p:cNvPr>
@@ -11695,8 +11698,8 @@
           <a:lstStyle/>
           <a:p>
             <a:r>
-              <a:rPr lang="en-US" altLang="zh-CN" dirty="0"/>
-              <a:t>HashSet</a:t>
+              <a:rPr lang="en-US" altLang="zh-CN" dirty="0" smtClean="0"/>
+              <a:t>TreeMap-1</a:t>
             </a:r>
             <a:endParaRPr lang="zh-CN" altLang="en-US" dirty="0"/>
           </a:p>
@@ -11707,7 +11710,504 @@
           <p:cNvPr id="3" name="内容占位符 2">
             <a:extLst>
               <a:ext uri="{FF2B5EF4-FFF2-40B4-BE49-F238E27FC236}">
-                <a16:creationId xmlns:a16="http://schemas.microsoft.com/office/drawing/2014/main" id="{0367B682-42CA-4CA9-B685-D95CFD8EBDFD}"/>
+                <a16:creationId xmlns:a16="http://schemas.microsoft.com/office/drawing/2014/main" xmlns="" id="{9A51F79C-42FD-4EFE-B6E2-3640E29526A0}"/>
+              </a:ext>
+            </a:extLst>
+          </p:cNvPr>
+          <p:cNvSpPr>
+            <a:spLocks noGrp="1"/>
+          </p:cNvSpPr>
+          <p:nvPr>
+            <p:ph idx="1"/>
+          </p:nvPr>
+        </p:nvSpPr>
+        <p:spPr/>
+        <p:txBody>
+          <a:bodyPr/>
+          <a:lstStyle/>
+          <a:p>
+            <a:r>
+              <a:rPr lang="en-US" altLang="zh-CN" dirty="0" err="1"/>
+              <a:t>TreeMap</a:t>
+            </a:r>
+            <a:r>
+              <a:rPr lang="zh-CN" altLang="en-US" dirty="0"/>
+              <a:t>的实现是红黑树算法的</a:t>
+            </a:r>
+            <a:r>
+              <a:rPr lang="zh-CN" altLang="en-US" dirty="0" smtClean="0"/>
+              <a:t>实现</a:t>
+            </a:r>
+            <a:r>
+              <a:rPr lang="en-US" altLang="zh-CN" dirty="0" smtClean="0"/>
+              <a:t>;</a:t>
+            </a:r>
+          </a:p>
+          <a:p>
+            <a:r>
+              <a:rPr lang="zh-CN" altLang="en-US" dirty="0" smtClean="0"/>
+              <a:t>有序的</a:t>
+            </a:r>
+            <a:r>
+              <a:rPr lang="en-US" altLang="zh-CN" dirty="0" smtClean="0"/>
+              <a:t>Map</a:t>
+            </a:r>
+            <a:r>
+              <a:rPr lang="zh-CN" altLang="en-US" dirty="0" smtClean="0"/>
+              <a:t>数据；</a:t>
+            </a:r>
+            <a:endParaRPr lang="en-US" altLang="zh-CN" dirty="0" smtClean="0"/>
+          </a:p>
+          <a:p>
+            <a:r>
+              <a:rPr lang="zh-CN" altLang="en-US" dirty="0" smtClean="0"/>
+              <a:t>排序：自然排序 </a:t>
+            </a:r>
+            <a:r>
+              <a:rPr lang="en-US" altLang="zh-CN" dirty="0" smtClean="0"/>
+              <a:t>Comparable </a:t>
+            </a:r>
+            <a:r>
+              <a:rPr lang="zh-CN" altLang="en-US" dirty="0" smtClean="0"/>
+              <a:t>和</a:t>
+            </a:r>
+            <a:r>
+              <a:rPr lang="en-US" altLang="zh-CN" dirty="0" smtClean="0"/>
+              <a:t>Comparator</a:t>
+            </a:r>
+            <a:r>
+              <a:rPr lang="zh-CN" altLang="en-US" dirty="0" smtClean="0"/>
+              <a:t>排序；</a:t>
+            </a:r>
+            <a:endParaRPr lang="en-US" altLang="zh-CN" dirty="0" smtClean="0"/>
+          </a:p>
+          <a:p>
+            <a:r>
+              <a:rPr lang="zh-CN" altLang="en-US" dirty="0"/>
+              <a:t>常用</a:t>
+            </a:r>
+            <a:r>
+              <a:rPr lang="zh-CN" altLang="en-US" dirty="0" smtClean="0"/>
+              <a:t>方法</a:t>
+            </a:r>
+            <a:r>
+              <a:rPr lang="en-US" altLang="zh-CN" dirty="0" smtClean="0"/>
+              <a:t>:</a:t>
+            </a:r>
+            <a:r>
+              <a:rPr lang="zh-CN" altLang="en-US" dirty="0" smtClean="0"/>
+              <a:t>基本和</a:t>
+            </a:r>
+            <a:r>
+              <a:rPr lang="en-US" altLang="zh-CN" dirty="0" err="1" smtClean="0"/>
+              <a:t>HashMap</a:t>
+            </a:r>
+            <a:r>
+              <a:rPr lang="zh-CN" altLang="en-US" dirty="0" smtClean="0"/>
+              <a:t>一致，还包括</a:t>
+            </a:r>
+            <a:r>
+              <a:rPr lang="en-US" altLang="zh-CN" dirty="0" err="1" smtClean="0"/>
+              <a:t>NavigableMap</a:t>
+            </a:r>
+            <a:r>
+              <a:rPr lang="zh-CN" altLang="en-US" dirty="0" smtClean="0"/>
+              <a:t>接口内的一些方法；</a:t>
+            </a:r>
+            <a:endParaRPr lang="en-US" altLang="zh-CN" dirty="0" smtClean="0"/>
+          </a:p>
+          <a:p>
+            <a:r>
+              <a:rPr lang="en-US" altLang="zh-CN" dirty="0" err="1"/>
+              <a:t>TreeMap</a:t>
+            </a:r>
+            <a:r>
+              <a:rPr lang="en-US" altLang="zh-CN" dirty="0"/>
+              <a:t>&lt;</a:t>
+            </a:r>
+            <a:r>
+              <a:rPr lang="en-US" altLang="zh-CN" dirty="0" err="1"/>
+              <a:t>Person,String</a:t>
+            </a:r>
+            <a:r>
+              <a:rPr lang="en-US" altLang="zh-CN" dirty="0"/>
+              <a:t>&gt; </a:t>
+            </a:r>
+            <a:r>
+              <a:rPr lang="en-US" altLang="zh-CN" dirty="0" err="1"/>
+              <a:t>treePerson</a:t>
+            </a:r>
+            <a:r>
+              <a:rPr lang="en-US" altLang="zh-CN" dirty="0"/>
+              <a:t> = new </a:t>
+            </a:r>
+            <a:r>
+              <a:rPr lang="en-US" altLang="zh-CN" dirty="0" err="1"/>
+              <a:t>TreeMap</a:t>
+            </a:r>
+            <a:r>
+              <a:rPr lang="en-US" altLang="zh-CN" dirty="0"/>
+              <a:t>&lt;</a:t>
+            </a:r>
+            <a:r>
+              <a:rPr lang="en-US" altLang="zh-CN" dirty="0" err="1"/>
+              <a:t>Person,String</a:t>
+            </a:r>
+            <a:r>
+              <a:rPr lang="en-US" altLang="zh-CN" dirty="0" smtClean="0"/>
+              <a:t>&gt;();</a:t>
+            </a:r>
+          </a:p>
+          <a:p>
+            <a:r>
+              <a:rPr lang="en-US" altLang="zh-CN" dirty="0" err="1"/>
+              <a:t>TreeMap</a:t>
+            </a:r>
+            <a:r>
+              <a:rPr lang="en-US" altLang="zh-CN" dirty="0"/>
+              <a:t>&lt;</a:t>
+            </a:r>
+            <a:r>
+              <a:rPr lang="en-US" altLang="zh-CN" dirty="0" err="1"/>
+              <a:t>Person,String</a:t>
+            </a:r>
+            <a:r>
+              <a:rPr lang="en-US" altLang="zh-CN" dirty="0"/>
+              <a:t>&gt; treePerson2 = new </a:t>
+            </a:r>
+            <a:r>
+              <a:rPr lang="en-US" altLang="zh-CN" dirty="0" err="1"/>
+              <a:t>TreeMap</a:t>
+            </a:r>
+            <a:r>
+              <a:rPr lang="en-US" altLang="zh-CN" dirty="0"/>
+              <a:t>&lt;</a:t>
+            </a:r>
+            <a:r>
+              <a:rPr lang="en-US" altLang="zh-CN" dirty="0" err="1"/>
+              <a:t>Person,String</a:t>
+            </a:r>
+            <a:r>
+              <a:rPr lang="en-US" altLang="zh-CN" dirty="0"/>
+              <a:t>&gt;(</a:t>
+            </a:r>
+            <a:r>
+              <a:rPr lang="en-US" altLang="zh-CN" dirty="0" err="1"/>
+              <a:t>ComparorPerson</a:t>
+            </a:r>
+            <a:r>
+              <a:rPr lang="en-US" altLang="zh-CN" dirty="0"/>
+              <a:t>);</a:t>
+            </a:r>
+            <a:endParaRPr lang="en-US" altLang="zh-CN" dirty="0" smtClean="0"/>
+          </a:p>
+          <a:p>
+            <a:endParaRPr lang="zh-CN" altLang="en-US" dirty="0"/>
+          </a:p>
+        </p:txBody>
+      </p:sp>
+    </p:spTree>
+    <p:extLst>
+      <p:ext uri="{BB962C8B-B14F-4D97-AF65-F5344CB8AC3E}">
+        <p14:creationId xmlns:p14="http://schemas.microsoft.com/office/powerpoint/2010/main" val="1953264496"/>
+      </p:ext>
+    </p:extLst>
+  </p:cSld>
+  <p:clrMapOvr>
+    <a:masterClrMapping/>
+  </p:clrMapOvr>
+</p:sld>
+</file>
+
+<file path=ppt/slides/slide11.xml><?xml version="1.0" encoding="utf-8"?>
+<p:sld xmlns:a="http://schemas.openxmlformats.org/drawingml/2006/main" xmlns:r="http://schemas.openxmlformats.org/officeDocument/2006/relationships" xmlns:p="http://schemas.openxmlformats.org/presentationml/2006/main">
+  <p:cSld>
+    <p:spTree>
+      <p:nvGrpSpPr>
+        <p:cNvPr id="1" name=""/>
+        <p:cNvGrpSpPr/>
+        <p:nvPr/>
+      </p:nvGrpSpPr>
+      <p:grpSpPr>
+        <a:xfrm>
+          <a:off x="0" y="0"/>
+          <a:ext cx="0" cy="0"/>
+          <a:chOff x="0" y="0"/>
+          <a:chExt cx="0" cy="0"/>
+        </a:xfrm>
+      </p:grpSpPr>
+      <p:sp>
+        <p:nvSpPr>
+          <p:cNvPr id="2" name="标题 1"/>
+          <p:cNvSpPr>
+            <a:spLocks noGrp="1"/>
+          </p:cNvSpPr>
+          <p:nvPr>
+            <p:ph type="title"/>
+          </p:nvPr>
+        </p:nvSpPr>
+        <p:spPr/>
+        <p:txBody>
+          <a:bodyPr/>
+          <a:lstStyle/>
+          <a:p>
+            <a:r>
+              <a:rPr lang="zh-CN" altLang="en-US" dirty="0" smtClean="0"/>
+              <a:t>红黑树</a:t>
+            </a:r>
+            <a:r>
+              <a:rPr lang="en-US" altLang="zh-CN" dirty="0" smtClean="0"/>
+              <a:t>-1</a:t>
+            </a:r>
+            <a:endParaRPr lang="zh-CN" altLang="en-US" dirty="0"/>
+          </a:p>
+        </p:txBody>
+      </p:sp>
+      <p:sp>
+        <p:nvSpPr>
+          <p:cNvPr id="3" name="内容占位符 2"/>
+          <p:cNvSpPr>
+            <a:spLocks noGrp="1"/>
+          </p:cNvSpPr>
+          <p:nvPr>
+            <p:ph idx="1"/>
+          </p:nvPr>
+        </p:nvSpPr>
+        <p:spPr/>
+        <p:txBody>
+          <a:bodyPr/>
+          <a:lstStyle/>
+          <a:p>
+            <a:r>
+              <a:rPr lang="zh-CN" altLang="en-US" dirty="0" smtClean="0"/>
+              <a:t>平衡二叉树；</a:t>
+            </a:r>
+            <a:endParaRPr lang="en-US" altLang="zh-CN" dirty="0" smtClean="0"/>
+          </a:p>
+          <a:p>
+            <a:r>
+              <a:rPr lang="en-US" altLang="zh-CN" dirty="0"/>
+              <a:t>1</a:t>
+            </a:r>
+            <a:r>
+              <a:rPr lang="zh-CN" altLang="en-US" dirty="0"/>
+              <a:t>、每个节点都只能是红色或者黑色</a:t>
+            </a:r>
+          </a:p>
+          <a:p>
+            <a:r>
+              <a:rPr lang="en-US" altLang="zh-CN" dirty="0"/>
+              <a:t>2</a:t>
+            </a:r>
+            <a:r>
+              <a:rPr lang="zh-CN" altLang="en-US" dirty="0"/>
+              <a:t>、根节点是黑色</a:t>
+            </a:r>
+          </a:p>
+          <a:p>
+            <a:r>
+              <a:rPr lang="en-US" altLang="zh-CN" dirty="0"/>
+              <a:t>3</a:t>
+            </a:r>
+            <a:r>
+              <a:rPr lang="zh-CN" altLang="en-US" dirty="0"/>
+              <a:t>、每个叶节点（</a:t>
+            </a:r>
+            <a:r>
+              <a:rPr lang="en-US" altLang="zh-CN" dirty="0"/>
+              <a:t>NIL</a:t>
+            </a:r>
+            <a:r>
+              <a:rPr lang="zh-CN" altLang="en-US" dirty="0"/>
+              <a:t>节点，空节点）是黑色的。</a:t>
+            </a:r>
+          </a:p>
+          <a:p>
+            <a:r>
+              <a:rPr lang="en-US" altLang="zh-CN" dirty="0"/>
+              <a:t>4</a:t>
+            </a:r>
+            <a:r>
+              <a:rPr lang="zh-CN" altLang="en-US" dirty="0"/>
+              <a:t>、如果一个结点是红的，则它两个子节点都是黑的。也就是说在一条路径上不能出现相邻的两个红色结点。</a:t>
+            </a:r>
+          </a:p>
+          <a:p>
+            <a:r>
+              <a:rPr lang="en-US" altLang="zh-CN" dirty="0"/>
+              <a:t>5</a:t>
+            </a:r>
+            <a:r>
+              <a:rPr lang="zh-CN" altLang="en-US" dirty="0"/>
+              <a:t>、从任一节点到其每个叶子的所有路径都包含相同数目的黑色节点</a:t>
+            </a:r>
+            <a:r>
+              <a:rPr lang="zh-CN" altLang="en-US" dirty="0" smtClean="0"/>
+              <a:t>。</a:t>
+            </a:r>
+            <a:endParaRPr lang="en-US" altLang="zh-CN" dirty="0" smtClean="0"/>
+          </a:p>
+          <a:p>
+            <a:r>
+              <a:rPr lang="zh-CN" altLang="en-US" dirty="0"/>
+              <a:t>对于红黑二叉树而言它主要包括三大基本操作：左旋、右旋、</a:t>
+            </a:r>
+            <a:r>
+              <a:rPr lang="zh-CN" altLang="en-US" dirty="0" smtClean="0"/>
+              <a:t>着色；</a:t>
+            </a:r>
+            <a:endParaRPr lang="zh-CN" altLang="en-US" dirty="0"/>
+          </a:p>
+        </p:txBody>
+      </p:sp>
+    </p:spTree>
+    <p:extLst>
+      <p:ext uri="{BB962C8B-B14F-4D97-AF65-F5344CB8AC3E}">
+        <p14:creationId xmlns:p14="http://schemas.microsoft.com/office/powerpoint/2010/main" val="270214376"/>
+      </p:ext>
+    </p:extLst>
+  </p:cSld>
+  <p:clrMapOvr>
+    <a:masterClrMapping/>
+  </p:clrMapOvr>
+</p:sld>
+</file>
+
+<file path=ppt/slides/slide12.xml><?xml version="1.0" encoding="utf-8"?>
+<p:sld xmlns:a="http://schemas.openxmlformats.org/drawingml/2006/main" xmlns:r="http://schemas.openxmlformats.org/officeDocument/2006/relationships" xmlns:p="http://schemas.openxmlformats.org/presentationml/2006/main">
+  <p:cSld>
+    <p:spTree>
+      <p:nvGrpSpPr>
+        <p:cNvPr id="1" name=""/>
+        <p:cNvGrpSpPr/>
+        <p:nvPr/>
+      </p:nvGrpSpPr>
+      <p:grpSpPr>
+        <a:xfrm>
+          <a:off x="0" y="0"/>
+          <a:ext cx="0" cy="0"/>
+          <a:chOff x="0" y="0"/>
+          <a:chExt cx="0" cy="0"/>
+        </a:xfrm>
+      </p:grpSpPr>
+      <p:sp>
+        <p:nvSpPr>
+          <p:cNvPr id="2" name="标题 1"/>
+          <p:cNvSpPr>
+            <a:spLocks noGrp="1"/>
+          </p:cNvSpPr>
+          <p:nvPr>
+            <p:ph type="title"/>
+          </p:nvPr>
+        </p:nvSpPr>
+        <p:spPr/>
+        <p:txBody>
+          <a:bodyPr/>
+          <a:lstStyle/>
+          <a:p>
+            <a:r>
+              <a:rPr lang="zh-CN" altLang="en-US" dirty="0" smtClean="0"/>
+              <a:t>红黑树</a:t>
+            </a:r>
+            <a:r>
+              <a:rPr lang="en-US" altLang="zh-CN" dirty="0" smtClean="0"/>
+              <a:t>-2</a:t>
+            </a:r>
+            <a:endParaRPr lang="zh-CN" altLang="en-US" dirty="0"/>
+          </a:p>
+        </p:txBody>
+      </p:sp>
+      <p:pic>
+        <p:nvPicPr>
+          <p:cNvPr id="4" name="内容占位符 3"/>
+          <p:cNvPicPr>
+            <a:picLocks noGrp="1" noChangeAspect="1"/>
+          </p:cNvPicPr>
+          <p:nvPr>
+            <p:ph idx="1"/>
+          </p:nvPr>
+        </p:nvPicPr>
+        <p:blipFill>
+          <a:blip r:embed="rId2"/>
+          <a:stretch>
+            <a:fillRect/>
+          </a:stretch>
+        </p:blipFill>
+        <p:spPr>
+          <a:xfrm>
+            <a:off x="886339" y="2003492"/>
+            <a:ext cx="4724400" cy="2314575"/>
+          </a:xfrm>
+          <a:prstGeom prst="rect">
+            <a:avLst/>
+          </a:prstGeom>
+        </p:spPr>
+      </p:pic>
+    </p:spTree>
+    <p:extLst>
+      <p:ext uri="{BB962C8B-B14F-4D97-AF65-F5344CB8AC3E}">
+        <p14:creationId xmlns:p14="http://schemas.microsoft.com/office/powerpoint/2010/main" val="857723726"/>
+      </p:ext>
+    </p:extLst>
+  </p:cSld>
+  <p:clrMapOvr>
+    <a:masterClrMapping/>
+  </p:clrMapOvr>
+</p:sld>
+</file>
+
+<file path=ppt/slides/slide13.xml><?xml version="1.0" encoding="utf-8"?>
+<p:sld xmlns:a="http://schemas.openxmlformats.org/drawingml/2006/main" xmlns:r="http://schemas.openxmlformats.org/officeDocument/2006/relationships" xmlns:p="http://schemas.openxmlformats.org/presentationml/2006/main">
+  <p:cSld>
+    <p:spTree>
+      <p:nvGrpSpPr>
+        <p:cNvPr id="1" name=""/>
+        <p:cNvGrpSpPr/>
+        <p:nvPr/>
+      </p:nvGrpSpPr>
+      <p:grpSpPr>
+        <a:xfrm>
+          <a:off x="0" y="0"/>
+          <a:ext cx="0" cy="0"/>
+          <a:chOff x="0" y="0"/>
+          <a:chExt cx="0" cy="0"/>
+        </a:xfrm>
+      </p:grpSpPr>
+      <p:sp>
+        <p:nvSpPr>
+          <p:cNvPr id="2" name="标题 1">
+            <a:extLst>
+              <a:ext uri="{FF2B5EF4-FFF2-40B4-BE49-F238E27FC236}">
+                <a16:creationId xmlns:a16="http://schemas.microsoft.com/office/drawing/2014/main" xmlns="" id="{55AEDE61-E7B0-4B11-A5C7-2EBD71E389B4}"/>
+              </a:ext>
+            </a:extLst>
+          </p:cNvPr>
+          <p:cNvSpPr>
+            <a:spLocks noGrp="1"/>
+          </p:cNvSpPr>
+          <p:nvPr>
+            <p:ph type="title"/>
+          </p:nvPr>
+        </p:nvSpPr>
+        <p:spPr/>
+        <p:txBody>
+          <a:bodyPr/>
+          <a:lstStyle/>
+          <a:p>
+            <a:r>
+              <a:rPr lang="en-US" altLang="zh-CN" dirty="0"/>
+              <a:t>HashSet</a:t>
+            </a:r>
+            <a:endParaRPr lang="zh-CN" altLang="en-US" dirty="0"/>
+          </a:p>
+        </p:txBody>
+      </p:sp>
+      <p:sp>
+        <p:nvSpPr>
+          <p:cNvPr id="3" name="内容占位符 2">
+            <a:extLst>
+              <a:ext uri="{FF2B5EF4-FFF2-40B4-BE49-F238E27FC236}">
+                <a16:creationId xmlns:a16="http://schemas.microsoft.com/office/drawing/2014/main" xmlns="" id="{0367B682-42CA-4CA9-B685-D95CFD8EBDFD}"/>
               </a:ext>
             </a:extLst>
           </p:cNvPr>
@@ -11850,7 +12350,7 @@
           <p:cNvPr id="4" name="图片 3">
             <a:extLst>
               <a:ext uri="{FF2B5EF4-FFF2-40B4-BE49-F238E27FC236}">
-                <a16:creationId xmlns:a16="http://schemas.microsoft.com/office/drawing/2014/main" id="{BFE6AB6E-374B-4A7F-9651-37D318DD40FF}"/>
+                <a16:creationId xmlns:a16="http://schemas.microsoft.com/office/drawing/2014/main" xmlns="" id="{BFE6AB6E-374B-4A7F-9651-37D318DD40FF}"/>
               </a:ext>
             </a:extLst>
           </p:cNvPr>
@@ -11888,7 +12388,7 @@
 </p:sld>
 </file>
 
-<file path=ppt/slides/slide11.xml><?xml version="1.0" encoding="utf-8"?>
+<file path=ppt/slides/slide14.xml><?xml version="1.0" encoding="utf-8"?>
 <p:sld xmlns:a="http://schemas.openxmlformats.org/drawingml/2006/main" xmlns:r="http://schemas.openxmlformats.org/officeDocument/2006/relationships" xmlns:p="http://schemas.openxmlformats.org/presentationml/2006/main">
   <p:cSld>
     <p:spTree>
@@ -11910,7 +12410,7 @@
           <p:cNvPr id="2" name="标题 1">
             <a:extLst>
               <a:ext uri="{FF2B5EF4-FFF2-40B4-BE49-F238E27FC236}">
-                <a16:creationId xmlns:a16="http://schemas.microsoft.com/office/drawing/2014/main" id="{DBC5EEE3-8EF4-45C5-9CB0-94A751D14A31}"/>
+                <a16:creationId xmlns:a16="http://schemas.microsoft.com/office/drawing/2014/main" xmlns="" id="{DBC5EEE3-8EF4-45C5-9CB0-94A751D14A31}"/>
               </a:ext>
             </a:extLst>
           </p:cNvPr>
@@ -11939,7 +12439,7 @@
           <p:cNvPr id="3" name="内容占位符 2">
             <a:extLst>
               <a:ext uri="{FF2B5EF4-FFF2-40B4-BE49-F238E27FC236}">
-                <a16:creationId xmlns:a16="http://schemas.microsoft.com/office/drawing/2014/main" id="{F3BC0AB4-6DBD-45B8-B7C7-7BC4B2BA2647}"/>
+                <a16:creationId xmlns:a16="http://schemas.microsoft.com/office/drawing/2014/main" xmlns="" id="{F3BC0AB4-6DBD-45B8-B7C7-7BC4B2BA2647}"/>
               </a:ext>
             </a:extLst>
           </p:cNvPr>
@@ -12136,7 +12636,7 @@
           <p:cNvPr id="5" name="图片 4">
             <a:extLst>
               <a:ext uri="{FF2B5EF4-FFF2-40B4-BE49-F238E27FC236}">
-                <a16:creationId xmlns:a16="http://schemas.microsoft.com/office/drawing/2014/main" id="{DD98EB92-99A6-4F76-80CD-1E784765FB2B}"/>
+                <a16:creationId xmlns:a16="http://schemas.microsoft.com/office/drawing/2014/main" xmlns="" id="{DD98EB92-99A6-4F76-80CD-1E784765FB2B}"/>
               </a:ext>
             </a:extLst>
           </p:cNvPr>
@@ -12174,7 +12674,7 @@
 </p:sld>
 </file>
 
-<file path=ppt/slides/slide12.xml><?xml version="1.0" encoding="utf-8"?>
+<file path=ppt/slides/slide15.xml><?xml version="1.0" encoding="utf-8"?>
 <p:sld xmlns:a="http://schemas.openxmlformats.org/drawingml/2006/main" xmlns:r="http://schemas.openxmlformats.org/officeDocument/2006/relationships" xmlns:p="http://schemas.openxmlformats.org/presentationml/2006/main">
   <p:cSld>
     <p:spTree>
@@ -12196,7 +12696,7 @@
           <p:cNvPr id="2" name="标题 1">
             <a:extLst>
               <a:ext uri="{FF2B5EF4-FFF2-40B4-BE49-F238E27FC236}">
-                <a16:creationId xmlns:a16="http://schemas.microsoft.com/office/drawing/2014/main" id="{7CF3F3D1-AD2C-4BCB-8E28-6B234AA2433F}"/>
+                <a16:creationId xmlns:a16="http://schemas.microsoft.com/office/drawing/2014/main" xmlns="" id="{7CF3F3D1-AD2C-4BCB-8E28-6B234AA2433F}"/>
               </a:ext>
             </a:extLst>
           </p:cNvPr>
@@ -12225,7 +12725,7 @@
           <p:cNvPr id="3" name="内容占位符 2">
             <a:extLst>
               <a:ext uri="{FF2B5EF4-FFF2-40B4-BE49-F238E27FC236}">
-                <a16:creationId xmlns:a16="http://schemas.microsoft.com/office/drawing/2014/main" id="{6DC01474-07AC-474F-8783-B3FE4AC3CA3E}"/>
+                <a16:creationId xmlns:a16="http://schemas.microsoft.com/office/drawing/2014/main" xmlns="" id="{6DC01474-07AC-474F-8783-B3FE4AC3CA3E}"/>
               </a:ext>
             </a:extLst>
           </p:cNvPr>
@@ -12296,7 +12796,7 @@
           <p:cNvPr id="4" name="图片 3">
             <a:extLst>
               <a:ext uri="{FF2B5EF4-FFF2-40B4-BE49-F238E27FC236}">
-                <a16:creationId xmlns:a16="http://schemas.microsoft.com/office/drawing/2014/main" id="{57584321-4F5F-4A10-9D78-52E29B0D4096}"/>
+                <a16:creationId xmlns:a16="http://schemas.microsoft.com/office/drawing/2014/main" xmlns="" id="{57584321-4F5F-4A10-9D78-52E29B0D4096}"/>
               </a:ext>
             </a:extLst>
           </p:cNvPr>
@@ -12353,13 +12853,7 @@
       </p:grpSpPr>
       <p:sp>
         <p:nvSpPr>
-          <p:cNvPr id="2" name="标题 1">
-            <a:extLst>
-              <a:ext uri="{FF2B5EF4-FFF2-40B4-BE49-F238E27FC236}">
-                <a16:creationId xmlns:a16="http://schemas.microsoft.com/office/drawing/2014/main" id="{F70AC072-884F-4D5F-BE2F-A5BE1003DEF4}"/>
-              </a:ext>
-            </a:extLst>
-          </p:cNvPr>
+          <p:cNvPr id="2" name="标题 1"/>
           <p:cNvSpPr>
             <a:spLocks noGrp="1"/>
           </p:cNvSpPr>
@@ -12367,19 +12861,14 @@
             <p:ph type="title"/>
           </p:nvPr>
         </p:nvSpPr>
-        <p:spPr>
-          <a:xfrm>
-            <a:off x="628228" y="699796"/>
-            <a:ext cx="8534400" cy="1581019"/>
-          </a:xfrm>
-        </p:spPr>
+        <p:spPr/>
         <p:txBody>
           <a:bodyPr/>
           <a:lstStyle/>
           <a:p>
             <a:r>
               <a:rPr lang="en-US" altLang="zh-CN" dirty="0"/>
-              <a:t>ArrayList-1</a:t>
+              <a:t>Collection</a:t>
             </a:r>
             <a:endParaRPr lang="zh-CN" altLang="en-US" dirty="0"/>
           </a:p>
@@ -12387,13 +12876,7 @@
       </p:sp>
       <p:sp>
         <p:nvSpPr>
-          <p:cNvPr id="3" name="内容占位符 2">
-            <a:extLst>
-              <a:ext uri="{FF2B5EF4-FFF2-40B4-BE49-F238E27FC236}">
-                <a16:creationId xmlns:a16="http://schemas.microsoft.com/office/drawing/2014/main" id="{5A4F26DD-5B9D-49C8-AC7C-CA9DF2030EDB}"/>
-              </a:ext>
-            </a:extLst>
-          </p:cNvPr>
+          <p:cNvPr id="3" name="内容占位符 2"/>
           <p:cNvSpPr>
             <a:spLocks noGrp="1"/>
           </p:cNvSpPr>
@@ -12401,280 +12884,73 @@
             <p:ph idx="1"/>
           </p:nvPr>
         </p:nvSpPr>
-        <p:spPr>
-          <a:xfrm>
-            <a:off x="628228" y="2433478"/>
-            <a:ext cx="9872871" cy="4287416"/>
-          </a:xfrm>
-        </p:spPr>
-        <p:txBody>
-          <a:bodyPr/>
-          <a:lstStyle/>
+        <p:spPr/>
+        <p:txBody>
+          <a:bodyPr/>
+          <a:lstStyle/>
+          <a:p>
+            <a:r>
+              <a:rPr lang="zh-CN" altLang="en-US" dirty="0" smtClean="0"/>
+              <a:t>是一个接口</a:t>
+            </a:r>
+            <a:r>
+              <a:rPr lang="en-US" altLang="zh-CN" dirty="0" smtClean="0"/>
+              <a:t>interface,</a:t>
+            </a:r>
+            <a:r>
+              <a:rPr lang="zh-CN" altLang="en-US" dirty="0" smtClean="0"/>
+              <a:t>继承与</a:t>
+            </a:r>
+            <a:r>
+              <a:rPr lang="en-US" altLang="zh-CN" dirty="0" err="1" smtClean="0"/>
+              <a:t>Iterable</a:t>
+            </a:r>
+            <a:r>
+              <a:rPr lang="zh-CN" altLang="en-US" dirty="0" smtClean="0"/>
+              <a:t>；</a:t>
+            </a:r>
+            <a:endParaRPr lang="en-US" altLang="zh-CN" dirty="0" smtClean="0"/>
+          </a:p>
           <a:p>
             <a:r>
               <a:rPr lang="zh-CN" altLang="en-US" dirty="0"/>
-              <a:t>动态增加和减少元素；</a:t>
-            </a:r>
-            <a:endParaRPr lang="en-US" altLang="zh-CN" dirty="0"/>
-          </a:p>
-          <a:p>
-            <a:r>
-              <a:rPr lang="en-US" altLang="zh-CN" dirty="0" err="1"/>
-              <a:t>AbstractList</a:t>
+              <a:t>方法</a:t>
+            </a:r>
+            <a:r>
+              <a:rPr lang="zh-CN" altLang="en-US" dirty="0" smtClean="0"/>
+              <a:t>包括：</a:t>
             </a:r>
             <a:r>
               <a:rPr lang="en-US" altLang="zh-CN" dirty="0"/>
-              <a:t>&lt;E&gt;, List&lt;E&gt;, Collection&lt;E&gt;;</a:t>
-            </a:r>
-          </a:p>
-          <a:p>
-            <a:r>
-              <a:rPr lang="zh-CN" altLang="en-US" dirty="0"/>
-              <a:t>构造函数</a:t>
+              <a:t>size(), </a:t>
+            </a:r>
+            <a:r>
+              <a:rPr lang="en-US" altLang="zh-CN" dirty="0" err="1" smtClean="0"/>
+              <a:t>isEmpty</a:t>
             </a:r>
             <a:r>
               <a:rPr lang="en-US" altLang="zh-CN" dirty="0"/>
-              <a:t>:List&lt;E&gt; str = new </a:t>
-            </a:r>
-            <a:r>
-              <a:rPr lang="en-US" altLang="zh-CN" dirty="0" err="1"/>
-              <a:t>ArrayList</a:t>
-            </a:r>
-            <a:r>
-              <a:rPr lang="en-US" altLang="zh-CN" dirty="0"/>
-              <a:t>&lt;E&gt;(</a:t>
-            </a:r>
-            <a:r>
-              <a:rPr lang="en-US" altLang="zh-CN" dirty="0" err="1"/>
-              <a:t>initialCapacity</a:t>
-            </a:r>
-            <a:r>
-              <a:rPr lang="en-US" altLang="zh-CN" dirty="0"/>
-              <a:t>);</a:t>
-            </a:r>
-            <a:r>
-              <a:rPr lang="zh-CN" altLang="en-US" dirty="0"/>
-              <a:t>可选初始指定大小；</a:t>
-            </a:r>
-            <a:endParaRPr lang="en-US" altLang="zh-CN" dirty="0"/>
-          </a:p>
-          <a:p>
-            <a:r>
-              <a:rPr lang="zh-CN" altLang="en-US" dirty="0"/>
-              <a:t>内部以数组进行存储数据：</a:t>
-            </a:r>
-            <a:r>
-              <a:rPr lang="en-US" altLang="zh-CN" dirty="0"/>
-              <a:t>Object[] </a:t>
-            </a:r>
-            <a:r>
-              <a:rPr lang="en-US" altLang="zh-CN" dirty="0" err="1"/>
-              <a:t>elementData</a:t>
-            </a:r>
-            <a:endParaRPr lang="en-US" altLang="zh-CN" dirty="0"/>
-          </a:p>
-          <a:p>
-            <a:r>
-              <a:rPr lang="zh-CN" altLang="en-US" dirty="0"/>
-              <a:t>常用方法：</a:t>
-            </a:r>
-            <a:r>
-              <a:rPr lang="en-US" altLang="zh-CN" dirty="0"/>
-              <a:t>add(E) </a:t>
-            </a:r>
-            <a:r>
-              <a:rPr lang="zh-CN" altLang="en-US" dirty="0"/>
-              <a:t>添加数据； </a:t>
-            </a:r>
-            <a:r>
-              <a:rPr lang="en-US" altLang="zh-CN" dirty="0"/>
-              <a:t>add(</a:t>
-            </a:r>
-            <a:r>
-              <a:rPr lang="en-US" altLang="zh-CN" dirty="0" err="1"/>
-              <a:t>index,E</a:t>
-            </a:r>
-            <a:r>
-              <a:rPr lang="en-US" altLang="zh-CN" dirty="0"/>
-              <a:t>) </a:t>
-            </a:r>
-            <a:r>
-              <a:rPr lang="zh-CN" altLang="en-US" dirty="0"/>
-              <a:t>指定位置添加数据</a:t>
-            </a:r>
-            <a:r>
-              <a:rPr lang="en-US" altLang="zh-CN" dirty="0"/>
-              <a:t>; remove(index)</a:t>
-            </a:r>
-            <a:r>
-              <a:rPr lang="zh-CN" altLang="en-US" dirty="0"/>
-              <a:t>，</a:t>
-            </a:r>
-            <a:r>
-              <a:rPr lang="en-US" altLang="zh-CN" dirty="0"/>
-              <a:t>remove(o)</a:t>
-            </a:r>
-            <a:r>
-              <a:rPr lang="zh-CN" altLang="en-US" dirty="0"/>
-              <a:t>移除数据</a:t>
-            </a:r>
-            <a:r>
-              <a:rPr lang="en-US" altLang="zh-CN" dirty="0"/>
-              <a:t>;clear()</a:t>
-            </a:r>
-            <a:r>
-              <a:rPr lang="zh-CN" altLang="en-US" dirty="0"/>
-              <a:t>清空数据</a:t>
-            </a:r>
-            <a:r>
-              <a:rPr lang="en-US" altLang="zh-CN" dirty="0"/>
-              <a:t>;</a:t>
-            </a:r>
-            <a:r>
-              <a:rPr lang="en-US" altLang="zh-CN" dirty="0" err="1"/>
-              <a:t>indexof</a:t>
-            </a:r>
-            <a:r>
-              <a:rPr lang="en-US" altLang="zh-CN" dirty="0"/>
-              <a:t>(o) </a:t>
-            </a:r>
-            <a:r>
-              <a:rPr lang="zh-CN" altLang="en-US" dirty="0"/>
-              <a:t>查询指定数据的索引，不存在时为</a:t>
-            </a:r>
-            <a:r>
-              <a:rPr lang="en-US" altLang="zh-CN" dirty="0"/>
-              <a:t>-1</a:t>
-            </a:r>
-            <a:r>
-              <a:rPr lang="zh-CN" altLang="en-US" dirty="0"/>
-              <a:t>；</a:t>
-            </a:r>
-            <a:r>
-              <a:rPr lang="en-US" altLang="zh-CN" dirty="0"/>
-              <a:t>contains(o)</a:t>
-            </a:r>
-            <a:r>
-              <a:rPr lang="zh-CN" altLang="en-US" dirty="0"/>
-              <a:t>是否存在；</a:t>
-            </a:r>
-            <a:r>
-              <a:rPr lang="en-US" altLang="zh-CN" dirty="0"/>
-              <a:t>size() </a:t>
-            </a:r>
-            <a:r>
-              <a:rPr lang="zh-CN" altLang="en-US" dirty="0"/>
-              <a:t>大小</a:t>
-            </a:r>
-            <a:r>
-              <a:rPr lang="en-US" altLang="zh-CN" dirty="0"/>
-              <a:t>;get(index) </a:t>
-            </a:r>
-            <a:r>
-              <a:rPr lang="zh-CN" altLang="en-US" dirty="0"/>
-              <a:t>获取值</a:t>
-            </a:r>
-            <a:endParaRPr lang="en-US" altLang="zh-CN" dirty="0"/>
-          </a:p>
-          <a:p>
-            <a:r>
-              <a:rPr lang="zh-CN" altLang="en-US" dirty="0"/>
-              <a:t>效率：每当添加数据时，会判断当前容量是否满足条件，会进行扩容，比较影响效率：</a:t>
-            </a:r>
-            <a:endParaRPr lang="en-US" altLang="zh-CN" dirty="0"/>
-          </a:p>
-          <a:p>
-            <a:r>
-              <a:rPr lang="en-US" altLang="zh-CN" dirty="0"/>
-              <a:t>int </a:t>
-            </a:r>
-            <a:r>
-              <a:rPr lang="en-US" altLang="zh-CN" dirty="0" err="1"/>
-              <a:t>newCapacity</a:t>
-            </a:r>
-            <a:r>
-              <a:rPr lang="en-US" altLang="zh-CN" dirty="0"/>
-              <a:t> = </a:t>
-            </a:r>
-            <a:r>
-              <a:rPr lang="en-US" altLang="zh-CN" dirty="0" err="1"/>
-              <a:t>oldCapacity</a:t>
-            </a:r>
-            <a:r>
-              <a:rPr lang="en-US" altLang="zh-CN" dirty="0"/>
-              <a:t> + (</a:t>
-            </a:r>
-            <a:r>
-              <a:rPr lang="en-US" altLang="zh-CN" dirty="0" err="1"/>
-              <a:t>oldCapacity</a:t>
-            </a:r>
-            <a:r>
-              <a:rPr lang="en-US" altLang="zh-CN" dirty="0"/>
-              <a:t> &gt;&gt; 1);</a:t>
-            </a:r>
-          </a:p>
-          <a:p>
-            <a:r>
-              <a:rPr lang="en-US" altLang="zh-CN" dirty="0" err="1"/>
-              <a:t>elementData</a:t>
-            </a:r>
-            <a:r>
-              <a:rPr lang="en-US" altLang="zh-CN" dirty="0"/>
-              <a:t> = </a:t>
-            </a:r>
-            <a:r>
-              <a:rPr lang="en-US" altLang="zh-CN" dirty="0" err="1"/>
-              <a:t>Arrays.copyOf</a:t>
-            </a:r>
-            <a:r>
-              <a:rPr lang="en-US" altLang="zh-CN" dirty="0"/>
-              <a:t>(</a:t>
-            </a:r>
-            <a:r>
-              <a:rPr lang="en-US" altLang="zh-CN" dirty="0" err="1"/>
-              <a:t>elementData</a:t>
-            </a:r>
-            <a:r>
-              <a:rPr lang="en-US" altLang="zh-CN" dirty="0"/>
-              <a:t>, </a:t>
-            </a:r>
-            <a:r>
-              <a:rPr lang="en-US" altLang="zh-CN" dirty="0" err="1"/>
-              <a:t>newCapacity</a:t>
-            </a:r>
-            <a:r>
-              <a:rPr lang="en-US" altLang="zh-CN" dirty="0"/>
-              <a:t>);</a:t>
-            </a:r>
-          </a:p>
-          <a:p>
-            <a:r>
-              <a:rPr lang="en-US" altLang="zh-CN" dirty="0" err="1"/>
-              <a:t>ArrayList</a:t>
-            </a:r>
-            <a:r>
-              <a:rPr lang="zh-CN" altLang="en-US" dirty="0"/>
-              <a:t>是动态数组，调用</a:t>
-            </a:r>
-            <a:r>
-              <a:rPr lang="en-US" altLang="zh-CN" dirty="0" err="1"/>
-              <a:t>IndexOf</a:t>
-            </a:r>
-            <a:r>
-              <a:rPr lang="zh-CN" altLang="en-US" dirty="0"/>
-              <a:t>、</a:t>
-            </a:r>
-            <a:r>
-              <a:rPr lang="en-US" altLang="zh-CN" dirty="0"/>
-              <a:t>Contains</a:t>
-            </a:r>
-            <a:r>
-              <a:rPr lang="zh-CN" altLang="en-US" dirty="0"/>
-              <a:t>等方法是执行的简单的循环来查找元素；</a:t>
-            </a:r>
-            <a:endParaRPr lang="en-US" altLang="zh-CN" dirty="0"/>
-          </a:p>
-          <a:p>
+              <a:t>(), contains(o), </a:t>
+            </a:r>
+            <a:r>
+              <a:rPr lang="en-US" altLang="zh-CN" dirty="0" smtClean="0"/>
+              <a:t>iterator(),add(o),remove(),clear()</a:t>
+            </a:r>
+            <a:r>
+              <a:rPr lang="zh-CN" altLang="en-US" dirty="0" smtClean="0"/>
+              <a:t>等；</a:t>
+            </a:r>
+            <a:endParaRPr lang="en-US" altLang="zh-CN" dirty="0" smtClean="0"/>
+          </a:p>
+          <a:p>
+            <a:r>
+              <a:rPr lang="en-US" altLang="zh-CN" dirty="0" smtClean="0"/>
+              <a:t>Set&lt;E&gt;,List&lt;E&gt;</a:t>
+            </a:r>
+            <a:r>
+              <a:rPr lang="zh-CN" altLang="en-US" dirty="0" smtClean="0"/>
+              <a:t>都继承本接口</a:t>
+            </a:r>
             <a:endParaRPr lang="zh-CN" altLang="en-US" dirty="0"/>
           </a:p>
         </p:txBody>
@@ -12682,7 +12958,7 @@
     </p:spTree>
     <p:extLst>
       <p:ext uri="{BB962C8B-B14F-4D97-AF65-F5344CB8AC3E}">
-        <p14:creationId xmlns:p14="http://schemas.microsoft.com/office/powerpoint/2010/main" val="1959095355"/>
+        <p14:creationId xmlns:p14="http://schemas.microsoft.com/office/powerpoint/2010/main" val="2818691228"/>
       </p:ext>
     </p:extLst>
   </p:cSld>
@@ -12714,7 +12990,7 @@
           <p:cNvPr id="2" name="标题 1">
             <a:extLst>
               <a:ext uri="{FF2B5EF4-FFF2-40B4-BE49-F238E27FC236}">
-                <a16:creationId xmlns:a16="http://schemas.microsoft.com/office/drawing/2014/main" id="{DA07EB44-BB25-4CB4-8159-4BC1835D631D}"/>
+                <a16:creationId xmlns:a16="http://schemas.microsoft.com/office/drawing/2014/main" xmlns="" id="{F70AC072-884F-4D5F-BE2F-A5BE1003DEF4}"/>
               </a:ext>
             </a:extLst>
           </p:cNvPr>
@@ -12725,14 +13001,19 @@
             <p:ph type="title"/>
           </p:nvPr>
         </p:nvSpPr>
-        <p:spPr/>
+        <p:spPr>
+          <a:xfrm>
+            <a:off x="628228" y="699796"/>
+            <a:ext cx="8534400" cy="1581019"/>
+          </a:xfrm>
+        </p:spPr>
         <p:txBody>
           <a:bodyPr/>
           <a:lstStyle/>
           <a:p>
             <a:r>
               <a:rPr lang="en-US" altLang="zh-CN" dirty="0"/>
-              <a:t>ArrayList-2</a:t>
+              <a:t>ArrayList-1</a:t>
             </a:r>
             <a:endParaRPr lang="zh-CN" altLang="en-US" dirty="0"/>
           </a:p>
@@ -12743,7 +13024,360 @@
           <p:cNvPr id="3" name="内容占位符 2">
             <a:extLst>
               <a:ext uri="{FF2B5EF4-FFF2-40B4-BE49-F238E27FC236}">
-                <a16:creationId xmlns:a16="http://schemas.microsoft.com/office/drawing/2014/main" id="{A6A42B36-FBE6-4893-9E56-9CB237E1AEBC}"/>
+                <a16:creationId xmlns:a16="http://schemas.microsoft.com/office/drawing/2014/main" xmlns="" id="{5A4F26DD-5B9D-49C8-AC7C-CA9DF2030EDB}"/>
+              </a:ext>
+            </a:extLst>
+          </p:cNvPr>
+          <p:cNvSpPr>
+            <a:spLocks noGrp="1"/>
+          </p:cNvSpPr>
+          <p:nvPr>
+            <p:ph idx="1"/>
+          </p:nvPr>
+        </p:nvSpPr>
+        <p:spPr>
+          <a:xfrm>
+            <a:off x="628228" y="2433478"/>
+            <a:ext cx="9872871" cy="4287416"/>
+          </a:xfrm>
+        </p:spPr>
+        <p:txBody>
+          <a:bodyPr/>
+          <a:lstStyle/>
+          <a:p>
+            <a:r>
+              <a:rPr lang="zh-CN" altLang="en-US" dirty="0"/>
+              <a:t>动态增加和减少元素；</a:t>
+            </a:r>
+            <a:endParaRPr lang="en-US" altLang="zh-CN" dirty="0"/>
+          </a:p>
+          <a:p>
+            <a:r>
+              <a:rPr lang="en-US" altLang="zh-CN" dirty="0" err="1"/>
+              <a:t>AbstractList</a:t>
+            </a:r>
+            <a:r>
+              <a:rPr lang="en-US" altLang="zh-CN" dirty="0"/>
+              <a:t>&lt;E&gt;, List&lt;E&gt;, Collection&lt;E&gt;;</a:t>
+            </a:r>
+          </a:p>
+          <a:p>
+            <a:r>
+              <a:rPr lang="zh-CN" altLang="en-US" dirty="0"/>
+              <a:t>构造函数</a:t>
+            </a:r>
+            <a:r>
+              <a:rPr lang="en-US" altLang="zh-CN" dirty="0"/>
+              <a:t>:List&lt;E&gt; str = new </a:t>
+            </a:r>
+            <a:r>
+              <a:rPr lang="en-US" altLang="zh-CN" dirty="0" err="1"/>
+              <a:t>ArrayList</a:t>
+            </a:r>
+            <a:r>
+              <a:rPr lang="en-US" altLang="zh-CN" dirty="0"/>
+              <a:t>&lt;E&gt;(</a:t>
+            </a:r>
+            <a:r>
+              <a:rPr lang="en-US" altLang="zh-CN" dirty="0" err="1"/>
+              <a:t>initialCapacity</a:t>
+            </a:r>
+            <a:r>
+              <a:rPr lang="en-US" altLang="zh-CN" dirty="0"/>
+              <a:t>);</a:t>
+            </a:r>
+            <a:r>
+              <a:rPr lang="zh-CN" altLang="en-US" dirty="0"/>
+              <a:t>可选初始指定大小；</a:t>
+            </a:r>
+            <a:endParaRPr lang="en-US" altLang="zh-CN" dirty="0"/>
+          </a:p>
+          <a:p>
+            <a:r>
+              <a:rPr lang="zh-CN" altLang="en-US" dirty="0"/>
+              <a:t>内部以数组进行存储数据：</a:t>
+            </a:r>
+            <a:r>
+              <a:rPr lang="en-US" altLang="zh-CN" dirty="0"/>
+              <a:t>Object[] </a:t>
+            </a:r>
+            <a:r>
+              <a:rPr lang="en-US" altLang="zh-CN" dirty="0" err="1"/>
+              <a:t>elementData</a:t>
+            </a:r>
+            <a:endParaRPr lang="en-US" altLang="zh-CN" dirty="0"/>
+          </a:p>
+          <a:p>
+            <a:r>
+              <a:rPr lang="zh-CN" altLang="en-US" dirty="0"/>
+              <a:t>常用方法：</a:t>
+            </a:r>
+            <a:r>
+              <a:rPr lang="en-US" altLang="zh-CN" dirty="0"/>
+              <a:t>add(E) </a:t>
+            </a:r>
+            <a:r>
+              <a:rPr lang="zh-CN" altLang="en-US" dirty="0"/>
+              <a:t>添加数据； </a:t>
+            </a:r>
+            <a:r>
+              <a:rPr lang="en-US" altLang="zh-CN" dirty="0"/>
+              <a:t>add(</a:t>
+            </a:r>
+            <a:r>
+              <a:rPr lang="en-US" altLang="zh-CN" dirty="0" err="1"/>
+              <a:t>index,E</a:t>
+            </a:r>
+            <a:r>
+              <a:rPr lang="en-US" altLang="zh-CN" dirty="0"/>
+              <a:t>) </a:t>
+            </a:r>
+            <a:r>
+              <a:rPr lang="zh-CN" altLang="en-US" dirty="0"/>
+              <a:t>指定位置添加数据</a:t>
+            </a:r>
+            <a:r>
+              <a:rPr lang="en-US" altLang="zh-CN" dirty="0"/>
+              <a:t>; remove(index)</a:t>
+            </a:r>
+            <a:r>
+              <a:rPr lang="zh-CN" altLang="en-US" dirty="0"/>
+              <a:t>，</a:t>
+            </a:r>
+            <a:r>
+              <a:rPr lang="en-US" altLang="zh-CN" dirty="0"/>
+              <a:t>remove(o)</a:t>
+            </a:r>
+            <a:r>
+              <a:rPr lang="zh-CN" altLang="en-US" dirty="0"/>
+              <a:t>移除数据</a:t>
+            </a:r>
+            <a:r>
+              <a:rPr lang="en-US" altLang="zh-CN" dirty="0"/>
+              <a:t>;clear()</a:t>
+            </a:r>
+            <a:r>
+              <a:rPr lang="zh-CN" altLang="en-US" dirty="0"/>
+              <a:t>清空数据</a:t>
+            </a:r>
+            <a:r>
+              <a:rPr lang="en-US" altLang="zh-CN" dirty="0"/>
+              <a:t>;</a:t>
+            </a:r>
+            <a:r>
+              <a:rPr lang="en-US" altLang="zh-CN" dirty="0" err="1"/>
+              <a:t>indexof</a:t>
+            </a:r>
+            <a:r>
+              <a:rPr lang="en-US" altLang="zh-CN" dirty="0"/>
+              <a:t>(o) </a:t>
+            </a:r>
+            <a:r>
+              <a:rPr lang="zh-CN" altLang="en-US" dirty="0"/>
+              <a:t>查询指定数据的索引，不存在时为</a:t>
+            </a:r>
+            <a:r>
+              <a:rPr lang="en-US" altLang="zh-CN" dirty="0"/>
+              <a:t>-1</a:t>
+            </a:r>
+            <a:r>
+              <a:rPr lang="zh-CN" altLang="en-US" dirty="0"/>
+              <a:t>；</a:t>
+            </a:r>
+            <a:r>
+              <a:rPr lang="en-US" altLang="zh-CN" dirty="0"/>
+              <a:t>contains(o)</a:t>
+            </a:r>
+            <a:r>
+              <a:rPr lang="zh-CN" altLang="en-US" dirty="0"/>
+              <a:t>是否存在；</a:t>
+            </a:r>
+            <a:r>
+              <a:rPr lang="en-US" altLang="zh-CN" dirty="0"/>
+              <a:t>size() </a:t>
+            </a:r>
+            <a:r>
+              <a:rPr lang="zh-CN" altLang="en-US" dirty="0"/>
+              <a:t>大小</a:t>
+            </a:r>
+            <a:r>
+              <a:rPr lang="en-US" altLang="zh-CN" dirty="0"/>
+              <a:t>;get(index) </a:t>
+            </a:r>
+            <a:r>
+              <a:rPr lang="zh-CN" altLang="en-US" dirty="0"/>
+              <a:t>获取值</a:t>
+            </a:r>
+            <a:endParaRPr lang="en-US" altLang="zh-CN" dirty="0"/>
+          </a:p>
+          <a:p>
+            <a:r>
+              <a:rPr lang="zh-CN" altLang="en-US" dirty="0"/>
+              <a:t>效率：每当添加数据时，会判断当前容量是否满足条件，会进行扩容，比较影响效率：</a:t>
+            </a:r>
+            <a:endParaRPr lang="en-US" altLang="zh-CN" dirty="0"/>
+          </a:p>
+          <a:p>
+            <a:r>
+              <a:rPr lang="en-US" altLang="zh-CN" dirty="0"/>
+              <a:t>int </a:t>
+            </a:r>
+            <a:r>
+              <a:rPr lang="en-US" altLang="zh-CN" dirty="0" err="1"/>
+              <a:t>newCapacity</a:t>
+            </a:r>
+            <a:r>
+              <a:rPr lang="en-US" altLang="zh-CN" dirty="0"/>
+              <a:t> = </a:t>
+            </a:r>
+            <a:r>
+              <a:rPr lang="en-US" altLang="zh-CN" dirty="0" err="1"/>
+              <a:t>oldCapacity</a:t>
+            </a:r>
+            <a:r>
+              <a:rPr lang="en-US" altLang="zh-CN" dirty="0"/>
+              <a:t> + (</a:t>
+            </a:r>
+            <a:r>
+              <a:rPr lang="en-US" altLang="zh-CN" dirty="0" err="1"/>
+              <a:t>oldCapacity</a:t>
+            </a:r>
+            <a:r>
+              <a:rPr lang="en-US" altLang="zh-CN" dirty="0"/>
+              <a:t> &gt;&gt; 1);</a:t>
+            </a:r>
+          </a:p>
+          <a:p>
+            <a:r>
+              <a:rPr lang="en-US" altLang="zh-CN" dirty="0" err="1"/>
+              <a:t>elementData</a:t>
+            </a:r>
+            <a:r>
+              <a:rPr lang="en-US" altLang="zh-CN" dirty="0"/>
+              <a:t> = </a:t>
+            </a:r>
+            <a:r>
+              <a:rPr lang="en-US" altLang="zh-CN" dirty="0" err="1"/>
+              <a:t>Arrays.copyOf</a:t>
+            </a:r>
+            <a:r>
+              <a:rPr lang="en-US" altLang="zh-CN" dirty="0"/>
+              <a:t>(</a:t>
+            </a:r>
+            <a:r>
+              <a:rPr lang="en-US" altLang="zh-CN" dirty="0" err="1"/>
+              <a:t>elementData</a:t>
+            </a:r>
+            <a:r>
+              <a:rPr lang="en-US" altLang="zh-CN" dirty="0"/>
+              <a:t>, </a:t>
+            </a:r>
+            <a:r>
+              <a:rPr lang="en-US" altLang="zh-CN" dirty="0" err="1"/>
+              <a:t>newCapacity</a:t>
+            </a:r>
+            <a:r>
+              <a:rPr lang="en-US" altLang="zh-CN" dirty="0"/>
+              <a:t>);</a:t>
+            </a:r>
+          </a:p>
+          <a:p>
+            <a:r>
+              <a:rPr lang="en-US" altLang="zh-CN" dirty="0" err="1"/>
+              <a:t>ArrayList</a:t>
+            </a:r>
+            <a:r>
+              <a:rPr lang="zh-CN" altLang="en-US" dirty="0"/>
+              <a:t>是动态数组，调用</a:t>
+            </a:r>
+            <a:r>
+              <a:rPr lang="en-US" altLang="zh-CN" dirty="0" err="1"/>
+              <a:t>IndexOf</a:t>
+            </a:r>
+            <a:r>
+              <a:rPr lang="zh-CN" altLang="en-US" dirty="0"/>
+              <a:t>、</a:t>
+            </a:r>
+            <a:r>
+              <a:rPr lang="en-US" altLang="zh-CN" dirty="0"/>
+              <a:t>Contains</a:t>
+            </a:r>
+            <a:r>
+              <a:rPr lang="zh-CN" altLang="en-US" dirty="0"/>
+              <a:t>等方法是执行的简单的循环来查找元素；</a:t>
+            </a:r>
+            <a:endParaRPr lang="en-US" altLang="zh-CN" dirty="0"/>
+          </a:p>
+          <a:p>
+            <a:endParaRPr lang="zh-CN" altLang="en-US" dirty="0"/>
+          </a:p>
+        </p:txBody>
+      </p:sp>
+    </p:spTree>
+    <p:extLst>
+      <p:ext uri="{BB962C8B-B14F-4D97-AF65-F5344CB8AC3E}">
+        <p14:creationId xmlns:p14="http://schemas.microsoft.com/office/powerpoint/2010/main" val="1959095355"/>
+      </p:ext>
+    </p:extLst>
+  </p:cSld>
+  <p:clrMapOvr>
+    <a:masterClrMapping/>
+  </p:clrMapOvr>
+</p:sld>
+</file>
+
+<file path=ppt/slides/slide4.xml><?xml version="1.0" encoding="utf-8"?>
+<p:sld xmlns:a="http://schemas.openxmlformats.org/drawingml/2006/main" xmlns:r="http://schemas.openxmlformats.org/officeDocument/2006/relationships" xmlns:p="http://schemas.openxmlformats.org/presentationml/2006/main">
+  <p:cSld>
+    <p:spTree>
+      <p:nvGrpSpPr>
+        <p:cNvPr id="1" name=""/>
+        <p:cNvGrpSpPr/>
+        <p:nvPr/>
+      </p:nvGrpSpPr>
+      <p:grpSpPr>
+        <a:xfrm>
+          <a:off x="0" y="0"/>
+          <a:ext cx="0" cy="0"/>
+          <a:chOff x="0" y="0"/>
+          <a:chExt cx="0" cy="0"/>
+        </a:xfrm>
+      </p:grpSpPr>
+      <p:sp>
+        <p:nvSpPr>
+          <p:cNvPr id="2" name="标题 1">
+            <a:extLst>
+              <a:ext uri="{FF2B5EF4-FFF2-40B4-BE49-F238E27FC236}">
+                <a16:creationId xmlns:a16="http://schemas.microsoft.com/office/drawing/2014/main" xmlns="" id="{DA07EB44-BB25-4CB4-8159-4BC1835D631D}"/>
+              </a:ext>
+            </a:extLst>
+          </p:cNvPr>
+          <p:cNvSpPr>
+            <a:spLocks noGrp="1"/>
+          </p:cNvSpPr>
+          <p:nvPr>
+            <p:ph type="title"/>
+          </p:nvPr>
+        </p:nvSpPr>
+        <p:spPr/>
+        <p:txBody>
+          <a:bodyPr/>
+          <a:lstStyle/>
+          <a:p>
+            <a:r>
+              <a:rPr lang="en-US" altLang="zh-CN" dirty="0"/>
+              <a:t>ArrayList-2</a:t>
+            </a:r>
+            <a:endParaRPr lang="zh-CN" altLang="en-US" dirty="0"/>
+          </a:p>
+        </p:txBody>
+      </p:sp>
+      <p:sp>
+        <p:nvSpPr>
+          <p:cNvPr id="3" name="内容占位符 2">
+            <a:extLst>
+              <a:ext uri="{FF2B5EF4-FFF2-40B4-BE49-F238E27FC236}">
+                <a16:creationId xmlns:a16="http://schemas.microsoft.com/office/drawing/2014/main" xmlns="" id="{A6A42B36-FBE6-4893-9E56-9CB237E1AEBC}"/>
               </a:ext>
             </a:extLst>
           </p:cNvPr>
@@ -12817,7 +13451,7 @@
 </p:sld>
 </file>
 
-<file path=ppt/slides/slide4.xml><?xml version="1.0" encoding="utf-8"?>
+<file path=ppt/slides/slide5.xml><?xml version="1.0" encoding="utf-8"?>
 <p:sld xmlns:a="http://schemas.openxmlformats.org/drawingml/2006/main" xmlns:r="http://schemas.openxmlformats.org/officeDocument/2006/relationships" xmlns:p="http://schemas.openxmlformats.org/presentationml/2006/main">
   <p:cSld>
     <p:spTree>
@@ -13021,7 +13655,7 @@
 </p:sld>
 </file>
 
-<file path=ppt/slides/slide5.xml><?xml version="1.0" encoding="utf-8"?>
+<file path=ppt/slides/slide6.xml><?xml version="1.0" encoding="utf-8"?>
 <p:sld xmlns:a="http://schemas.openxmlformats.org/drawingml/2006/main" xmlns:r="http://schemas.openxmlformats.org/officeDocument/2006/relationships" xmlns:p="http://schemas.openxmlformats.org/presentationml/2006/main">
   <p:cSld>
     <p:spTree>
@@ -13191,137 +13825,6 @@
 </p:sld>
 </file>
 
-<file path=ppt/slides/slide6.xml><?xml version="1.0" encoding="utf-8"?>
-<p:sld xmlns:a="http://schemas.openxmlformats.org/drawingml/2006/main" xmlns:r="http://schemas.openxmlformats.org/officeDocument/2006/relationships" xmlns:p="http://schemas.openxmlformats.org/presentationml/2006/main">
-  <p:cSld>
-    <p:spTree>
-      <p:nvGrpSpPr>
-        <p:cNvPr id="1" name=""/>
-        <p:cNvGrpSpPr/>
-        <p:nvPr/>
-      </p:nvGrpSpPr>
-      <p:grpSpPr>
-        <a:xfrm>
-          <a:off x="0" y="0"/>
-          <a:ext cx="0" cy="0"/>
-          <a:chOff x="0" y="0"/>
-          <a:chExt cx="0" cy="0"/>
-        </a:xfrm>
-      </p:grpSpPr>
-      <p:sp>
-        <p:nvSpPr>
-          <p:cNvPr id="2" name="标题 1"/>
-          <p:cNvSpPr>
-            <a:spLocks noGrp="1"/>
-          </p:cNvSpPr>
-          <p:nvPr>
-            <p:ph type="title"/>
-          </p:nvPr>
-        </p:nvSpPr>
-        <p:spPr/>
-        <p:txBody>
-          <a:bodyPr/>
-          <a:lstStyle/>
-          <a:p>
-            <a:r>
-              <a:rPr lang="en-US" altLang="zh-CN" dirty="0"/>
-              <a:t>LinkedList-3</a:t>
-            </a:r>
-            <a:endParaRPr lang="zh-CN" altLang="en-US" dirty="0"/>
-          </a:p>
-        </p:txBody>
-      </p:sp>
-      <p:sp>
-        <p:nvSpPr>
-          <p:cNvPr id="3" name="内容占位符 2"/>
-          <p:cNvSpPr>
-            <a:spLocks noGrp="1"/>
-          </p:cNvSpPr>
-          <p:nvPr>
-            <p:ph idx="1"/>
-          </p:nvPr>
-        </p:nvSpPr>
-        <p:spPr/>
-        <p:txBody>
-          <a:bodyPr/>
-          <a:lstStyle/>
-          <a:p>
-            <a:r>
-              <a:rPr lang="zh-CN" altLang="en-US" dirty="0"/>
-              <a:t>如果你十分确定你插入、删除的元素是在前半段，那么就使用</a:t>
-            </a:r>
-            <a:r>
-              <a:rPr lang="en-US" altLang="zh-CN" dirty="0" err="1"/>
-              <a:t>LinkedList</a:t>
-            </a:r>
-            <a:r>
-              <a:rPr lang="zh-CN" altLang="en-US" dirty="0"/>
-              <a:t>；如果你十分确定你删除、删除的元素在比较靠后的位置，那么可以考虑使用</a:t>
-            </a:r>
-            <a:r>
-              <a:rPr lang="en-US" altLang="zh-CN" dirty="0" err="1"/>
-              <a:t>ArrayList</a:t>
-            </a:r>
-            <a:r>
-              <a:rPr lang="zh-CN" altLang="en-US" dirty="0"/>
-              <a:t>。如果你不能确定你要做的插入、删除是在哪儿呢？那还是建议你使用</a:t>
-            </a:r>
-            <a:r>
-              <a:rPr lang="en-US" altLang="zh-CN" dirty="0" err="1"/>
-              <a:t>LinkedList</a:t>
-            </a:r>
-            <a:r>
-              <a:rPr lang="zh-CN" altLang="en-US" dirty="0"/>
-              <a:t>吧，因为一来</a:t>
-            </a:r>
-            <a:r>
-              <a:rPr lang="en-US" altLang="zh-CN" dirty="0" err="1"/>
-              <a:t>LinkedList</a:t>
-            </a:r>
-            <a:r>
-              <a:rPr lang="zh-CN" altLang="en-US" dirty="0"/>
-              <a:t>整体插入、删除的执行效率比较稳定，没有</a:t>
-            </a:r>
-            <a:r>
-              <a:rPr lang="en-US" altLang="zh-CN" dirty="0" err="1"/>
-              <a:t>ArrayList</a:t>
-            </a:r>
-            <a:r>
-              <a:rPr lang="zh-CN" altLang="en-US" dirty="0"/>
-              <a:t>这种越往后越快的情况；二来插入元素的时候，弄得不好</a:t>
-            </a:r>
-            <a:r>
-              <a:rPr lang="en-US" altLang="zh-CN" dirty="0" err="1"/>
-              <a:t>ArrayList</a:t>
-            </a:r>
-            <a:r>
-              <a:rPr lang="zh-CN" altLang="en-US" dirty="0"/>
-              <a:t>就要进行一次扩容，记住，</a:t>
-            </a:r>
-            <a:r>
-              <a:rPr lang="en-US" altLang="zh-CN" dirty="0" err="1"/>
-              <a:t>ArrayList</a:t>
-            </a:r>
-            <a:r>
-              <a:rPr lang="zh-CN" altLang="en-US"/>
-              <a:t>底层数组扩容是一个既消耗时间又消耗空间的操作</a:t>
-            </a:r>
-          </a:p>
-        </p:txBody>
-      </p:sp>
-    </p:spTree>
-    <p:extLst>
-      <p:ext uri="{BB962C8B-B14F-4D97-AF65-F5344CB8AC3E}">
-        <p14:creationId xmlns:p14="http://schemas.microsoft.com/office/powerpoint/2010/main" val="76582888"/>
-      </p:ext>
-    </p:extLst>
-  </p:cSld>
-  <p:clrMapOvr>
-    <a:masterClrMapping/>
-  </p:clrMapOvr>
-</p:sld>
-</file>
-
 <file path=ppt/slides/slide7.xml><?xml version="1.0" encoding="utf-8"?>
 <p:sld xmlns:a="http://schemas.openxmlformats.org/drawingml/2006/main" xmlns:r="http://schemas.openxmlformats.org/officeDocument/2006/relationships" xmlns:p="http://schemas.openxmlformats.org/presentationml/2006/main">
   <p:cSld>
@@ -13356,7 +13859,7 @@
           <a:p>
             <a:r>
               <a:rPr lang="en-US" altLang="zh-CN" dirty="0"/>
-              <a:t>HashMap-1</a:t>
+              <a:t>LinkedList-3</a:t>
             </a:r>
             <a:endParaRPr lang="zh-CN" altLang="en-US" dirty="0"/>
           </a:p>
@@ -13374,263 +13877,76 @@
         </p:nvSpPr>
         <p:spPr/>
         <p:txBody>
-          <a:bodyPr>
-            <a:normAutofit lnSpcReduction="10000"/>
-          </a:bodyPr>
+          <a:bodyPr/>
           <a:lstStyle/>
           <a:p>
             <a:r>
               <a:rPr lang="zh-CN" altLang="en-US" dirty="0"/>
-              <a:t>基于哈希表的 </a:t>
-            </a:r>
-            <a:r>
-              <a:rPr lang="en-US" altLang="zh-CN" dirty="0"/>
-              <a:t>Map </a:t>
+              <a:t>如果你十分确定你插入、删除的元素是在前半段，那么就使用</a:t>
+            </a:r>
+            <a:r>
+              <a:rPr lang="en-US" altLang="zh-CN" dirty="0" err="1"/>
+              <a:t>LinkedList</a:t>
             </a:r>
             <a:r>
               <a:rPr lang="zh-CN" altLang="en-US" dirty="0"/>
-              <a:t>接口的实现，以</a:t>
-            </a:r>
-            <a:r>
-              <a:rPr lang="en-US" altLang="zh-CN" dirty="0"/>
-              <a:t>key-value</a:t>
+              <a:t>；如果你十分确定你删除、删除的元素在比较靠后的位置，那么可以考虑使用</a:t>
+            </a:r>
+            <a:r>
+              <a:rPr lang="en-US" altLang="zh-CN" dirty="0" err="1"/>
+              <a:t>ArrayList</a:t>
             </a:r>
             <a:r>
               <a:rPr lang="zh-CN" altLang="en-US" dirty="0"/>
-              <a:t>的形式存在</a:t>
-            </a:r>
-            <a:r>
-              <a:rPr lang="en-US" altLang="zh-CN" dirty="0"/>
-              <a:t>;</a:t>
-            </a:r>
-          </a:p>
-          <a:p>
+              <a:t>。如果你不能确定你要做的插入、删除是在哪儿呢？那还是建议你使用</a:t>
+            </a:r>
+            <a:r>
+              <a:rPr lang="en-US" altLang="zh-CN" dirty="0" err="1"/>
+              <a:t>LinkedList</a:t>
+            </a:r>
             <a:r>
               <a:rPr lang="zh-CN" altLang="en-US" dirty="0"/>
-              <a:t>构造函数</a:t>
-            </a:r>
-            <a:r>
-              <a:rPr lang="en-US" altLang="zh-CN" dirty="0"/>
-              <a:t>:</a:t>
+              <a:t>吧，因为一来</a:t>
             </a:r>
             <a:r>
               <a:rPr lang="en-US" altLang="zh-CN" dirty="0" err="1"/>
-              <a:t>HashMap</a:t>
-            </a:r>
-            <a:r>
-              <a:rPr lang="en-US" altLang="zh-CN" dirty="0"/>
-              <a:t>() </a:t>
+              <a:t>LinkedList</a:t>
             </a:r>
             <a:r>
               <a:rPr lang="zh-CN" altLang="en-US" dirty="0"/>
-              <a:t>默认大小为</a:t>
-            </a:r>
-            <a:r>
-              <a:rPr lang="en-US" altLang="zh-CN" dirty="0"/>
-              <a:t>16 ; </a:t>
+              <a:t>整体插入、删除的执行效率比较稳定，没有</a:t>
             </a:r>
             <a:r>
               <a:rPr lang="en-US" altLang="zh-CN" dirty="0" err="1"/>
-              <a:t>HashMap</a:t>
-            </a:r>
-            <a:r>
-              <a:rPr lang="en-US" altLang="zh-CN" dirty="0"/>
-              <a:t>(</a:t>
+              <a:t>ArrayList</a:t>
+            </a:r>
+            <a:r>
+              <a:rPr lang="zh-CN" altLang="en-US" dirty="0"/>
+              <a:t>这种越往后越快的情况；二来插入元素的时候，弄得不好</a:t>
             </a:r>
             <a:r>
               <a:rPr lang="en-US" altLang="zh-CN" dirty="0" err="1"/>
-              <a:t>int</a:t>
-            </a:r>
-            <a:r>
-              <a:rPr lang="en-US" altLang="zh-CN" dirty="0"/>
-              <a:t> </a:t>
+              <a:t>ArrayList</a:t>
+            </a:r>
+            <a:r>
+              <a:rPr lang="zh-CN" altLang="en-US" dirty="0"/>
+              <a:t>就要进行一次扩容，记住，</a:t>
             </a:r>
             <a:r>
               <a:rPr lang="en-US" altLang="zh-CN" dirty="0" err="1"/>
-              <a:t>initialCapacity</a:t>
-            </a:r>
-            <a:r>
-              <a:rPr lang="en-US" altLang="zh-CN" dirty="0"/>
-              <a:t>); </a:t>
-            </a:r>
-            <a:r>
-              <a:rPr lang="en-US" altLang="zh-CN" dirty="0" err="1"/>
-              <a:t>HashMap</a:t>
-            </a:r>
-            <a:r>
-              <a:rPr lang="en-US" altLang="zh-CN" dirty="0"/>
-              <a:t>(</a:t>
-            </a:r>
-            <a:r>
-              <a:rPr lang="en-US" altLang="zh-CN" dirty="0" err="1"/>
-              <a:t>int</a:t>
-            </a:r>
-            <a:r>
-              <a:rPr lang="en-US" altLang="zh-CN" dirty="0"/>
-              <a:t> </a:t>
-            </a:r>
-            <a:r>
-              <a:rPr lang="en-US" altLang="zh-CN" dirty="0" err="1"/>
-              <a:t>initialCapacity</a:t>
-            </a:r>
-            <a:r>
-              <a:rPr lang="en-US" altLang="zh-CN" dirty="0"/>
-              <a:t>, float </a:t>
-            </a:r>
-            <a:r>
-              <a:rPr lang="en-US" altLang="zh-CN" dirty="0" err="1"/>
-              <a:t>loadFactor</a:t>
-            </a:r>
-            <a:r>
-              <a:rPr lang="en-US" altLang="zh-CN" dirty="0"/>
-              <a:t>);</a:t>
-            </a:r>
-          </a:p>
-          <a:p>
-            <a:r>
-              <a:rPr lang="zh-CN" altLang="en-US" dirty="0"/>
-              <a:t>初始容量，加载因子</a:t>
-            </a:r>
-            <a:r>
-              <a:rPr lang="en-US" altLang="zh-CN" dirty="0"/>
-              <a:t>:threshold=</a:t>
-            </a:r>
-            <a:r>
-              <a:rPr lang="zh-CN" altLang="en-US" dirty="0"/>
-              <a:t>初始容量</a:t>
-            </a:r>
-            <a:r>
-              <a:rPr lang="en-US" altLang="zh-CN" dirty="0"/>
-              <a:t>*</a:t>
-            </a:r>
-            <a:r>
-              <a:rPr lang="zh-CN" altLang="en-US" dirty="0"/>
-              <a:t>加载因子</a:t>
-            </a:r>
-            <a:r>
-              <a:rPr lang="en-US" altLang="zh-CN" dirty="0"/>
-              <a:t>,</a:t>
-            </a:r>
-            <a:r>
-              <a:rPr lang="zh-CN" altLang="en-US" dirty="0"/>
-              <a:t>加载因子默认为</a:t>
-            </a:r>
-            <a:r>
-              <a:rPr lang="en-US" altLang="zh-CN" dirty="0"/>
-              <a:t>0.75;</a:t>
-            </a:r>
-          </a:p>
-          <a:p>
-            <a:r>
-              <a:rPr lang="zh-CN" altLang="en-US" dirty="0"/>
-              <a:t> 内部由</a:t>
-            </a:r>
-            <a:r>
-              <a:rPr lang="en-US" altLang="zh-CN" dirty="0"/>
-              <a:t>Node&lt;K,V&gt;[] table </a:t>
-            </a:r>
-            <a:r>
-              <a:rPr lang="zh-CN" altLang="en-US" dirty="0"/>
-              <a:t>存储；</a:t>
-            </a:r>
-            <a:endParaRPr lang="en-US" altLang="zh-CN" dirty="0"/>
-          </a:p>
-          <a:p>
-            <a:r>
-              <a:rPr lang="zh-CN" altLang="en-US" dirty="0"/>
-              <a:t>为了保证</a:t>
-            </a:r>
-            <a:r>
-              <a:rPr lang="en-US" altLang="zh-CN" dirty="0" err="1"/>
-              <a:t>HashMap</a:t>
-            </a:r>
-            <a:r>
-              <a:rPr lang="zh-CN" altLang="en-US" dirty="0"/>
-              <a:t>的效率，系统必须要在某个临界点进行扩容处理。该临界点在当</a:t>
-            </a:r>
-            <a:r>
-              <a:rPr lang="en-US" altLang="zh-CN" dirty="0" err="1"/>
-              <a:t>HashMap</a:t>
-            </a:r>
-            <a:r>
-              <a:rPr lang="zh-CN" altLang="en-US" dirty="0"/>
-              <a:t>中元素的数量等于</a:t>
-            </a:r>
-            <a:r>
-              <a:rPr lang="en-US" altLang="zh-CN" dirty="0"/>
-              <a:t>table</a:t>
-            </a:r>
-            <a:r>
-              <a:rPr lang="zh-CN" altLang="en-US" dirty="0"/>
-              <a:t>数组长度*加载因子。但是扩容是一个非常耗时的过程，因为它需要重新计算这些数据在新</a:t>
-            </a:r>
-            <a:r>
-              <a:rPr lang="en-US" altLang="zh-CN" dirty="0"/>
-              <a:t>table</a:t>
-            </a:r>
-            <a:r>
-              <a:rPr lang="zh-CN" altLang="en-US" dirty="0"/>
-              <a:t>数组中的位置并进行复制处理。所以如果我们已经预知</a:t>
-            </a:r>
-            <a:r>
-              <a:rPr lang="en-US" altLang="zh-CN" dirty="0" err="1"/>
-              <a:t>HashMap</a:t>
-            </a:r>
-            <a:r>
-              <a:rPr lang="zh-CN" altLang="en-US" dirty="0"/>
-              <a:t>中元素的个数，那么预设元素的个数能够有效的提高</a:t>
-            </a:r>
-            <a:r>
-              <a:rPr lang="en-US" altLang="zh-CN" dirty="0" err="1"/>
-              <a:t>HashMap</a:t>
-            </a:r>
-            <a:r>
-              <a:rPr lang="zh-CN" altLang="en-US" dirty="0"/>
-              <a:t>的性能；</a:t>
-            </a:r>
-            <a:endParaRPr lang="en-US" altLang="zh-CN" dirty="0"/>
-          </a:p>
-          <a:p>
-            <a:r>
-              <a:rPr lang="zh-CN" altLang="en-US" dirty="0"/>
-              <a:t>常用方法：</a:t>
-            </a:r>
-            <a:r>
-              <a:rPr lang="en-US" altLang="zh-CN" dirty="0"/>
-              <a:t>put(K,V),</a:t>
-            </a:r>
-            <a:r>
-              <a:rPr lang="en-US" altLang="zh-CN" dirty="0" err="1"/>
-              <a:t>containsKey</a:t>
-            </a:r>
-            <a:r>
-              <a:rPr lang="en-US" altLang="zh-CN" dirty="0"/>
-              <a:t>(K),</a:t>
-            </a:r>
-            <a:r>
-              <a:rPr lang="en-US" altLang="zh-CN" dirty="0" err="1"/>
-              <a:t>containsValue</a:t>
-            </a:r>
-            <a:r>
-              <a:rPr lang="en-US" altLang="zh-CN" dirty="0"/>
-              <a:t>(V),get(K),</a:t>
-            </a:r>
-            <a:r>
-              <a:rPr lang="en-US" altLang="zh-CN" dirty="0" err="1"/>
-              <a:t>entrySet</a:t>
-            </a:r>
-            <a:r>
-              <a:rPr lang="en-US" altLang="zh-CN" dirty="0"/>
-              <a:t>(),remove(K)</a:t>
-            </a:r>
-            <a:endParaRPr lang="zh-CN" altLang="en-US" dirty="0"/>
+              <a:t>ArrayList</a:t>
+            </a:r>
+            <a:r>
+              <a:rPr lang="zh-CN" altLang="en-US"/>
+              <a:t>底层数组扩容是一个既消耗时间又消耗空间的操作</a:t>
+            </a:r>
           </a:p>
         </p:txBody>
       </p:sp>
     </p:spTree>
     <p:extLst>
       <p:ext uri="{BB962C8B-B14F-4D97-AF65-F5344CB8AC3E}">
-        <p14:creationId xmlns:p14="http://schemas.microsoft.com/office/powerpoint/2010/main" val="2884469920"/>
+        <p14:creationId xmlns:p14="http://schemas.microsoft.com/office/powerpoint/2010/main" val="76582888"/>
       </p:ext>
     </p:extLst>
   </p:cSld>
@@ -13674,6 +13990,324 @@
           <a:p>
             <a:r>
               <a:rPr lang="en-US" altLang="zh-CN" dirty="0"/>
+              <a:t>HashMap-1</a:t>
+            </a:r>
+            <a:endParaRPr lang="zh-CN" altLang="en-US" dirty="0"/>
+          </a:p>
+        </p:txBody>
+      </p:sp>
+      <p:sp>
+        <p:nvSpPr>
+          <p:cNvPr id="3" name="内容占位符 2"/>
+          <p:cNvSpPr>
+            <a:spLocks noGrp="1"/>
+          </p:cNvSpPr>
+          <p:nvPr>
+            <p:ph idx="1"/>
+          </p:nvPr>
+        </p:nvSpPr>
+        <p:spPr/>
+        <p:txBody>
+          <a:bodyPr>
+            <a:normAutofit lnSpcReduction="10000"/>
+          </a:bodyPr>
+          <a:lstStyle/>
+          <a:p>
+            <a:r>
+              <a:rPr lang="zh-CN" altLang="en-US" dirty="0"/>
+              <a:t>基于哈希表的 </a:t>
+            </a:r>
+            <a:r>
+              <a:rPr lang="en-US" altLang="zh-CN" dirty="0"/>
+              <a:t>Map </a:t>
+            </a:r>
+            <a:r>
+              <a:rPr lang="zh-CN" altLang="en-US" dirty="0"/>
+              <a:t>接口的实现，以</a:t>
+            </a:r>
+            <a:r>
+              <a:rPr lang="en-US" altLang="zh-CN" dirty="0"/>
+              <a:t>key-value</a:t>
+            </a:r>
+            <a:r>
+              <a:rPr lang="zh-CN" altLang="en-US" dirty="0"/>
+              <a:t>的形式存在</a:t>
+            </a:r>
+            <a:r>
+              <a:rPr lang="en-US" altLang="zh-CN" dirty="0"/>
+              <a:t>;</a:t>
+            </a:r>
+          </a:p>
+          <a:p>
+            <a:r>
+              <a:rPr lang="zh-CN" altLang="en-US" dirty="0"/>
+              <a:t>构造函数</a:t>
+            </a:r>
+            <a:r>
+              <a:rPr lang="en-US" altLang="zh-CN" dirty="0"/>
+              <a:t>:</a:t>
+            </a:r>
+            <a:r>
+              <a:rPr lang="en-US" altLang="zh-CN" dirty="0" err="1"/>
+              <a:t>HashMap</a:t>
+            </a:r>
+            <a:r>
+              <a:rPr lang="en-US" altLang="zh-CN" dirty="0"/>
+              <a:t>() </a:t>
+            </a:r>
+            <a:r>
+              <a:rPr lang="zh-CN" altLang="en-US" dirty="0"/>
+              <a:t>默认大小为</a:t>
+            </a:r>
+            <a:r>
+              <a:rPr lang="en-US" altLang="zh-CN" dirty="0"/>
+              <a:t>16 ; </a:t>
+            </a:r>
+            <a:r>
+              <a:rPr lang="en-US" altLang="zh-CN" dirty="0" err="1"/>
+              <a:t>HashMap</a:t>
+            </a:r>
+            <a:r>
+              <a:rPr lang="en-US" altLang="zh-CN" dirty="0"/>
+              <a:t>(</a:t>
+            </a:r>
+            <a:r>
+              <a:rPr lang="en-US" altLang="zh-CN" dirty="0" err="1"/>
+              <a:t>int</a:t>
+            </a:r>
+            <a:r>
+              <a:rPr lang="en-US" altLang="zh-CN" dirty="0"/>
+              <a:t> </a:t>
+            </a:r>
+            <a:r>
+              <a:rPr lang="en-US" altLang="zh-CN" dirty="0" err="1"/>
+              <a:t>initialCapacity</a:t>
+            </a:r>
+            <a:r>
+              <a:rPr lang="en-US" altLang="zh-CN" dirty="0"/>
+              <a:t>); </a:t>
+            </a:r>
+            <a:r>
+              <a:rPr lang="en-US" altLang="zh-CN" dirty="0" err="1"/>
+              <a:t>HashMap</a:t>
+            </a:r>
+            <a:r>
+              <a:rPr lang="en-US" altLang="zh-CN" dirty="0"/>
+              <a:t>(</a:t>
+            </a:r>
+            <a:r>
+              <a:rPr lang="en-US" altLang="zh-CN" dirty="0" err="1"/>
+              <a:t>int</a:t>
+            </a:r>
+            <a:r>
+              <a:rPr lang="en-US" altLang="zh-CN" dirty="0"/>
+              <a:t> </a:t>
+            </a:r>
+            <a:r>
+              <a:rPr lang="en-US" altLang="zh-CN" dirty="0" err="1"/>
+              <a:t>initialCapacity</a:t>
+            </a:r>
+            <a:r>
+              <a:rPr lang="en-US" altLang="zh-CN" dirty="0"/>
+              <a:t>, float </a:t>
+            </a:r>
+            <a:r>
+              <a:rPr lang="en-US" altLang="zh-CN" dirty="0" err="1"/>
+              <a:t>loadFactor</a:t>
+            </a:r>
+            <a:r>
+              <a:rPr lang="en-US" altLang="zh-CN" dirty="0"/>
+              <a:t>);</a:t>
+            </a:r>
+          </a:p>
+          <a:p>
+            <a:r>
+              <a:rPr lang="zh-CN" altLang="en-US" dirty="0"/>
+              <a:t>初始容量，加载因子</a:t>
+            </a:r>
+            <a:r>
+              <a:rPr lang="en-US" altLang="zh-CN" dirty="0"/>
+              <a:t>:threshold=</a:t>
+            </a:r>
+            <a:r>
+              <a:rPr lang="zh-CN" altLang="en-US" dirty="0"/>
+              <a:t>初始容量</a:t>
+            </a:r>
+            <a:r>
+              <a:rPr lang="en-US" altLang="zh-CN" dirty="0"/>
+              <a:t>*</a:t>
+            </a:r>
+            <a:r>
+              <a:rPr lang="zh-CN" altLang="en-US" dirty="0"/>
+              <a:t>加载因子</a:t>
+            </a:r>
+            <a:r>
+              <a:rPr lang="en-US" altLang="zh-CN" dirty="0"/>
+              <a:t>,</a:t>
+            </a:r>
+            <a:r>
+              <a:rPr lang="zh-CN" altLang="en-US" dirty="0"/>
+              <a:t>加载因子默认为</a:t>
+            </a:r>
+            <a:r>
+              <a:rPr lang="en-US" altLang="zh-CN" dirty="0"/>
+              <a:t>0.75;</a:t>
+            </a:r>
+          </a:p>
+          <a:p>
+            <a:r>
+              <a:rPr lang="zh-CN" altLang="en-US" dirty="0"/>
+              <a:t> 内部由</a:t>
+            </a:r>
+            <a:r>
+              <a:rPr lang="en-US" altLang="zh-CN" dirty="0"/>
+              <a:t>Node&lt;K,V&gt;[] table </a:t>
+            </a:r>
+            <a:r>
+              <a:rPr lang="zh-CN" altLang="en-US" dirty="0"/>
+              <a:t>存储；</a:t>
+            </a:r>
+            <a:endParaRPr lang="en-US" altLang="zh-CN" dirty="0"/>
+          </a:p>
+          <a:p>
+            <a:r>
+              <a:rPr lang="zh-CN" altLang="en-US" dirty="0"/>
+              <a:t>为了保证</a:t>
+            </a:r>
+            <a:r>
+              <a:rPr lang="en-US" altLang="zh-CN" dirty="0" err="1"/>
+              <a:t>HashMap</a:t>
+            </a:r>
+            <a:r>
+              <a:rPr lang="zh-CN" altLang="en-US" dirty="0"/>
+              <a:t>的效率，系统必须要在某个临界点进行扩容处理。该临界点在当</a:t>
+            </a:r>
+            <a:r>
+              <a:rPr lang="en-US" altLang="zh-CN" dirty="0" err="1"/>
+              <a:t>HashMap</a:t>
+            </a:r>
+            <a:r>
+              <a:rPr lang="zh-CN" altLang="en-US" dirty="0"/>
+              <a:t>中元素的数量等于</a:t>
+            </a:r>
+            <a:r>
+              <a:rPr lang="en-US" altLang="zh-CN" dirty="0"/>
+              <a:t>table</a:t>
+            </a:r>
+            <a:r>
+              <a:rPr lang="zh-CN" altLang="en-US" dirty="0"/>
+              <a:t>数组长度*加载因子。但是扩容是一个非常耗时的过程，因为它需要重新计算这些数据在新</a:t>
+            </a:r>
+            <a:r>
+              <a:rPr lang="en-US" altLang="zh-CN" dirty="0"/>
+              <a:t>table</a:t>
+            </a:r>
+            <a:r>
+              <a:rPr lang="zh-CN" altLang="en-US" dirty="0"/>
+              <a:t>数组中的位置并进行复制处理。所以如果我们已经预知</a:t>
+            </a:r>
+            <a:r>
+              <a:rPr lang="en-US" altLang="zh-CN" dirty="0" err="1"/>
+              <a:t>HashMap</a:t>
+            </a:r>
+            <a:r>
+              <a:rPr lang="zh-CN" altLang="en-US" dirty="0"/>
+              <a:t>中元素的个数，那么预设元素的个数能够有效的提高</a:t>
+            </a:r>
+            <a:r>
+              <a:rPr lang="en-US" altLang="zh-CN" dirty="0" err="1"/>
+              <a:t>HashMap</a:t>
+            </a:r>
+            <a:r>
+              <a:rPr lang="zh-CN" altLang="en-US" dirty="0"/>
+              <a:t>的性能；</a:t>
+            </a:r>
+            <a:endParaRPr lang="en-US" altLang="zh-CN" dirty="0"/>
+          </a:p>
+          <a:p>
+            <a:r>
+              <a:rPr lang="zh-CN" altLang="en-US" dirty="0"/>
+              <a:t>常用方法：</a:t>
+            </a:r>
+            <a:r>
+              <a:rPr lang="en-US" altLang="zh-CN" dirty="0"/>
+              <a:t>put(K,V),</a:t>
+            </a:r>
+            <a:r>
+              <a:rPr lang="en-US" altLang="zh-CN" dirty="0" err="1"/>
+              <a:t>containsKey</a:t>
+            </a:r>
+            <a:r>
+              <a:rPr lang="en-US" altLang="zh-CN" dirty="0"/>
+              <a:t>(K),</a:t>
+            </a:r>
+            <a:r>
+              <a:rPr lang="en-US" altLang="zh-CN" dirty="0" err="1"/>
+              <a:t>containsValue</a:t>
+            </a:r>
+            <a:r>
+              <a:rPr lang="en-US" altLang="zh-CN" dirty="0"/>
+              <a:t>(V),get(K),</a:t>
+            </a:r>
+            <a:r>
+              <a:rPr lang="en-US" altLang="zh-CN" dirty="0" err="1"/>
+              <a:t>entrySet</a:t>
+            </a:r>
+            <a:r>
+              <a:rPr lang="en-US" altLang="zh-CN" dirty="0"/>
+              <a:t>(),remove(K)</a:t>
+            </a:r>
+            <a:endParaRPr lang="zh-CN" altLang="en-US" dirty="0"/>
+          </a:p>
+        </p:txBody>
+      </p:sp>
+    </p:spTree>
+    <p:extLst>
+      <p:ext uri="{BB962C8B-B14F-4D97-AF65-F5344CB8AC3E}">
+        <p14:creationId xmlns:p14="http://schemas.microsoft.com/office/powerpoint/2010/main" val="2884469920"/>
+      </p:ext>
+    </p:extLst>
+  </p:cSld>
+  <p:clrMapOvr>
+    <a:masterClrMapping/>
+  </p:clrMapOvr>
+</p:sld>
+</file>
+
+<file path=ppt/slides/slide9.xml><?xml version="1.0" encoding="utf-8"?>
+<p:sld xmlns:a="http://schemas.openxmlformats.org/drawingml/2006/main" xmlns:r="http://schemas.openxmlformats.org/officeDocument/2006/relationships" xmlns:p="http://schemas.openxmlformats.org/presentationml/2006/main">
+  <p:cSld>
+    <p:spTree>
+      <p:nvGrpSpPr>
+        <p:cNvPr id="1" name=""/>
+        <p:cNvGrpSpPr/>
+        <p:nvPr/>
+      </p:nvGrpSpPr>
+      <p:grpSpPr>
+        <a:xfrm>
+          <a:off x="0" y="0"/>
+          <a:ext cx="0" cy="0"/>
+          <a:chOff x="0" y="0"/>
+          <a:chExt cx="0" cy="0"/>
+        </a:xfrm>
+      </p:grpSpPr>
+      <p:sp>
+        <p:nvSpPr>
+          <p:cNvPr id="2" name="标题 1"/>
+          <p:cNvSpPr>
+            <a:spLocks noGrp="1"/>
+          </p:cNvSpPr>
+          <p:nvPr>
+            <p:ph type="title"/>
+          </p:nvPr>
+        </p:nvSpPr>
+        <p:spPr/>
+        <p:txBody>
+          <a:bodyPr/>
+          <a:lstStyle/>
+          <a:p>
+            <a:r>
+              <a:rPr lang="en-US" altLang="zh-CN" dirty="0"/>
               <a:t>HashMap-2</a:t>
             </a:r>
             <a:endParaRPr lang="zh-CN" altLang="en-US" dirty="0"/>
@@ -13743,7 +14377,7 @@
           <p:cNvPr id="4" name="图片 3">
             <a:extLst>
               <a:ext uri="{FF2B5EF4-FFF2-40B4-BE49-F238E27FC236}">
-                <a16:creationId xmlns:a16="http://schemas.microsoft.com/office/drawing/2014/main" id="{6C60E5AF-8114-449B-8802-5620BC0A6279}"/>
+                <a16:creationId xmlns:a16="http://schemas.microsoft.com/office/drawing/2014/main" xmlns="" id="{6C60E5AF-8114-449B-8802-5620BC0A6279}"/>
               </a:ext>
             </a:extLst>
           </p:cNvPr>
@@ -13773,7 +14407,7 @@
           <p:cNvPr id="5" name="图片 4">
             <a:extLst>
               <a:ext uri="{FF2B5EF4-FFF2-40B4-BE49-F238E27FC236}">
-                <a16:creationId xmlns:a16="http://schemas.microsoft.com/office/drawing/2014/main" id="{721ADE74-60AE-419E-93BC-A0E432F8A456}"/>
+                <a16:creationId xmlns:a16="http://schemas.microsoft.com/office/drawing/2014/main" xmlns="" id="{721ADE74-60AE-419E-93BC-A0E432F8A456}"/>
               </a:ext>
             </a:extLst>
           </p:cNvPr>
@@ -13802,90 +14436,6 @@
     <p:extLst>
       <p:ext uri="{BB962C8B-B14F-4D97-AF65-F5344CB8AC3E}">
         <p14:creationId xmlns:p14="http://schemas.microsoft.com/office/powerpoint/2010/main" val="255267502"/>
-      </p:ext>
-    </p:extLst>
-  </p:cSld>
-  <p:clrMapOvr>
-    <a:masterClrMapping/>
-  </p:clrMapOvr>
-</p:sld>
-</file>
-
-<file path=ppt/slides/slide9.xml><?xml version="1.0" encoding="utf-8"?>
-<p:sld xmlns:a="http://schemas.openxmlformats.org/drawingml/2006/main" xmlns:r="http://schemas.openxmlformats.org/officeDocument/2006/relationships" xmlns:p="http://schemas.openxmlformats.org/presentationml/2006/main">
-  <p:cSld>
-    <p:spTree>
-      <p:nvGrpSpPr>
-        <p:cNvPr id="1" name=""/>
-        <p:cNvGrpSpPr/>
-        <p:nvPr/>
-      </p:nvGrpSpPr>
-      <p:grpSpPr>
-        <a:xfrm>
-          <a:off x="0" y="0"/>
-          <a:ext cx="0" cy="0"/>
-          <a:chOff x="0" y="0"/>
-          <a:chExt cx="0" cy="0"/>
-        </a:xfrm>
-      </p:grpSpPr>
-      <p:sp>
-        <p:nvSpPr>
-          <p:cNvPr id="2" name="标题 1">
-            <a:extLst>
-              <a:ext uri="{FF2B5EF4-FFF2-40B4-BE49-F238E27FC236}">
-                <a16:creationId xmlns:a16="http://schemas.microsoft.com/office/drawing/2014/main" id="{94A37492-A7E5-4C37-8CEE-7B9654BAFC8C}"/>
-              </a:ext>
-            </a:extLst>
-          </p:cNvPr>
-          <p:cNvSpPr>
-            <a:spLocks noGrp="1"/>
-          </p:cNvSpPr>
-          <p:nvPr>
-            <p:ph type="title"/>
-          </p:nvPr>
-        </p:nvSpPr>
-        <p:spPr/>
-        <p:txBody>
-          <a:bodyPr/>
-          <a:lstStyle/>
-          <a:p>
-            <a:r>
-              <a:rPr lang="en-US" altLang="zh-CN" dirty="0" err="1"/>
-              <a:t>TreeMap</a:t>
-            </a:r>
-            <a:endParaRPr lang="zh-CN" altLang="en-US" dirty="0"/>
-          </a:p>
-        </p:txBody>
-      </p:sp>
-      <p:sp>
-        <p:nvSpPr>
-          <p:cNvPr id="3" name="内容占位符 2">
-            <a:extLst>
-              <a:ext uri="{FF2B5EF4-FFF2-40B4-BE49-F238E27FC236}">
-                <a16:creationId xmlns:a16="http://schemas.microsoft.com/office/drawing/2014/main" id="{9A51F79C-42FD-4EFE-B6E2-3640E29526A0}"/>
-              </a:ext>
-            </a:extLst>
-          </p:cNvPr>
-          <p:cNvSpPr>
-            <a:spLocks noGrp="1"/>
-          </p:cNvSpPr>
-          <p:nvPr>
-            <p:ph idx="1"/>
-          </p:nvPr>
-        </p:nvSpPr>
-        <p:spPr/>
-        <p:txBody>
-          <a:bodyPr/>
-          <a:lstStyle/>
-          <a:p>
-            <a:endParaRPr lang="zh-CN" altLang="en-US"/>
-          </a:p>
-        </p:txBody>
-      </p:sp>
-    </p:spTree>
-    <p:extLst>
-      <p:ext uri="{BB962C8B-B14F-4D97-AF65-F5344CB8AC3E}">
-        <p14:creationId xmlns:p14="http://schemas.microsoft.com/office/powerpoint/2010/main" val="1953264496"/>
       </p:ext>
     </p:extLst>
   </p:cSld>
